--- a/Solving Graph Isomorphism with Minimum Bit Strings.pptx
+++ b/Solving Graph Isomorphism with Minimum Bit Strings.pptx
@@ -4,6 +4,9 @@
   <p:sldMasterIdLst>
     <p:sldMasterId id="2147483936" r:id="rId1"/>
   </p:sldMasterIdLst>
+  <p:notesMasterIdLst>
+    <p:notesMasterId r:id="rId13"/>
+  </p:notesMasterIdLst>
   <p:sldIdLst>
     <p:sldId id="256" r:id="rId2"/>
     <p:sldId id="257" r:id="rId3"/>
@@ -12,6 +15,10 @@
     <p:sldId id="260" r:id="rId6"/>
     <p:sldId id="261" r:id="rId7"/>
     <p:sldId id="262" r:id="rId8"/>
+    <p:sldId id="263" r:id="rId9"/>
+    <p:sldId id="264" r:id="rId10"/>
+    <p:sldId id="266" r:id="rId11"/>
+    <p:sldId id="265" r:id="rId12"/>
   </p:sldIdLst>
   <p:sldSz cx="9144000" cy="6858000" type="screen4x3"/>
   <p:notesSz cx="6858000" cy="9144000"/>
@@ -122,12 +129,588 @@
             <p14:sldId id="260"/>
             <p14:sldId id="261"/>
             <p14:sldId id="262"/>
+            <p14:sldId id="263"/>
+            <p14:sldId id="264"/>
+            <p14:sldId id="266"/>
+            <p14:sldId id="265"/>
           </p14:sldIdLst>
         </p14:section>
       </p14:sectionLst>
     </p:ext>
   </p:extLst>
 </p:presentation>
+</file>
+
+<file path=ppt/notesMasters/notesMaster1.xml><?xml version="1.0" encoding="utf-8"?>
+<p:notesMaster xmlns:a="http://schemas.openxmlformats.org/drawingml/2006/main" xmlns:r="http://schemas.openxmlformats.org/officeDocument/2006/relationships" xmlns:p="http://schemas.openxmlformats.org/presentationml/2006/main">
+  <p:cSld>
+    <p:bg>
+      <p:bgRef idx="1001">
+        <a:schemeClr val="bg1"/>
+      </p:bgRef>
+    </p:bg>
+    <p:spTree>
+      <p:nvGrpSpPr>
+        <p:cNvPr id="1" name=""/>
+        <p:cNvGrpSpPr/>
+        <p:nvPr/>
+      </p:nvGrpSpPr>
+      <p:grpSpPr>
+        <a:xfrm>
+          <a:off x="0" y="0"/>
+          <a:ext cx="0" cy="0"/>
+          <a:chOff x="0" y="0"/>
+          <a:chExt cx="0" cy="0"/>
+        </a:xfrm>
+      </p:grpSpPr>
+      <p:sp>
+        <p:nvSpPr>
+          <p:cNvPr id="2" name="Header Placeholder 1"/>
+          <p:cNvSpPr>
+            <a:spLocks noGrp="1"/>
+          </p:cNvSpPr>
+          <p:nvPr>
+            <p:ph type="hdr" sz="quarter"/>
+          </p:nvPr>
+        </p:nvSpPr>
+        <p:spPr>
+          <a:xfrm>
+            <a:off x="0" y="0"/>
+            <a:ext cx="2971800" cy="457200"/>
+          </a:xfrm>
+          <a:prstGeom prst="rect">
+            <a:avLst/>
+          </a:prstGeom>
+        </p:spPr>
+        <p:txBody>
+          <a:bodyPr vert="horz" lIns="91440" tIns="45720" rIns="91440" bIns="45720" rtlCol="0"/>
+          <a:lstStyle>
+            <a:lvl1pPr algn="l">
+              <a:defRPr sz="1200"/>
+            </a:lvl1pPr>
+          </a:lstStyle>
+          <a:p>
+            <a:endParaRPr lang="en-CA"/>
+          </a:p>
+        </p:txBody>
+      </p:sp>
+      <p:sp>
+        <p:nvSpPr>
+          <p:cNvPr id="3" name="Date Placeholder 2"/>
+          <p:cNvSpPr>
+            <a:spLocks noGrp="1"/>
+          </p:cNvSpPr>
+          <p:nvPr>
+            <p:ph type="dt" idx="1"/>
+          </p:nvPr>
+        </p:nvSpPr>
+        <p:spPr>
+          <a:xfrm>
+            <a:off x="3884613" y="0"/>
+            <a:ext cx="2971800" cy="457200"/>
+          </a:xfrm>
+          <a:prstGeom prst="rect">
+            <a:avLst/>
+          </a:prstGeom>
+        </p:spPr>
+        <p:txBody>
+          <a:bodyPr vert="horz" lIns="91440" tIns="45720" rIns="91440" bIns="45720" rtlCol="0"/>
+          <a:lstStyle>
+            <a:lvl1pPr algn="r">
+              <a:defRPr sz="1200"/>
+            </a:lvl1pPr>
+          </a:lstStyle>
+          <a:p>
+            <a:fld id="{C8E98AEB-9C04-4DA7-BDC8-870B7305CDC1}" type="datetimeFigureOut">
+              <a:rPr lang="en-CA" smtClean="0"/>
+              <a:t>2015-04-06</a:t>
+            </a:fld>
+            <a:endParaRPr lang="en-CA"/>
+          </a:p>
+        </p:txBody>
+      </p:sp>
+      <p:sp>
+        <p:nvSpPr>
+          <p:cNvPr id="4" name="Slide Image Placeholder 3"/>
+          <p:cNvSpPr>
+            <a:spLocks noGrp="1" noRot="1" noChangeAspect="1"/>
+          </p:cNvSpPr>
+          <p:nvPr>
+            <p:ph type="sldImg" idx="2"/>
+          </p:nvPr>
+        </p:nvSpPr>
+        <p:spPr>
+          <a:xfrm>
+            <a:off x="1143000" y="685800"/>
+            <a:ext cx="4572000" cy="3429000"/>
+          </a:xfrm>
+          <a:prstGeom prst="rect">
+            <a:avLst/>
+          </a:prstGeom>
+          <a:noFill/>
+          <a:ln w="12700">
+            <a:solidFill>
+              <a:prstClr val="black"/>
+            </a:solidFill>
+          </a:ln>
+        </p:spPr>
+        <p:txBody>
+          <a:bodyPr vert="horz" lIns="91440" tIns="45720" rIns="91440" bIns="45720" rtlCol="0" anchor="ctr"/>
+          <a:lstStyle/>
+          <a:p>
+            <a:endParaRPr lang="en-CA"/>
+          </a:p>
+        </p:txBody>
+      </p:sp>
+      <p:sp>
+        <p:nvSpPr>
+          <p:cNvPr id="5" name="Notes Placeholder 4"/>
+          <p:cNvSpPr>
+            <a:spLocks noGrp="1"/>
+          </p:cNvSpPr>
+          <p:nvPr>
+            <p:ph type="body" sz="quarter" idx="3"/>
+          </p:nvPr>
+        </p:nvSpPr>
+        <p:spPr>
+          <a:xfrm>
+            <a:off x="685800" y="4343400"/>
+            <a:ext cx="5486400" cy="4114800"/>
+          </a:xfrm>
+          <a:prstGeom prst="rect">
+            <a:avLst/>
+          </a:prstGeom>
+        </p:spPr>
+        <p:txBody>
+          <a:bodyPr vert="horz" lIns="91440" tIns="45720" rIns="91440" bIns="45720" rtlCol="0"/>
+          <a:lstStyle/>
+          <a:p>
+            <a:pPr lvl="0"/>
+            <a:r>
+              <a:rPr lang="en-US" smtClean="0"/>
+              <a:t>Click to edit Master text styles</a:t>
+            </a:r>
+          </a:p>
+          <a:p>
+            <a:pPr lvl="1"/>
+            <a:r>
+              <a:rPr lang="en-US" smtClean="0"/>
+              <a:t>Second level</a:t>
+            </a:r>
+          </a:p>
+          <a:p>
+            <a:pPr lvl="2"/>
+            <a:r>
+              <a:rPr lang="en-US" smtClean="0"/>
+              <a:t>Third level</a:t>
+            </a:r>
+          </a:p>
+          <a:p>
+            <a:pPr lvl="3"/>
+            <a:r>
+              <a:rPr lang="en-US" smtClean="0"/>
+              <a:t>Fourth level</a:t>
+            </a:r>
+          </a:p>
+          <a:p>
+            <a:pPr lvl="4"/>
+            <a:r>
+              <a:rPr lang="en-US" smtClean="0"/>
+              <a:t>Fifth level</a:t>
+            </a:r>
+            <a:endParaRPr lang="en-CA"/>
+          </a:p>
+        </p:txBody>
+      </p:sp>
+      <p:sp>
+        <p:nvSpPr>
+          <p:cNvPr id="6" name="Footer Placeholder 5"/>
+          <p:cNvSpPr>
+            <a:spLocks noGrp="1"/>
+          </p:cNvSpPr>
+          <p:nvPr>
+            <p:ph type="ftr" sz="quarter" idx="4"/>
+          </p:nvPr>
+        </p:nvSpPr>
+        <p:spPr>
+          <a:xfrm>
+            <a:off x="0" y="8685213"/>
+            <a:ext cx="2971800" cy="457200"/>
+          </a:xfrm>
+          <a:prstGeom prst="rect">
+            <a:avLst/>
+          </a:prstGeom>
+        </p:spPr>
+        <p:txBody>
+          <a:bodyPr vert="horz" lIns="91440" tIns="45720" rIns="91440" bIns="45720" rtlCol="0" anchor="b"/>
+          <a:lstStyle>
+            <a:lvl1pPr algn="l">
+              <a:defRPr sz="1200"/>
+            </a:lvl1pPr>
+          </a:lstStyle>
+          <a:p>
+            <a:endParaRPr lang="en-CA"/>
+          </a:p>
+        </p:txBody>
+      </p:sp>
+      <p:sp>
+        <p:nvSpPr>
+          <p:cNvPr id="7" name="Slide Number Placeholder 6"/>
+          <p:cNvSpPr>
+            <a:spLocks noGrp="1"/>
+          </p:cNvSpPr>
+          <p:nvPr>
+            <p:ph type="sldNum" sz="quarter" idx="5"/>
+          </p:nvPr>
+        </p:nvSpPr>
+        <p:spPr>
+          <a:xfrm>
+            <a:off x="3884613" y="8685213"/>
+            <a:ext cx="2971800" cy="457200"/>
+          </a:xfrm>
+          <a:prstGeom prst="rect">
+            <a:avLst/>
+          </a:prstGeom>
+        </p:spPr>
+        <p:txBody>
+          <a:bodyPr vert="horz" lIns="91440" tIns="45720" rIns="91440" bIns="45720" rtlCol="0" anchor="b"/>
+          <a:lstStyle>
+            <a:lvl1pPr algn="r">
+              <a:defRPr sz="1200"/>
+            </a:lvl1pPr>
+          </a:lstStyle>
+          <a:p>
+            <a:fld id="{C0B67A0F-9E9C-4713-8B2B-C14C47945168}" type="slidenum">
+              <a:rPr lang="en-CA" smtClean="0"/>
+              <a:t>‹#›</a:t>
+            </a:fld>
+            <a:endParaRPr lang="en-CA"/>
+          </a:p>
+        </p:txBody>
+      </p:sp>
+    </p:spTree>
+    <p:extLst>
+      <p:ext uri="{BB962C8B-B14F-4D97-AF65-F5344CB8AC3E}">
+        <p14:creationId xmlns:p14="http://schemas.microsoft.com/office/powerpoint/2010/main" val="3231701996"/>
+      </p:ext>
+    </p:extLst>
+  </p:cSld>
+  <p:clrMap bg1="lt1" tx1="dk1" bg2="lt2" tx2="dk2" accent1="accent1" accent2="accent2" accent3="accent3" accent4="accent4" accent5="accent5" accent6="accent6" hlink="hlink" folHlink="folHlink"/>
+  <p:notesStyle>
+    <a:lvl1pPr marL="0" algn="l" defTabSz="914400" rtl="0" eaLnBrk="1" latinLnBrk="0" hangingPunct="1">
+      <a:defRPr sz="1200" kern="1200">
+        <a:solidFill>
+          <a:schemeClr val="tx1"/>
+        </a:solidFill>
+        <a:latin typeface="+mn-lt"/>
+        <a:ea typeface="+mn-ea"/>
+        <a:cs typeface="+mn-cs"/>
+      </a:defRPr>
+    </a:lvl1pPr>
+    <a:lvl2pPr marL="457200" algn="l" defTabSz="914400" rtl="0" eaLnBrk="1" latinLnBrk="0" hangingPunct="1">
+      <a:defRPr sz="1200" kern="1200">
+        <a:solidFill>
+          <a:schemeClr val="tx1"/>
+        </a:solidFill>
+        <a:latin typeface="+mn-lt"/>
+        <a:ea typeface="+mn-ea"/>
+        <a:cs typeface="+mn-cs"/>
+      </a:defRPr>
+    </a:lvl2pPr>
+    <a:lvl3pPr marL="914400" algn="l" defTabSz="914400" rtl="0" eaLnBrk="1" latinLnBrk="0" hangingPunct="1">
+      <a:defRPr sz="1200" kern="1200">
+        <a:solidFill>
+          <a:schemeClr val="tx1"/>
+        </a:solidFill>
+        <a:latin typeface="+mn-lt"/>
+        <a:ea typeface="+mn-ea"/>
+        <a:cs typeface="+mn-cs"/>
+      </a:defRPr>
+    </a:lvl3pPr>
+    <a:lvl4pPr marL="1371600" algn="l" defTabSz="914400" rtl="0" eaLnBrk="1" latinLnBrk="0" hangingPunct="1">
+      <a:defRPr sz="1200" kern="1200">
+        <a:solidFill>
+          <a:schemeClr val="tx1"/>
+        </a:solidFill>
+        <a:latin typeface="+mn-lt"/>
+        <a:ea typeface="+mn-ea"/>
+        <a:cs typeface="+mn-cs"/>
+      </a:defRPr>
+    </a:lvl4pPr>
+    <a:lvl5pPr marL="1828800" algn="l" defTabSz="914400" rtl="0" eaLnBrk="1" latinLnBrk="0" hangingPunct="1">
+      <a:defRPr sz="1200" kern="1200">
+        <a:solidFill>
+          <a:schemeClr val="tx1"/>
+        </a:solidFill>
+        <a:latin typeface="+mn-lt"/>
+        <a:ea typeface="+mn-ea"/>
+        <a:cs typeface="+mn-cs"/>
+      </a:defRPr>
+    </a:lvl5pPr>
+    <a:lvl6pPr marL="2286000" algn="l" defTabSz="914400" rtl="0" eaLnBrk="1" latinLnBrk="0" hangingPunct="1">
+      <a:defRPr sz="1200" kern="1200">
+        <a:solidFill>
+          <a:schemeClr val="tx1"/>
+        </a:solidFill>
+        <a:latin typeface="+mn-lt"/>
+        <a:ea typeface="+mn-ea"/>
+        <a:cs typeface="+mn-cs"/>
+      </a:defRPr>
+    </a:lvl6pPr>
+    <a:lvl7pPr marL="2743200" algn="l" defTabSz="914400" rtl="0" eaLnBrk="1" latinLnBrk="0" hangingPunct="1">
+      <a:defRPr sz="1200" kern="1200">
+        <a:solidFill>
+          <a:schemeClr val="tx1"/>
+        </a:solidFill>
+        <a:latin typeface="+mn-lt"/>
+        <a:ea typeface="+mn-ea"/>
+        <a:cs typeface="+mn-cs"/>
+      </a:defRPr>
+    </a:lvl7pPr>
+    <a:lvl8pPr marL="3200400" algn="l" defTabSz="914400" rtl="0" eaLnBrk="1" latinLnBrk="0" hangingPunct="1">
+      <a:defRPr sz="1200" kern="1200">
+        <a:solidFill>
+          <a:schemeClr val="tx1"/>
+        </a:solidFill>
+        <a:latin typeface="+mn-lt"/>
+        <a:ea typeface="+mn-ea"/>
+        <a:cs typeface="+mn-cs"/>
+      </a:defRPr>
+    </a:lvl8pPr>
+    <a:lvl9pPr marL="3657600" algn="l" defTabSz="914400" rtl="0" eaLnBrk="1" latinLnBrk="0" hangingPunct="1">
+      <a:defRPr sz="1200" kern="1200">
+        <a:solidFill>
+          <a:schemeClr val="tx1"/>
+        </a:solidFill>
+        <a:latin typeface="+mn-lt"/>
+        <a:ea typeface="+mn-ea"/>
+        <a:cs typeface="+mn-cs"/>
+      </a:defRPr>
+    </a:lvl9pPr>
+  </p:notesStyle>
+</p:notesMaster>
+</file>
+
+<file path=ppt/notesSlides/notesSlide1.xml><?xml version="1.0" encoding="utf-8"?>
+<p:notes xmlns:a="http://schemas.openxmlformats.org/drawingml/2006/main" xmlns:r="http://schemas.openxmlformats.org/officeDocument/2006/relationships" xmlns:p="http://schemas.openxmlformats.org/presentationml/2006/main">
+  <p:cSld>
+    <p:spTree>
+      <p:nvGrpSpPr>
+        <p:cNvPr id="1" name=""/>
+        <p:cNvGrpSpPr/>
+        <p:nvPr/>
+      </p:nvGrpSpPr>
+      <p:grpSpPr>
+        <a:xfrm>
+          <a:off x="0" y="0"/>
+          <a:ext cx="0" cy="0"/>
+          <a:chOff x="0" y="0"/>
+          <a:chExt cx="0" cy="0"/>
+        </a:xfrm>
+      </p:grpSpPr>
+      <p:sp>
+        <p:nvSpPr>
+          <p:cNvPr id="2" name="Slide Image Placeholder 1"/>
+          <p:cNvSpPr>
+            <a:spLocks noGrp="1" noRot="1" noChangeAspect="1"/>
+          </p:cNvSpPr>
+          <p:nvPr>
+            <p:ph type="sldImg"/>
+          </p:nvPr>
+        </p:nvSpPr>
+        <p:spPr/>
+      </p:sp>
+      <p:sp>
+        <p:nvSpPr>
+          <p:cNvPr id="3" name="Notes Placeholder 2"/>
+          <p:cNvSpPr>
+            <a:spLocks noGrp="1"/>
+          </p:cNvSpPr>
+          <p:nvPr>
+            <p:ph type="body" idx="1"/>
+          </p:nvPr>
+        </p:nvSpPr>
+        <p:spPr/>
+        <p:txBody>
+          <a:bodyPr/>
+          <a:lstStyle/>
+          <a:p>
+            <a:r>
+              <a:rPr lang="en-CA" dirty="0" smtClean="0"/>
+              <a:t>Chemistry – same formula different structure</a:t>
+            </a:r>
+          </a:p>
+          <a:p>
+            <a:r>
+              <a:rPr lang="en-CA" dirty="0" smtClean="0"/>
+              <a:t>Crypto – replacing</a:t>
+            </a:r>
+            <a:r>
+              <a:rPr lang="en-CA" baseline="0" dirty="0" smtClean="0"/>
+              <a:t> standard </a:t>
+            </a:r>
+            <a:r>
+              <a:rPr lang="en-CA" baseline="0" dirty="0" err="1" smtClean="0"/>
+              <a:t>sbox</a:t>
+            </a:r>
+            <a:r>
+              <a:rPr lang="en-CA" baseline="0" dirty="0" smtClean="0"/>
+              <a:t> with isomorphic equivalent</a:t>
+            </a:r>
+          </a:p>
+          <a:p>
+            <a:r>
+              <a:rPr lang="en-CA" baseline="0" dirty="0" smtClean="0"/>
+              <a:t>File </a:t>
+            </a:r>
+            <a:r>
+              <a:rPr lang="en-CA" baseline="0" dirty="0" err="1" smtClean="0"/>
+              <a:t>comparision</a:t>
+            </a:r>
+            <a:endParaRPr lang="en-CA" baseline="0" dirty="0" smtClean="0"/>
+          </a:p>
+          <a:p>
+            <a:r>
+              <a:rPr lang="en-CA" baseline="0" dirty="0" smtClean="0"/>
+              <a:t>Social Networks – identify suspicious </a:t>
+            </a:r>
+            <a:r>
+              <a:rPr lang="en-CA" baseline="0" dirty="0" err="1" smtClean="0"/>
+              <a:t>behvaiours</a:t>
+            </a:r>
+            <a:endParaRPr lang="en-CA" baseline="0" dirty="0" smtClean="0"/>
+          </a:p>
+          <a:p>
+            <a:r>
+              <a:rPr lang="en-CA" baseline="0" dirty="0" smtClean="0"/>
+              <a:t>Civil Engineering – look for desired locations</a:t>
+            </a:r>
+            <a:endParaRPr lang="en-CA" dirty="0"/>
+          </a:p>
+        </p:txBody>
+      </p:sp>
+      <p:sp>
+        <p:nvSpPr>
+          <p:cNvPr id="4" name="Slide Number Placeholder 3"/>
+          <p:cNvSpPr>
+            <a:spLocks noGrp="1"/>
+          </p:cNvSpPr>
+          <p:nvPr>
+            <p:ph type="sldNum" sz="quarter" idx="10"/>
+          </p:nvPr>
+        </p:nvSpPr>
+        <p:spPr/>
+        <p:txBody>
+          <a:bodyPr/>
+          <a:lstStyle/>
+          <a:p>
+            <a:fld id="{C0B67A0F-9E9C-4713-8B2B-C14C47945168}" type="slidenum">
+              <a:rPr lang="en-CA" smtClean="0"/>
+              <a:t>6</a:t>
+            </a:fld>
+            <a:endParaRPr lang="en-CA"/>
+          </a:p>
+        </p:txBody>
+      </p:sp>
+    </p:spTree>
+    <p:extLst>
+      <p:ext uri="{BB962C8B-B14F-4D97-AF65-F5344CB8AC3E}">
+        <p14:creationId xmlns:p14="http://schemas.microsoft.com/office/powerpoint/2010/main" val="3263167652"/>
+      </p:ext>
+    </p:extLst>
+  </p:cSld>
+  <p:clrMapOvr>
+    <a:masterClrMapping/>
+  </p:clrMapOvr>
+</p:notes>
+</file>
+
+<file path=ppt/notesSlides/notesSlide2.xml><?xml version="1.0" encoding="utf-8"?>
+<p:notes xmlns:a="http://schemas.openxmlformats.org/drawingml/2006/main" xmlns:r="http://schemas.openxmlformats.org/officeDocument/2006/relationships" xmlns:p="http://schemas.openxmlformats.org/presentationml/2006/main">
+  <p:cSld>
+    <p:spTree>
+      <p:nvGrpSpPr>
+        <p:cNvPr id="1" name=""/>
+        <p:cNvGrpSpPr/>
+        <p:nvPr/>
+      </p:nvGrpSpPr>
+      <p:grpSpPr>
+        <a:xfrm>
+          <a:off x="0" y="0"/>
+          <a:ext cx="0" cy="0"/>
+          <a:chOff x="0" y="0"/>
+          <a:chExt cx="0" cy="0"/>
+        </a:xfrm>
+      </p:grpSpPr>
+      <p:sp>
+        <p:nvSpPr>
+          <p:cNvPr id="2" name="Slide Image Placeholder 1"/>
+          <p:cNvSpPr>
+            <a:spLocks noGrp="1" noRot="1" noChangeAspect="1"/>
+          </p:cNvSpPr>
+          <p:nvPr>
+            <p:ph type="sldImg"/>
+          </p:nvPr>
+        </p:nvSpPr>
+        <p:spPr/>
+      </p:sp>
+      <p:sp>
+        <p:nvSpPr>
+          <p:cNvPr id="3" name="Notes Placeholder 2"/>
+          <p:cNvSpPr>
+            <a:spLocks noGrp="1"/>
+          </p:cNvSpPr>
+          <p:nvPr>
+            <p:ph type="body" idx="1"/>
+          </p:nvPr>
+        </p:nvSpPr>
+        <p:spPr/>
+        <p:txBody>
+          <a:bodyPr/>
+          <a:lstStyle/>
+          <a:p>
+            <a:r>
+              <a:rPr lang="en-CA" dirty="0" smtClean="0"/>
+              <a:t>We only care about top right half because the bottom left is a mirror</a:t>
+            </a:r>
+            <a:endParaRPr lang="en-CA" dirty="0"/>
+          </a:p>
+        </p:txBody>
+      </p:sp>
+      <p:sp>
+        <p:nvSpPr>
+          <p:cNvPr id="4" name="Slide Number Placeholder 3"/>
+          <p:cNvSpPr>
+            <a:spLocks noGrp="1"/>
+          </p:cNvSpPr>
+          <p:nvPr>
+            <p:ph type="sldNum" sz="quarter" idx="10"/>
+          </p:nvPr>
+        </p:nvSpPr>
+        <p:spPr/>
+        <p:txBody>
+          <a:bodyPr/>
+          <a:lstStyle/>
+          <a:p>
+            <a:fld id="{C0B67A0F-9E9C-4713-8B2B-C14C47945168}" type="slidenum">
+              <a:rPr lang="en-CA" smtClean="0"/>
+              <a:t>7</a:t>
+            </a:fld>
+            <a:endParaRPr lang="en-CA"/>
+          </a:p>
+        </p:txBody>
+      </p:sp>
+    </p:spTree>
+    <p:extLst>
+      <p:ext uri="{BB962C8B-B14F-4D97-AF65-F5344CB8AC3E}">
+        <p14:creationId xmlns:p14="http://schemas.microsoft.com/office/powerpoint/2010/main" val="3364313972"/>
+      </p:ext>
+    </p:extLst>
+  </p:cSld>
+  <p:clrMapOvr>
+    <a:masterClrMapping/>
+  </p:clrMapOvr>
+</p:notes>
 </file>
 
 <file path=ppt/slideLayouts/slideLayout1.xml><?xml version="1.0" encoding="utf-8"?>
@@ -755,7 +1338,7 @@
           <a:p>
             <a:fld id="{A90C0272-0957-494C-BE58-E12C6E3F109F}" type="datetimeFigureOut">
               <a:rPr lang="en-CA" smtClean="0"/>
-              <a:t>2015-04-05</a:t>
+              <a:t>2015-04-06</a:t>
             </a:fld>
             <a:endParaRPr lang="en-CA"/>
           </a:p>
@@ -951,7 +1534,7 @@
           <a:p>
             <a:fld id="{A90C0272-0957-494C-BE58-E12C6E3F109F}" type="datetimeFigureOut">
               <a:rPr lang="en-CA" smtClean="0"/>
-              <a:t>2015-04-05</a:t>
+              <a:t>2015-04-06</a:t>
             </a:fld>
             <a:endParaRPr lang="en-CA"/>
           </a:p>
@@ -1136,7 +1719,7 @@
           <a:p>
             <a:fld id="{A90C0272-0957-494C-BE58-E12C6E3F109F}" type="datetimeFigureOut">
               <a:rPr lang="en-CA" smtClean="0"/>
-              <a:t>2015-04-05</a:t>
+              <a:t>2015-04-06</a:t>
             </a:fld>
             <a:endParaRPr lang="en-CA"/>
           </a:p>
@@ -1286,7 +1869,7 @@
           <a:p>
             <a:fld id="{A90C0272-0957-494C-BE58-E12C6E3F109F}" type="datetimeFigureOut">
               <a:rPr lang="en-CA" smtClean="0"/>
-              <a:t>2015-04-05</a:t>
+              <a:t>2015-04-06</a:t>
             </a:fld>
             <a:endParaRPr lang="en-CA"/>
           </a:p>
@@ -1368,6 +1951,13 @@
   <p:clrMapOvr>
     <a:masterClrMapping/>
   </p:clrMapOvr>
+  <p:timing>
+    <p:tnLst>
+      <p:par>
+        <p:cTn id="1" dur="indefinite" restart="never" nodeType="tmRoot"/>
+      </p:par>
+    </p:tnLst>
+  </p:timing>
 </p:sldLayout>
 </file>
 
@@ -1541,7 +2131,7 @@
           <a:p>
             <a:fld id="{A90C0272-0957-494C-BE58-E12C6E3F109F}" type="datetimeFigureOut">
               <a:rPr lang="en-CA" smtClean="0"/>
-              <a:t>2015-04-05</a:t>
+              <a:t>2015-04-06</a:t>
             </a:fld>
             <a:endParaRPr lang="en-CA"/>
           </a:p>
@@ -1950,7 +2540,7 @@
           <a:p>
             <a:fld id="{A90C0272-0957-494C-BE58-E12C6E3F109F}" type="datetimeFigureOut">
               <a:rPr lang="en-CA" smtClean="0"/>
-              <a:t>2015-04-05</a:t>
+              <a:t>2015-04-06</a:t>
             </a:fld>
             <a:endParaRPr lang="en-CA"/>
           </a:p>
@@ -2396,7 +2986,7 @@
           <a:p>
             <a:fld id="{A90C0272-0957-494C-BE58-E12C6E3F109F}" type="datetimeFigureOut">
               <a:rPr lang="en-CA" smtClean="0"/>
-              <a:t>2015-04-05</a:t>
+              <a:t>2015-04-06</a:t>
             </a:fld>
             <a:endParaRPr lang="en-CA"/>
           </a:p>
@@ -2497,7 +3087,7 @@
           <a:p>
             <a:fld id="{A90C0272-0957-494C-BE58-E12C6E3F109F}" type="datetimeFigureOut">
               <a:rPr lang="en-CA" smtClean="0"/>
-              <a:t>2015-04-05</a:t>
+              <a:t>2015-04-06</a:t>
             </a:fld>
             <a:endParaRPr lang="en-CA"/>
           </a:p>
@@ -2618,7 +3208,7 @@
           <a:p>
             <a:fld id="{A90C0272-0957-494C-BE58-E12C6E3F109F}" type="datetimeFigureOut">
               <a:rPr lang="en-CA" smtClean="0"/>
-              <a:t>2015-04-05</a:t>
+              <a:t>2015-04-06</a:t>
             </a:fld>
             <a:endParaRPr lang="en-CA"/>
           </a:p>
@@ -2892,7 +3482,7 @@
           <a:p>
             <a:fld id="{A90C0272-0957-494C-BE58-E12C6E3F109F}" type="datetimeFigureOut">
               <a:rPr lang="en-CA" smtClean="0"/>
-              <a:t>2015-04-05</a:t>
+              <a:t>2015-04-06</a:t>
             </a:fld>
             <a:endParaRPr lang="en-CA"/>
           </a:p>
@@ -3097,7 +3687,7 @@
           <a:p>
             <a:fld id="{A90C0272-0957-494C-BE58-E12C6E3F109F}" type="datetimeFigureOut">
               <a:rPr lang="en-CA" smtClean="0"/>
-              <a:t>2015-04-05</a:t>
+              <a:t>2015-04-06</a:t>
             </a:fld>
             <a:endParaRPr lang="en-CA"/>
           </a:p>
@@ -4206,7 +4796,7 @@
           <a:p>
             <a:fld id="{A90C0272-0957-494C-BE58-E12C6E3F109F}" type="datetimeFigureOut">
               <a:rPr lang="en-CA" smtClean="0"/>
-              <a:t>2015-04-05</a:t>
+              <a:t>2015-04-06</a:t>
             </a:fld>
             <a:endParaRPr lang="en-CA"/>
           </a:p>
@@ -4693,6 +5283,159 @@
 </p:sld>
 </file>
 
+<file path=ppt/slides/slide10.xml><?xml version="1.0" encoding="utf-8"?>
+<p:sld xmlns:a="http://schemas.openxmlformats.org/drawingml/2006/main" xmlns:r="http://schemas.openxmlformats.org/officeDocument/2006/relationships" xmlns:p="http://schemas.openxmlformats.org/presentationml/2006/main">
+  <p:cSld>
+    <p:spTree>
+      <p:nvGrpSpPr>
+        <p:cNvPr id="1" name=""/>
+        <p:cNvGrpSpPr/>
+        <p:nvPr/>
+      </p:nvGrpSpPr>
+      <p:grpSpPr>
+        <a:xfrm>
+          <a:off x="0" y="0"/>
+          <a:ext cx="0" cy="0"/>
+          <a:chOff x="0" y="0"/>
+          <a:chExt cx="0" cy="0"/>
+        </a:xfrm>
+      </p:grpSpPr>
+      <p:sp>
+        <p:nvSpPr>
+          <p:cNvPr id="2" name="Content Placeholder 1"/>
+          <p:cNvSpPr>
+            <a:spLocks noGrp="1"/>
+          </p:cNvSpPr>
+          <p:nvPr>
+            <p:ph idx="1"/>
+          </p:nvPr>
+        </p:nvSpPr>
+        <p:spPr/>
+        <p:txBody>
+          <a:bodyPr/>
+          <a:lstStyle/>
+          <a:p>
+            <a:r>
+              <a:rPr lang="en-CA" dirty="0" smtClean="0"/>
+              <a:t>Worked/</a:t>
+            </a:r>
+            <a:r>
+              <a:rPr lang="en-CA" dirty="0" err="1" smtClean="0"/>
+              <a:t>didnt</a:t>
+            </a:r>
+            <a:endParaRPr lang="en-CA" dirty="0"/>
+          </a:p>
+        </p:txBody>
+      </p:sp>
+      <p:sp>
+        <p:nvSpPr>
+          <p:cNvPr id="3" name="Title 2"/>
+          <p:cNvSpPr>
+            <a:spLocks noGrp="1"/>
+          </p:cNvSpPr>
+          <p:nvPr>
+            <p:ph type="title"/>
+          </p:nvPr>
+        </p:nvSpPr>
+        <p:spPr/>
+        <p:txBody>
+          <a:bodyPr/>
+          <a:lstStyle/>
+          <a:p>
+            <a:r>
+              <a:rPr lang="en-CA" dirty="0" smtClean="0"/>
+              <a:t>Results (cont’d)</a:t>
+            </a:r>
+            <a:endParaRPr lang="en-CA" dirty="0"/>
+          </a:p>
+        </p:txBody>
+      </p:sp>
+    </p:spTree>
+    <p:extLst>
+      <p:ext uri="{BB962C8B-B14F-4D97-AF65-F5344CB8AC3E}">
+        <p14:creationId xmlns:p14="http://schemas.microsoft.com/office/powerpoint/2010/main" val="3637989132"/>
+      </p:ext>
+    </p:extLst>
+  </p:cSld>
+  <p:clrMapOvr>
+    <a:masterClrMapping/>
+  </p:clrMapOvr>
+  <p:timing>
+    <p:tnLst>
+      <p:par>
+        <p:cTn id="1" dur="indefinite" restart="never" nodeType="tmRoot"/>
+      </p:par>
+    </p:tnLst>
+  </p:timing>
+</p:sld>
+</file>
+
+<file path=ppt/slides/slide11.xml><?xml version="1.0" encoding="utf-8"?>
+<p:sld xmlns:a="http://schemas.openxmlformats.org/drawingml/2006/main" xmlns:r="http://schemas.openxmlformats.org/officeDocument/2006/relationships" xmlns:p="http://schemas.openxmlformats.org/presentationml/2006/main">
+  <p:cSld>
+    <p:spTree>
+      <p:nvGrpSpPr>
+        <p:cNvPr id="1" name=""/>
+        <p:cNvGrpSpPr/>
+        <p:nvPr/>
+      </p:nvGrpSpPr>
+      <p:grpSpPr>
+        <a:xfrm>
+          <a:off x="0" y="0"/>
+          <a:ext cx="0" cy="0"/>
+          <a:chOff x="0" y="0"/>
+          <a:chExt cx="0" cy="0"/>
+        </a:xfrm>
+      </p:grpSpPr>
+      <p:sp>
+        <p:nvSpPr>
+          <p:cNvPr id="3" name="Title 2"/>
+          <p:cNvSpPr>
+            <a:spLocks noGrp="1"/>
+          </p:cNvSpPr>
+          <p:nvPr>
+            <p:ph type="title"/>
+          </p:nvPr>
+        </p:nvSpPr>
+        <p:spPr>
+          <a:xfrm>
+            <a:off x="457200" y="2502024"/>
+            <a:ext cx="8229600" cy="1143000"/>
+          </a:xfrm>
+        </p:spPr>
+        <p:txBody>
+          <a:bodyPr/>
+          <a:lstStyle/>
+          <a:p>
+            <a:pPr algn="ctr"/>
+            <a:r>
+              <a:rPr lang="en-CA" dirty="0" smtClean="0"/>
+              <a:t>Questions?</a:t>
+            </a:r>
+            <a:endParaRPr lang="en-CA" dirty="0"/>
+          </a:p>
+        </p:txBody>
+      </p:sp>
+    </p:spTree>
+    <p:extLst>
+      <p:ext uri="{BB962C8B-B14F-4D97-AF65-F5344CB8AC3E}">
+        <p14:creationId xmlns:p14="http://schemas.microsoft.com/office/powerpoint/2010/main" val="3106032780"/>
+      </p:ext>
+    </p:extLst>
+  </p:cSld>
+  <p:clrMapOvr>
+    <a:masterClrMapping/>
+  </p:clrMapOvr>
+  <p:timing>
+    <p:tnLst>
+      <p:par>
+        <p:cTn id="1" dur="indefinite" restart="never" nodeType="tmRoot"/>
+      </p:par>
+    </p:tnLst>
+  </p:timing>
+</p:sld>
+</file>
+
 <file path=ppt/slides/slide2.xml><?xml version="1.0" encoding="utf-8"?>
 <p:sld xmlns:a="http://schemas.openxmlformats.org/drawingml/2006/main" xmlns:r="http://schemas.openxmlformats.org/officeDocument/2006/relationships" xmlns:p="http://schemas.openxmlformats.org/presentationml/2006/main">
   <p:cSld>
@@ -4752,6 +5495,12 @@
             <a:r>
               <a:rPr lang="en-CA" dirty="0" smtClean="0"/>
               <a:t>Results</a:t>
+            </a:r>
+          </a:p>
+          <a:p>
+            <a:r>
+              <a:rPr lang="en-CA" dirty="0" smtClean="0"/>
+              <a:t>Questions</a:t>
             </a:r>
             <a:endParaRPr lang="en-CA" dirty="0"/>
           </a:p>
@@ -4834,13 +5583,69 @@
           <a:p>
             <a:r>
               <a:rPr lang="en-CA" dirty="0" smtClean="0"/>
-              <a:t>Two graphs are isomorphic if we can find a permutation of the set of edges and vertices of one graph that map to the edges and vertices of the second graph</a:t>
-            </a:r>
-          </a:p>
-          <a:p>
+              <a:t>Two graphs are isomorphic if we can find a permutation of the set of edges and vertices </a:t>
+            </a:r>
             <a:r>
               <a:rPr lang="en-CA" dirty="0" smtClean="0"/>
-              <a:t>Requires same number of vertices, edges, vertex degrees and graph structure</a:t>
+              <a:t>of </a:t>
+            </a:r>
+            <a:r>
+              <a:rPr lang="en-CA" dirty="0" smtClean="0"/>
+              <a:t>one graph </a:t>
+            </a:r>
+            <a:r>
+              <a:rPr lang="en-CA" dirty="0" smtClean="0"/>
+              <a:t>and map them to </a:t>
+            </a:r>
+            <a:r>
+              <a:rPr lang="en-CA" dirty="0" smtClean="0"/>
+              <a:t>the edges and vertices of the second graph</a:t>
+            </a:r>
+          </a:p>
+          <a:p>
+            <a:r>
+              <a:rPr lang="en-CA" dirty="0" smtClean="0"/>
+              <a:t>Requires the same:</a:t>
+            </a:r>
+          </a:p>
+          <a:p>
+            <a:pPr lvl="1"/>
+            <a:r>
+              <a:rPr lang="en-CA" dirty="0" smtClean="0"/>
+              <a:t>Number of vertices</a:t>
+            </a:r>
+          </a:p>
+          <a:p>
+            <a:pPr lvl="1"/>
+            <a:r>
+              <a:rPr lang="en-CA" dirty="0" smtClean="0"/>
+              <a:t>Number of Edges</a:t>
+            </a:r>
+          </a:p>
+          <a:p>
+            <a:pPr lvl="1"/>
+            <a:r>
+              <a:rPr lang="en-CA" dirty="0" smtClean="0"/>
+              <a:t>V</a:t>
+            </a:r>
+            <a:r>
+              <a:rPr lang="en-CA" dirty="0" smtClean="0"/>
+              <a:t>ertex degrees</a:t>
+            </a:r>
+          </a:p>
+          <a:p>
+            <a:pPr lvl="1"/>
+            <a:r>
+              <a:rPr lang="en-CA" dirty="0"/>
+              <a:t>G</a:t>
+            </a:r>
+            <a:r>
+              <a:rPr lang="en-CA" dirty="0" smtClean="0"/>
+              <a:t>raph </a:t>
+            </a:r>
+            <a:r>
+              <a:rPr lang="en-CA" dirty="0" smtClean="0"/>
+              <a:t>structure</a:t>
             </a:r>
           </a:p>
         </p:txBody>
@@ -5227,6 +6032,36 @@
           </a:extLst>
         </p:spPr>
       </p:pic>
+      <p:sp>
+        <p:nvSpPr>
+          <p:cNvPr id="2" name="TextBox 1"/>
+          <p:cNvSpPr txBox="1"/>
+          <p:nvPr/>
+        </p:nvSpPr>
+        <p:spPr>
+          <a:xfrm>
+            <a:off x="539552" y="3429000"/>
+            <a:ext cx="2016224" cy="1200329"/>
+          </a:xfrm>
+          <a:prstGeom prst="rect">
+            <a:avLst/>
+          </a:prstGeom>
+          <a:noFill/>
+        </p:spPr>
+        <p:txBody>
+          <a:bodyPr wrap="square" rtlCol="0">
+            <a:spAutoFit/>
+          </a:bodyPr>
+          <a:lstStyle/>
+          <a:p>
+            <a:r>
+              <a:rPr lang="en-CA" dirty="0" smtClean="0"/>
+              <a:t>Note: Two graphs can have more than one isomorphism</a:t>
+            </a:r>
+            <a:endParaRPr lang="en-CA" dirty="0"/>
+          </a:p>
+        </p:txBody>
+      </p:sp>
     </p:spTree>
     <p:extLst>
       <p:ext uri="{BB962C8B-B14F-4D97-AF65-F5344CB8AC3E}">
@@ -5279,7 +6114,68 @@
           <a:bodyPr/>
           <a:lstStyle/>
           <a:p>
-            <a:endParaRPr lang="en-CA"/>
+            <a:r>
+              <a:rPr lang="en-CA" dirty="0" smtClean="0"/>
+              <a:t>Chemistry</a:t>
+            </a:r>
+          </a:p>
+          <a:p>
+            <a:pPr lvl="1"/>
+            <a:r>
+              <a:rPr lang="en-CA" dirty="0" smtClean="0"/>
+              <a:t>Checking if molecular structures equivalent</a:t>
+            </a:r>
+          </a:p>
+          <a:p>
+            <a:r>
+              <a:rPr lang="en-CA" dirty="0" smtClean="0"/>
+              <a:t>Cryptography</a:t>
+            </a:r>
+          </a:p>
+          <a:p>
+            <a:pPr lvl="1"/>
+            <a:r>
+              <a:rPr lang="en-CA" dirty="0" smtClean="0"/>
+              <a:t>Replacing classical S-Box</a:t>
+            </a:r>
+          </a:p>
+          <a:p>
+            <a:r>
+              <a:rPr lang="en-CA" dirty="0" smtClean="0"/>
+              <a:t>File Comparison</a:t>
+            </a:r>
+          </a:p>
+          <a:p>
+            <a:r>
+              <a:rPr lang="en-CA" dirty="0" smtClean="0"/>
+              <a:t>Social network pattern Analysis</a:t>
+            </a:r>
+          </a:p>
+          <a:p>
+            <a:pPr lvl="1"/>
+            <a:r>
+              <a:rPr lang="en-CA" dirty="0" smtClean="0"/>
+              <a:t>Suspicious behavior</a:t>
+            </a:r>
+            <a:endParaRPr lang="en-CA" dirty="0" smtClean="0"/>
+          </a:p>
+          <a:p>
+            <a:r>
+              <a:rPr lang="en-CA" dirty="0" smtClean="0"/>
+              <a:t>Civil Engineering</a:t>
+            </a:r>
+          </a:p>
+          <a:p>
+            <a:pPr lvl="1"/>
+            <a:r>
+              <a:rPr lang="en-CA" dirty="0" smtClean="0"/>
+              <a:t>Lookin</a:t>
+            </a:r>
+            <a:r>
+              <a:rPr lang="en-CA" dirty="0" smtClean="0"/>
+              <a:t>g for desired geographic locations</a:t>
+            </a:r>
+            <a:endParaRPr lang="en-CA" dirty="0"/>
           </a:p>
         </p:txBody>
       </p:sp>
@@ -5298,7 +6194,11 @@
           <a:bodyPr/>
           <a:lstStyle/>
           <a:p>
-            <a:endParaRPr lang="en-CA"/>
+            <a:r>
+              <a:rPr lang="en-CA" dirty="0" smtClean="0"/>
+              <a:t>Applications</a:t>
+            </a:r>
+            <a:endParaRPr lang="en-CA" dirty="0"/>
           </a:p>
         </p:txBody>
       </p:sp>
@@ -5339,14 +6239,645 @@
           <a:chExt cx="0" cy="0"/>
         </a:xfrm>
       </p:grpSpPr>
-      <p:sp>
-        <p:nvSpPr>
-          <p:cNvPr id="8" name="Content Placeholder 7"/>
+      <p:graphicFrame>
+        <p:nvGraphicFramePr>
+          <p:cNvPr id="14" name="Content Placeholder 13"/>
+          <p:cNvGraphicFramePr>
+            <a:graphicFrameLocks noGrp="1"/>
+          </p:cNvGraphicFramePr>
+          <p:nvPr>
+            <p:ph idx="1"/>
+            <p:extLst>
+              <p:ext uri="{D42A27DB-BD31-4B8C-83A1-F6EECF244321}">
+                <p14:modId xmlns:p14="http://schemas.microsoft.com/office/powerpoint/2010/main" val="4188420482"/>
+              </p:ext>
+            </p:extLst>
+          </p:nvPr>
+        </p:nvGraphicFramePr>
+        <p:xfrm>
+          <a:off x="5148064" y="1492695"/>
+          <a:ext cx="3538290" cy="2667942"/>
+        </p:xfrm>
+        <a:graphic>
+          <a:graphicData uri="http://schemas.openxmlformats.org/drawingml/2006/table">
+            <a:tbl>
+              <a:tblPr firstRow="1" bandRow="1">
+                <a:tableStyleId>{5940675A-B579-460E-94D1-54222C63F5DA}</a:tableStyleId>
+              </a:tblPr>
+              <a:tblGrid>
+                <a:gridCol w="589715"/>
+                <a:gridCol w="589715"/>
+                <a:gridCol w="589715"/>
+                <a:gridCol w="589715"/>
+                <a:gridCol w="589715"/>
+                <a:gridCol w="589715"/>
+              </a:tblGrid>
+              <a:tr h="444657">
+                <a:tc>
+                  <a:txBody>
+                    <a:bodyPr/>
+                    <a:lstStyle/>
+                    <a:p>
+                      <a:pPr algn="ctr"/>
+                      <a:endParaRPr lang="en-CA" dirty="0"/>
+                    </a:p>
+                  </a:txBody>
+                  <a:tcPr/>
+                </a:tc>
+                <a:tc>
+                  <a:txBody>
+                    <a:bodyPr/>
+                    <a:lstStyle/>
+                    <a:p>
+                      <a:pPr algn="ctr"/>
+                      <a:r>
+                        <a:rPr lang="en-CA" dirty="0" smtClean="0"/>
+                        <a:t>1</a:t>
+                      </a:r>
+                      <a:endParaRPr lang="en-CA" dirty="0"/>
+                    </a:p>
+                  </a:txBody>
+                  <a:tcPr/>
+                </a:tc>
+                <a:tc>
+                  <a:txBody>
+                    <a:bodyPr/>
+                    <a:lstStyle/>
+                    <a:p>
+                      <a:pPr algn="ctr"/>
+                      <a:r>
+                        <a:rPr lang="en-CA" dirty="0" smtClean="0"/>
+                        <a:t>2</a:t>
+                      </a:r>
+                      <a:endParaRPr lang="en-CA" dirty="0"/>
+                    </a:p>
+                  </a:txBody>
+                  <a:tcPr/>
+                </a:tc>
+                <a:tc>
+                  <a:txBody>
+                    <a:bodyPr/>
+                    <a:lstStyle/>
+                    <a:p>
+                      <a:pPr algn="ctr"/>
+                      <a:r>
+                        <a:rPr lang="en-CA" dirty="0" smtClean="0"/>
+                        <a:t>3</a:t>
+                      </a:r>
+                      <a:endParaRPr lang="en-CA" dirty="0"/>
+                    </a:p>
+                  </a:txBody>
+                  <a:tcPr/>
+                </a:tc>
+                <a:tc>
+                  <a:txBody>
+                    <a:bodyPr/>
+                    <a:lstStyle/>
+                    <a:p>
+                      <a:pPr algn="ctr"/>
+                      <a:r>
+                        <a:rPr lang="en-CA" dirty="0" smtClean="0"/>
+                        <a:t>4</a:t>
+                      </a:r>
+                      <a:endParaRPr lang="en-CA" dirty="0"/>
+                    </a:p>
+                  </a:txBody>
+                  <a:tcPr/>
+                </a:tc>
+                <a:tc>
+                  <a:txBody>
+                    <a:bodyPr/>
+                    <a:lstStyle/>
+                    <a:p>
+                      <a:pPr algn="ctr"/>
+                      <a:r>
+                        <a:rPr lang="en-CA" dirty="0" smtClean="0"/>
+                        <a:t>5</a:t>
+                      </a:r>
+                      <a:endParaRPr lang="en-CA" dirty="0"/>
+                    </a:p>
+                  </a:txBody>
+                  <a:tcPr/>
+                </a:tc>
+              </a:tr>
+              <a:tr h="444657">
+                <a:tc>
+                  <a:txBody>
+                    <a:bodyPr/>
+                    <a:lstStyle/>
+                    <a:p>
+                      <a:pPr algn="ctr"/>
+                      <a:r>
+                        <a:rPr lang="en-CA" dirty="0" smtClean="0"/>
+                        <a:t>1</a:t>
+                      </a:r>
+                      <a:endParaRPr lang="en-CA" dirty="0"/>
+                    </a:p>
+                  </a:txBody>
+                  <a:tcPr/>
+                </a:tc>
+                <a:tc>
+                  <a:txBody>
+                    <a:bodyPr/>
+                    <a:lstStyle/>
+                    <a:p>
+                      <a:pPr algn="ctr"/>
+                      <a:r>
+                        <a:rPr lang="en-CA" dirty="0" smtClean="0"/>
+                        <a:t>0</a:t>
+                      </a:r>
+                      <a:endParaRPr lang="en-CA" dirty="0"/>
+                    </a:p>
+                  </a:txBody>
+                  <a:tcPr/>
+                </a:tc>
+                <a:tc>
+                  <a:txBody>
+                    <a:bodyPr/>
+                    <a:lstStyle/>
+                    <a:p>
+                      <a:pPr algn="ctr"/>
+                      <a:r>
+                        <a:rPr lang="en-CA" dirty="0" smtClean="0"/>
+                        <a:t>1</a:t>
+                      </a:r>
+                      <a:endParaRPr lang="en-CA" dirty="0"/>
+                    </a:p>
+                  </a:txBody>
+                  <a:tcPr/>
+                </a:tc>
+                <a:tc>
+                  <a:txBody>
+                    <a:bodyPr/>
+                    <a:lstStyle/>
+                    <a:p>
+                      <a:pPr algn="ctr"/>
+                      <a:r>
+                        <a:rPr lang="en-CA" dirty="0" smtClean="0"/>
+                        <a:t>0</a:t>
+                      </a:r>
+                      <a:endParaRPr lang="en-CA" dirty="0"/>
+                    </a:p>
+                  </a:txBody>
+                  <a:tcPr/>
+                </a:tc>
+                <a:tc>
+                  <a:txBody>
+                    <a:bodyPr/>
+                    <a:lstStyle/>
+                    <a:p>
+                      <a:pPr algn="ctr"/>
+                      <a:r>
+                        <a:rPr lang="en-CA" dirty="0" smtClean="0"/>
+                        <a:t>1</a:t>
+                      </a:r>
+                      <a:endParaRPr lang="en-CA" dirty="0"/>
+                    </a:p>
+                  </a:txBody>
+                  <a:tcPr/>
+                </a:tc>
+                <a:tc>
+                  <a:txBody>
+                    <a:bodyPr/>
+                    <a:lstStyle/>
+                    <a:p>
+                      <a:pPr algn="ctr"/>
+                      <a:r>
+                        <a:rPr lang="en-CA" dirty="0" smtClean="0"/>
+                        <a:t>0</a:t>
+                      </a:r>
+                      <a:endParaRPr lang="en-CA" dirty="0"/>
+                    </a:p>
+                  </a:txBody>
+                  <a:tcPr/>
+                </a:tc>
+              </a:tr>
+              <a:tr h="444657">
+                <a:tc>
+                  <a:txBody>
+                    <a:bodyPr/>
+                    <a:lstStyle/>
+                    <a:p>
+                      <a:pPr algn="ctr"/>
+                      <a:r>
+                        <a:rPr lang="en-CA" dirty="0" smtClean="0"/>
+                        <a:t>2</a:t>
+                      </a:r>
+                      <a:endParaRPr lang="en-CA" dirty="0"/>
+                    </a:p>
+                  </a:txBody>
+                  <a:tcPr/>
+                </a:tc>
+                <a:tc>
+                  <a:txBody>
+                    <a:bodyPr/>
+                    <a:lstStyle/>
+                    <a:p>
+                      <a:pPr algn="ctr"/>
+                      <a:r>
+                        <a:rPr lang="en-CA" dirty="0" smtClean="0"/>
+                        <a:t>1</a:t>
+                      </a:r>
+                      <a:endParaRPr lang="en-CA" dirty="0"/>
+                    </a:p>
+                  </a:txBody>
+                  <a:tcPr/>
+                </a:tc>
+                <a:tc>
+                  <a:txBody>
+                    <a:bodyPr/>
+                    <a:lstStyle/>
+                    <a:p>
+                      <a:pPr algn="ctr"/>
+                      <a:r>
+                        <a:rPr lang="en-CA" dirty="0" smtClean="0"/>
+                        <a:t>0</a:t>
+                      </a:r>
+                      <a:endParaRPr lang="en-CA" dirty="0"/>
+                    </a:p>
+                  </a:txBody>
+                  <a:tcPr/>
+                </a:tc>
+                <a:tc>
+                  <a:txBody>
+                    <a:bodyPr/>
+                    <a:lstStyle/>
+                    <a:p>
+                      <a:pPr algn="ctr"/>
+                      <a:r>
+                        <a:rPr lang="en-CA" dirty="0" smtClean="0"/>
+                        <a:t>1</a:t>
+                      </a:r>
+                      <a:endParaRPr lang="en-CA" dirty="0"/>
+                    </a:p>
+                  </a:txBody>
+                  <a:tcPr/>
+                </a:tc>
+                <a:tc>
+                  <a:txBody>
+                    <a:bodyPr/>
+                    <a:lstStyle/>
+                    <a:p>
+                      <a:pPr algn="ctr"/>
+                      <a:r>
+                        <a:rPr lang="en-CA" dirty="0" smtClean="0"/>
+                        <a:t>1</a:t>
+                      </a:r>
+                      <a:endParaRPr lang="en-CA" dirty="0"/>
+                    </a:p>
+                  </a:txBody>
+                  <a:tcPr/>
+                </a:tc>
+                <a:tc>
+                  <a:txBody>
+                    <a:bodyPr/>
+                    <a:lstStyle/>
+                    <a:p>
+                      <a:pPr algn="ctr"/>
+                      <a:r>
+                        <a:rPr lang="en-CA" dirty="0" smtClean="0"/>
+                        <a:t>0</a:t>
+                      </a:r>
+                      <a:endParaRPr lang="en-CA" dirty="0"/>
+                    </a:p>
+                  </a:txBody>
+                  <a:tcPr/>
+                </a:tc>
+              </a:tr>
+              <a:tr h="444657">
+                <a:tc>
+                  <a:txBody>
+                    <a:bodyPr/>
+                    <a:lstStyle/>
+                    <a:p>
+                      <a:pPr algn="ctr"/>
+                      <a:r>
+                        <a:rPr lang="en-CA" dirty="0" smtClean="0"/>
+                        <a:t>3</a:t>
+                      </a:r>
+                      <a:endParaRPr lang="en-CA" dirty="0"/>
+                    </a:p>
+                  </a:txBody>
+                  <a:tcPr/>
+                </a:tc>
+                <a:tc>
+                  <a:txBody>
+                    <a:bodyPr/>
+                    <a:lstStyle/>
+                    <a:p>
+                      <a:pPr algn="ctr"/>
+                      <a:r>
+                        <a:rPr lang="en-CA" dirty="0" smtClean="0"/>
+                        <a:t>0</a:t>
+                      </a:r>
+                      <a:endParaRPr lang="en-CA" dirty="0"/>
+                    </a:p>
+                  </a:txBody>
+                  <a:tcPr/>
+                </a:tc>
+                <a:tc>
+                  <a:txBody>
+                    <a:bodyPr/>
+                    <a:lstStyle/>
+                    <a:p>
+                      <a:pPr algn="ctr"/>
+                      <a:r>
+                        <a:rPr lang="en-CA" dirty="0" smtClean="0"/>
+                        <a:t>1</a:t>
+                      </a:r>
+                      <a:endParaRPr lang="en-CA" dirty="0"/>
+                    </a:p>
+                  </a:txBody>
+                  <a:tcPr/>
+                </a:tc>
+                <a:tc>
+                  <a:txBody>
+                    <a:bodyPr/>
+                    <a:lstStyle/>
+                    <a:p>
+                      <a:pPr algn="ctr"/>
+                      <a:r>
+                        <a:rPr lang="en-CA" dirty="0" smtClean="0"/>
+                        <a:t>0</a:t>
+                      </a:r>
+                      <a:endParaRPr lang="en-CA" dirty="0"/>
+                    </a:p>
+                  </a:txBody>
+                  <a:tcPr/>
+                </a:tc>
+                <a:tc>
+                  <a:txBody>
+                    <a:bodyPr/>
+                    <a:lstStyle/>
+                    <a:p>
+                      <a:pPr algn="ctr"/>
+                      <a:r>
+                        <a:rPr lang="en-CA" dirty="0" smtClean="0"/>
+                        <a:t>0</a:t>
+                      </a:r>
+                      <a:endParaRPr lang="en-CA" dirty="0"/>
+                    </a:p>
+                  </a:txBody>
+                  <a:tcPr/>
+                </a:tc>
+                <a:tc>
+                  <a:txBody>
+                    <a:bodyPr/>
+                    <a:lstStyle/>
+                    <a:p>
+                      <a:pPr algn="ctr"/>
+                      <a:r>
+                        <a:rPr lang="en-CA" dirty="0" smtClean="0"/>
+                        <a:t>0</a:t>
+                      </a:r>
+                      <a:endParaRPr lang="en-CA" dirty="0"/>
+                    </a:p>
+                  </a:txBody>
+                  <a:tcPr/>
+                </a:tc>
+              </a:tr>
+              <a:tr h="444657">
+                <a:tc>
+                  <a:txBody>
+                    <a:bodyPr/>
+                    <a:lstStyle/>
+                    <a:p>
+                      <a:pPr algn="ctr"/>
+                      <a:r>
+                        <a:rPr lang="en-CA" dirty="0" smtClean="0"/>
+                        <a:t>4</a:t>
+                      </a:r>
+                      <a:endParaRPr lang="en-CA" dirty="0"/>
+                    </a:p>
+                  </a:txBody>
+                  <a:tcPr/>
+                </a:tc>
+                <a:tc>
+                  <a:txBody>
+                    <a:bodyPr/>
+                    <a:lstStyle/>
+                    <a:p>
+                      <a:pPr algn="ctr"/>
+                      <a:r>
+                        <a:rPr lang="en-CA" dirty="0" smtClean="0"/>
+                        <a:t>1</a:t>
+                      </a:r>
+                      <a:endParaRPr lang="en-CA" dirty="0"/>
+                    </a:p>
+                  </a:txBody>
+                  <a:tcPr/>
+                </a:tc>
+                <a:tc>
+                  <a:txBody>
+                    <a:bodyPr/>
+                    <a:lstStyle/>
+                    <a:p>
+                      <a:pPr algn="ctr"/>
+                      <a:r>
+                        <a:rPr lang="en-CA" dirty="0" smtClean="0"/>
+                        <a:t>1</a:t>
+                      </a:r>
+                      <a:endParaRPr lang="en-CA" dirty="0"/>
+                    </a:p>
+                  </a:txBody>
+                  <a:tcPr/>
+                </a:tc>
+                <a:tc>
+                  <a:txBody>
+                    <a:bodyPr/>
+                    <a:lstStyle/>
+                    <a:p>
+                      <a:pPr algn="ctr"/>
+                      <a:r>
+                        <a:rPr lang="en-CA" dirty="0" smtClean="0"/>
+                        <a:t>0</a:t>
+                      </a:r>
+                      <a:endParaRPr lang="en-CA" dirty="0"/>
+                    </a:p>
+                  </a:txBody>
+                  <a:tcPr/>
+                </a:tc>
+                <a:tc>
+                  <a:txBody>
+                    <a:bodyPr/>
+                    <a:lstStyle/>
+                    <a:p>
+                      <a:pPr algn="ctr"/>
+                      <a:r>
+                        <a:rPr lang="en-CA" dirty="0" smtClean="0"/>
+                        <a:t>0</a:t>
+                      </a:r>
+                      <a:endParaRPr lang="en-CA" dirty="0"/>
+                    </a:p>
+                  </a:txBody>
+                  <a:tcPr/>
+                </a:tc>
+                <a:tc>
+                  <a:txBody>
+                    <a:bodyPr/>
+                    <a:lstStyle/>
+                    <a:p>
+                      <a:pPr algn="ctr"/>
+                      <a:r>
+                        <a:rPr lang="en-CA" dirty="0" smtClean="0"/>
+                        <a:t>1</a:t>
+                      </a:r>
+                      <a:endParaRPr lang="en-CA" dirty="0"/>
+                    </a:p>
+                  </a:txBody>
+                  <a:tcPr/>
+                </a:tc>
+              </a:tr>
+              <a:tr h="444657">
+                <a:tc>
+                  <a:txBody>
+                    <a:bodyPr/>
+                    <a:lstStyle/>
+                    <a:p>
+                      <a:pPr algn="ctr"/>
+                      <a:r>
+                        <a:rPr lang="en-CA" dirty="0" smtClean="0"/>
+                        <a:t>5</a:t>
+                      </a:r>
+                      <a:endParaRPr lang="en-CA" dirty="0"/>
+                    </a:p>
+                  </a:txBody>
+                  <a:tcPr/>
+                </a:tc>
+                <a:tc>
+                  <a:txBody>
+                    <a:bodyPr/>
+                    <a:lstStyle/>
+                    <a:p>
+                      <a:pPr algn="ctr"/>
+                      <a:r>
+                        <a:rPr lang="en-CA" dirty="0" smtClean="0"/>
+                        <a:t>0</a:t>
+                      </a:r>
+                      <a:endParaRPr lang="en-CA" dirty="0"/>
+                    </a:p>
+                  </a:txBody>
+                  <a:tcPr/>
+                </a:tc>
+                <a:tc>
+                  <a:txBody>
+                    <a:bodyPr/>
+                    <a:lstStyle/>
+                    <a:p>
+                      <a:pPr algn="ctr"/>
+                      <a:r>
+                        <a:rPr lang="en-CA" dirty="0" smtClean="0"/>
+                        <a:t>0</a:t>
+                      </a:r>
+                      <a:endParaRPr lang="en-CA" dirty="0"/>
+                    </a:p>
+                  </a:txBody>
+                  <a:tcPr/>
+                </a:tc>
+                <a:tc>
+                  <a:txBody>
+                    <a:bodyPr/>
+                    <a:lstStyle/>
+                    <a:p>
+                      <a:pPr algn="ctr"/>
+                      <a:r>
+                        <a:rPr lang="en-CA" dirty="0" smtClean="0"/>
+                        <a:t>0</a:t>
+                      </a:r>
+                      <a:endParaRPr lang="en-CA" dirty="0"/>
+                    </a:p>
+                  </a:txBody>
+                  <a:tcPr/>
+                </a:tc>
+                <a:tc>
+                  <a:txBody>
+                    <a:bodyPr/>
+                    <a:lstStyle/>
+                    <a:p>
+                      <a:pPr algn="ctr"/>
+                      <a:r>
+                        <a:rPr lang="en-CA" dirty="0" smtClean="0"/>
+                        <a:t>1</a:t>
+                      </a:r>
+                      <a:endParaRPr lang="en-CA" dirty="0"/>
+                    </a:p>
+                  </a:txBody>
+                  <a:tcPr/>
+                </a:tc>
+                <a:tc>
+                  <a:txBody>
+                    <a:bodyPr/>
+                    <a:lstStyle/>
+                    <a:p>
+                      <a:pPr algn="ctr"/>
+                      <a:r>
+                        <a:rPr lang="en-CA" dirty="0" smtClean="0"/>
+                        <a:t>0</a:t>
+                      </a:r>
+                      <a:endParaRPr lang="en-CA" dirty="0"/>
+                    </a:p>
+                  </a:txBody>
+                  <a:tcPr/>
+                </a:tc>
+              </a:tr>
+            </a:tbl>
+          </a:graphicData>
+        </a:graphic>
+      </p:graphicFrame>
+      <p:sp>
+        <p:nvSpPr>
+          <p:cNvPr id="16" name="Right Triangle 15"/>
+          <p:cNvSpPr/>
+          <p:nvPr/>
+        </p:nvSpPr>
+        <p:spPr>
+          <a:xfrm rot="10800000">
+            <a:off x="6156176" y="1916832"/>
+            <a:ext cx="2520280" cy="1944216"/>
+          </a:xfrm>
+          <a:prstGeom prst="rtTriangle">
+            <a:avLst/>
+          </a:prstGeom>
+          <a:noFill/>
+          <a:ln w="22225" cmpd="sng">
+            <a:solidFill>
+              <a:srgbClr val="FF0000"/>
+            </a:solidFill>
+          </a:ln>
+        </p:spPr>
+        <p:style>
+          <a:lnRef idx="2">
+            <a:schemeClr val="accent1">
+              <a:shade val="50000"/>
+            </a:schemeClr>
+          </a:lnRef>
+          <a:fillRef idx="1">
+            <a:schemeClr val="accent1"/>
+          </a:fillRef>
+          <a:effectRef idx="0">
+            <a:schemeClr val="accent1"/>
+          </a:effectRef>
+          <a:fontRef idx="minor">
+            <a:schemeClr val="lt1"/>
+          </a:fontRef>
+        </p:style>
+        <p:txBody>
+          <a:bodyPr rtlCol="0" anchor="ctr"/>
+          <a:lstStyle/>
+          <a:p>
+            <a:pPr algn="ctr"/>
+            <a:endParaRPr lang="en-CA"/>
+          </a:p>
+        </p:txBody>
+      </p:sp>
+      <p:sp>
+        <p:nvSpPr>
+          <p:cNvPr id="7" name="Title 6"/>
           <p:cNvSpPr>
             <a:spLocks noGrp="1"/>
           </p:cNvSpPr>
           <p:nvPr>
-            <p:ph idx="1"/>
+            <p:ph type="title"/>
           </p:nvPr>
         </p:nvSpPr>
         <p:spPr/>
@@ -5354,26 +6885,293 @@
           <a:bodyPr/>
           <a:lstStyle/>
           <a:p>
-            <a:endParaRPr lang="en-CA"/>
-          </a:p>
-        </p:txBody>
-      </p:sp>
-      <p:sp>
-        <p:nvSpPr>
-          <p:cNvPr id="7" name="Title 6"/>
-          <p:cNvSpPr>
-            <a:spLocks noGrp="1"/>
-          </p:cNvSpPr>
-          <p:nvPr>
-            <p:ph type="title"/>
-          </p:nvPr>
-        </p:nvSpPr>
-        <p:spPr/>
-        <p:txBody>
-          <a:bodyPr/>
+            <a:r>
+              <a:rPr lang="en-CA" dirty="0" smtClean="0"/>
+              <a:t>Bit String Background</a:t>
+            </a:r>
+            <a:endParaRPr lang="en-CA" dirty="0"/>
+          </a:p>
+        </p:txBody>
+      </p:sp>
+      <p:sp>
+        <p:nvSpPr>
+          <p:cNvPr id="11" name="Content Placeholder 7"/>
+          <p:cNvSpPr txBox="1">
+            <a:spLocks/>
+          </p:cNvSpPr>
+          <p:nvPr/>
+        </p:nvSpPr>
+        <p:spPr>
+          <a:xfrm>
+            <a:off x="395536" y="1484784"/>
+            <a:ext cx="4536504" cy="4525963"/>
+          </a:xfrm>
+          <a:prstGeom prst="rect">
+            <a:avLst/>
+          </a:prstGeom>
+        </p:spPr>
+        <p:txBody>
+          <a:bodyPr vert="horz">
+            <a:normAutofit/>
+          </a:bodyPr>
+          <a:lstStyle>
+            <a:lvl1pPr marL="365760" indent="-256032" algn="l" rtl="0" eaLnBrk="1" latinLnBrk="0" hangingPunct="1">
+              <a:spcBef>
+                <a:spcPts val="400"/>
+              </a:spcBef>
+              <a:spcAft>
+                <a:spcPts val="0"/>
+              </a:spcAft>
+              <a:buClr>
+                <a:schemeClr val="accent1"/>
+              </a:buClr>
+              <a:buSzPct val="68000"/>
+              <a:buFont typeface="Wingdings 3"/>
+              <a:buChar char=""/>
+              <a:defRPr kumimoji="0" sz="2700" kern="1200">
+                <a:solidFill>
+                  <a:schemeClr val="tx1"/>
+                </a:solidFill>
+                <a:latin typeface="+mn-lt"/>
+                <a:ea typeface="+mn-ea"/>
+                <a:cs typeface="+mn-cs"/>
+              </a:defRPr>
+            </a:lvl1pPr>
+            <a:lvl2pPr marL="621792" indent="-228600" algn="l" rtl="0" eaLnBrk="1" latinLnBrk="0" hangingPunct="1">
+              <a:spcBef>
+                <a:spcPts val="324"/>
+              </a:spcBef>
+              <a:buClr>
+                <a:schemeClr val="accent1"/>
+              </a:buClr>
+              <a:buFont typeface="Verdana"/>
+              <a:buChar char="◦"/>
+              <a:defRPr kumimoji="0" sz="2300" kern="1200">
+                <a:solidFill>
+                  <a:schemeClr val="tx1"/>
+                </a:solidFill>
+                <a:latin typeface="+mn-lt"/>
+                <a:ea typeface="+mn-ea"/>
+                <a:cs typeface="+mn-cs"/>
+              </a:defRPr>
+            </a:lvl2pPr>
+            <a:lvl3pPr marL="859536" indent="-228600" algn="l" rtl="0" eaLnBrk="1" latinLnBrk="0" hangingPunct="1">
+              <a:spcBef>
+                <a:spcPts val="350"/>
+              </a:spcBef>
+              <a:buClr>
+                <a:schemeClr val="accent2"/>
+              </a:buClr>
+              <a:buSzPct val="100000"/>
+              <a:buFont typeface="Wingdings 2"/>
+              <a:buChar char=""/>
+              <a:defRPr kumimoji="0" sz="2100" kern="1200">
+                <a:solidFill>
+                  <a:schemeClr val="tx1"/>
+                </a:solidFill>
+                <a:latin typeface="+mn-lt"/>
+                <a:ea typeface="+mn-ea"/>
+                <a:cs typeface="+mn-cs"/>
+              </a:defRPr>
+            </a:lvl3pPr>
+            <a:lvl4pPr marL="1143000" indent="-228600" algn="l" rtl="0" eaLnBrk="1" latinLnBrk="0" hangingPunct="1">
+              <a:spcBef>
+                <a:spcPts val="350"/>
+              </a:spcBef>
+              <a:buClr>
+                <a:schemeClr val="accent2"/>
+              </a:buClr>
+              <a:buFont typeface="Wingdings 2"/>
+              <a:buChar char=""/>
+              <a:defRPr kumimoji="0" sz="1900" kern="1200">
+                <a:solidFill>
+                  <a:schemeClr val="tx1"/>
+                </a:solidFill>
+                <a:latin typeface="+mn-lt"/>
+                <a:ea typeface="+mn-ea"/>
+                <a:cs typeface="+mn-cs"/>
+              </a:defRPr>
+            </a:lvl4pPr>
+            <a:lvl5pPr marL="1371600" indent="-228600" algn="l" rtl="0" eaLnBrk="1" latinLnBrk="0" hangingPunct="1">
+              <a:spcBef>
+                <a:spcPts val="350"/>
+              </a:spcBef>
+              <a:buClr>
+                <a:schemeClr val="accent2"/>
+              </a:buClr>
+              <a:buFont typeface="Wingdings 2"/>
+              <a:buChar char=""/>
+              <a:defRPr kumimoji="0" sz="1800" kern="1200">
+                <a:solidFill>
+                  <a:schemeClr val="tx1"/>
+                </a:solidFill>
+                <a:latin typeface="+mn-lt"/>
+                <a:ea typeface="+mn-ea"/>
+                <a:cs typeface="+mn-cs"/>
+              </a:defRPr>
+            </a:lvl5pPr>
+            <a:lvl6pPr marL="1600200" indent="-228600" algn="l" rtl="0" eaLnBrk="1" latinLnBrk="0" hangingPunct="1">
+              <a:spcBef>
+                <a:spcPts val="350"/>
+              </a:spcBef>
+              <a:buClr>
+                <a:schemeClr val="accent3"/>
+              </a:buClr>
+              <a:buFont typeface="Wingdings 2"/>
+              <a:buChar char=""/>
+              <a:defRPr kumimoji="0" sz="1800" kern="1200">
+                <a:solidFill>
+                  <a:schemeClr val="tx1"/>
+                </a:solidFill>
+                <a:latin typeface="+mn-lt"/>
+                <a:ea typeface="+mn-ea"/>
+                <a:cs typeface="+mn-cs"/>
+              </a:defRPr>
+            </a:lvl6pPr>
+            <a:lvl7pPr marL="1828800" indent="-228600" algn="l" rtl="0" eaLnBrk="1" latinLnBrk="0" hangingPunct="1">
+              <a:spcBef>
+                <a:spcPts val="350"/>
+              </a:spcBef>
+              <a:buClr>
+                <a:schemeClr val="accent3"/>
+              </a:buClr>
+              <a:buFont typeface="Wingdings 2"/>
+              <a:buChar char=""/>
+              <a:defRPr kumimoji="0" sz="1600" kern="1200">
+                <a:solidFill>
+                  <a:schemeClr val="tx1"/>
+                </a:solidFill>
+                <a:latin typeface="+mn-lt"/>
+                <a:ea typeface="+mn-ea"/>
+                <a:cs typeface="+mn-cs"/>
+              </a:defRPr>
+            </a:lvl7pPr>
+            <a:lvl8pPr marL="2057400" indent="-228600" algn="l" rtl="0" eaLnBrk="1" latinLnBrk="0" hangingPunct="1">
+              <a:spcBef>
+                <a:spcPts val="350"/>
+              </a:spcBef>
+              <a:buClr>
+                <a:schemeClr val="accent3"/>
+              </a:buClr>
+              <a:buFont typeface="Wingdings 2"/>
+              <a:buChar char=""/>
+              <a:defRPr kumimoji="0" sz="1600" kern="1200">
+                <a:solidFill>
+                  <a:schemeClr val="tx1"/>
+                </a:solidFill>
+                <a:latin typeface="+mn-lt"/>
+                <a:ea typeface="+mn-ea"/>
+                <a:cs typeface="+mn-cs"/>
+              </a:defRPr>
+            </a:lvl8pPr>
+            <a:lvl9pPr marL="2286000" indent="-228600" algn="l" rtl="0" eaLnBrk="1" latinLnBrk="0" hangingPunct="1">
+              <a:spcBef>
+                <a:spcPts val="350"/>
+              </a:spcBef>
+              <a:buClr>
+                <a:schemeClr val="accent3"/>
+              </a:buClr>
+              <a:buFont typeface="Wingdings 2"/>
+              <a:buChar char=""/>
+              <a:defRPr kumimoji="0" sz="1600" kern="1200" baseline="0">
+                <a:solidFill>
+                  <a:schemeClr val="tx1"/>
+                </a:solidFill>
+                <a:latin typeface="+mn-lt"/>
+                <a:ea typeface="+mn-ea"/>
+                <a:cs typeface="+mn-cs"/>
+              </a:defRPr>
+            </a:lvl9pPr>
+            <a:extLst/>
+          </a:lstStyle>
+          <a:p>
+            <a:r>
+              <a:rPr lang="en-CA" dirty="0" smtClean="0"/>
+              <a:t>Make an adjacency matrix of a graph</a:t>
+            </a:r>
+          </a:p>
+          <a:p>
+            <a:r>
+              <a:rPr lang="en-CA" dirty="0" smtClean="0"/>
+              <a:t>Combine the rows together to make a bit string</a:t>
+            </a:r>
+          </a:p>
+          <a:p>
+            <a:r>
+              <a:rPr lang="en-CA" dirty="0"/>
+              <a:t>We only care about the top right </a:t>
+            </a:r>
+            <a:r>
+              <a:rPr lang="en-CA" dirty="0" smtClean="0"/>
+              <a:t>half</a:t>
+            </a:r>
+          </a:p>
+          <a:p>
+            <a:r>
+              <a:rPr lang="en-CA" dirty="0" smtClean="0"/>
+              <a:t>Want to find and keep the minimum</a:t>
+            </a:r>
+          </a:p>
+          <a:p>
+            <a:r>
+              <a:rPr lang="en-CA" dirty="0" smtClean="0"/>
+              <a:t>Brute force: </a:t>
+            </a:r>
+            <a:r>
+              <a:rPr lang="en-CA" i="1" dirty="0" smtClean="0"/>
+              <a:t>O(n!)</a:t>
+            </a:r>
+          </a:p>
+          <a:p>
+            <a:endParaRPr lang="en-CA" dirty="0"/>
+          </a:p>
+        </p:txBody>
+      </p:sp>
+      <p:sp>
+        <p:nvSpPr>
+          <p:cNvPr id="17" name="TextBox 16"/>
+          <p:cNvSpPr txBox="1"/>
+          <p:nvPr/>
+        </p:nvSpPr>
+        <p:spPr>
+          <a:xfrm>
+            <a:off x="5652120" y="4581128"/>
+            <a:ext cx="2448272" cy="1200329"/>
+          </a:xfrm>
+          <a:prstGeom prst="rect">
+            <a:avLst/>
+          </a:prstGeom>
+          <a:noFill/>
+        </p:spPr>
+        <p:txBody>
+          <a:bodyPr wrap="square" rtlCol="0">
+            <a:spAutoFit/>
+          </a:bodyPr>
           <a:lstStyle/>
           <a:p>
-            <a:endParaRPr lang="en-CA"/>
+            <a:r>
+              <a:rPr lang="en-CA" dirty="0" smtClean="0"/>
+              <a:t>We get bit strings:</a:t>
+            </a:r>
+          </a:p>
+          <a:p>
+            <a:r>
+              <a:rPr lang="en-CA" dirty="0" smtClean="0"/>
+              <a:t>1010, 110, 00, 1</a:t>
+            </a:r>
+          </a:p>
+          <a:p>
+            <a:r>
+              <a:rPr lang="en-CA" dirty="0" smtClean="0"/>
+              <a:t>Minimum ordering:</a:t>
+            </a:r>
+          </a:p>
+          <a:p>
+            <a:r>
+              <a:rPr lang="en-CA" dirty="0" smtClean="0"/>
+              <a:t>0010101101</a:t>
+            </a:r>
+            <a:endParaRPr lang="en-CA" dirty="0"/>
           </a:p>
         </p:txBody>
       </p:sp>
@@ -5381,6 +7179,1619 @@
     <p:extLst>
       <p:ext uri="{BB962C8B-B14F-4D97-AF65-F5344CB8AC3E}">
         <p14:creationId xmlns:p14="http://schemas.microsoft.com/office/powerpoint/2010/main" val="603972640"/>
+      </p:ext>
+    </p:extLst>
+  </p:cSld>
+  <p:clrMapOvr>
+    <a:masterClrMapping/>
+  </p:clrMapOvr>
+  <p:timing>
+    <p:tnLst>
+      <p:par>
+        <p:cTn id="1" dur="indefinite" restart="never" nodeType="tmRoot"/>
+      </p:par>
+    </p:tnLst>
+  </p:timing>
+</p:sld>
+</file>
+
+<file path=ppt/slides/slide8.xml><?xml version="1.0" encoding="utf-8"?>
+<p:sld xmlns:a="http://schemas.openxmlformats.org/drawingml/2006/main" xmlns:r="http://schemas.openxmlformats.org/officeDocument/2006/relationships" xmlns:p="http://schemas.openxmlformats.org/presentationml/2006/main">
+  <p:cSld>
+    <p:spTree>
+      <p:nvGrpSpPr>
+        <p:cNvPr id="1" name=""/>
+        <p:cNvGrpSpPr/>
+        <p:nvPr/>
+      </p:nvGrpSpPr>
+      <p:grpSpPr>
+        <a:xfrm>
+          <a:off x="0" y="0"/>
+          <a:ext cx="0" cy="0"/>
+          <a:chOff x="0" y="0"/>
+          <a:chExt cx="0" cy="0"/>
+        </a:xfrm>
+      </p:grpSpPr>
+      <p:sp>
+        <p:nvSpPr>
+          <p:cNvPr id="2" name="Content Placeholder 1"/>
+          <p:cNvSpPr>
+            <a:spLocks noGrp="1"/>
+          </p:cNvSpPr>
+          <p:nvPr>
+            <p:ph idx="1"/>
+          </p:nvPr>
+        </p:nvSpPr>
+        <p:spPr>
+          <a:xfrm>
+            <a:off x="457200" y="1481328"/>
+            <a:ext cx="4474840" cy="4525963"/>
+          </a:xfrm>
+        </p:spPr>
+        <p:txBody>
+          <a:bodyPr>
+            <a:normAutofit/>
+          </a:bodyPr>
+          <a:lstStyle/>
+          <a:p>
+            <a:r>
+              <a:rPr lang="en-CA" dirty="0" smtClean="0"/>
+              <a:t>Idea: Break previous method into smaller cases using recursion</a:t>
+            </a:r>
+          </a:p>
+          <a:p>
+            <a:r>
+              <a:rPr lang="en-CA" dirty="0" smtClean="0"/>
+              <a:t>Can reduce the overall possible orderings of n vertices</a:t>
+            </a:r>
+          </a:p>
+          <a:p>
+            <a:r>
+              <a:rPr lang="en-CA" dirty="0" smtClean="0"/>
+              <a:t>Problem: Deal with box of values coming out of the recursion</a:t>
+            </a:r>
+          </a:p>
+          <a:p>
+            <a:r>
+              <a:rPr lang="en-CA" dirty="0" smtClean="0"/>
+              <a:t>Determine run time</a:t>
+            </a:r>
+          </a:p>
+          <a:p>
+            <a:endParaRPr lang="en-CA" dirty="0" smtClean="0"/>
+          </a:p>
+        </p:txBody>
+      </p:sp>
+      <p:sp>
+        <p:nvSpPr>
+          <p:cNvPr id="3" name="Title 2"/>
+          <p:cNvSpPr>
+            <a:spLocks noGrp="1"/>
+          </p:cNvSpPr>
+          <p:nvPr>
+            <p:ph type="title"/>
+          </p:nvPr>
+        </p:nvSpPr>
+        <p:spPr/>
+        <p:txBody>
+          <a:bodyPr/>
+          <a:lstStyle/>
+          <a:p>
+            <a:r>
+              <a:rPr lang="en-CA" dirty="0" smtClean="0"/>
+              <a:t>Our Contribution</a:t>
+            </a:r>
+            <a:endParaRPr lang="en-CA" dirty="0"/>
+          </a:p>
+        </p:txBody>
+      </p:sp>
+      <p:graphicFrame>
+        <p:nvGraphicFramePr>
+          <p:cNvPr id="4" name="Content Placeholder 13"/>
+          <p:cNvGraphicFramePr>
+            <a:graphicFrameLocks/>
+          </p:cNvGraphicFramePr>
+          <p:nvPr>
+            <p:extLst>
+              <p:ext uri="{D42A27DB-BD31-4B8C-83A1-F6EECF244321}">
+                <p14:modId xmlns:p14="http://schemas.microsoft.com/office/powerpoint/2010/main" val="4269323614"/>
+              </p:ext>
+            </p:extLst>
+          </p:nvPr>
+        </p:nvGraphicFramePr>
+        <p:xfrm>
+          <a:off x="5148064" y="1492695"/>
+          <a:ext cx="3538287" cy="4001913"/>
+        </p:xfrm>
+        <a:graphic>
+          <a:graphicData uri="http://schemas.openxmlformats.org/drawingml/2006/table">
+            <a:tbl>
+              <a:tblPr firstRow="1" bandRow="1">
+                <a:tableStyleId>{5940675A-B579-460E-94D1-54222C63F5DA}</a:tableStyleId>
+              </a:tblPr>
+              <a:tblGrid>
+                <a:gridCol w="393143"/>
+                <a:gridCol w="393143"/>
+                <a:gridCol w="393143"/>
+                <a:gridCol w="393143"/>
+                <a:gridCol w="393143"/>
+                <a:gridCol w="393143"/>
+                <a:gridCol w="393143"/>
+                <a:gridCol w="393143"/>
+                <a:gridCol w="393143"/>
+              </a:tblGrid>
+              <a:tr h="444657">
+                <a:tc>
+                  <a:txBody>
+                    <a:bodyPr/>
+                    <a:lstStyle/>
+                    <a:p>
+                      <a:pPr algn="ctr"/>
+                      <a:endParaRPr lang="en-CA" dirty="0"/>
+                    </a:p>
+                  </a:txBody>
+                  <a:tcPr/>
+                </a:tc>
+                <a:tc>
+                  <a:txBody>
+                    <a:bodyPr/>
+                    <a:lstStyle/>
+                    <a:p>
+                      <a:pPr algn="ctr"/>
+                      <a:r>
+                        <a:rPr lang="en-CA" dirty="0" smtClean="0"/>
+                        <a:t>1</a:t>
+                      </a:r>
+                      <a:endParaRPr lang="en-CA" dirty="0"/>
+                    </a:p>
+                  </a:txBody>
+                  <a:tcPr/>
+                </a:tc>
+                <a:tc>
+                  <a:txBody>
+                    <a:bodyPr/>
+                    <a:lstStyle/>
+                    <a:p>
+                      <a:pPr algn="ctr"/>
+                      <a:r>
+                        <a:rPr lang="en-CA" dirty="0" smtClean="0"/>
+                        <a:t>2</a:t>
+                      </a:r>
+                      <a:endParaRPr lang="en-CA" dirty="0"/>
+                    </a:p>
+                  </a:txBody>
+                  <a:tcPr/>
+                </a:tc>
+                <a:tc>
+                  <a:txBody>
+                    <a:bodyPr/>
+                    <a:lstStyle/>
+                    <a:p>
+                      <a:pPr algn="ctr"/>
+                      <a:r>
+                        <a:rPr lang="en-CA" dirty="0" smtClean="0"/>
+                        <a:t>3</a:t>
+                      </a:r>
+                      <a:endParaRPr lang="en-CA" dirty="0"/>
+                    </a:p>
+                  </a:txBody>
+                  <a:tcPr/>
+                </a:tc>
+                <a:tc>
+                  <a:txBody>
+                    <a:bodyPr/>
+                    <a:lstStyle/>
+                    <a:p>
+                      <a:pPr algn="ctr"/>
+                      <a:r>
+                        <a:rPr lang="en-CA" dirty="0" smtClean="0"/>
+                        <a:t>4</a:t>
+                      </a:r>
+                      <a:endParaRPr lang="en-CA" dirty="0"/>
+                    </a:p>
+                  </a:txBody>
+                  <a:tcPr/>
+                </a:tc>
+                <a:tc>
+                  <a:txBody>
+                    <a:bodyPr/>
+                    <a:lstStyle/>
+                    <a:p>
+                      <a:pPr algn="ctr"/>
+                      <a:r>
+                        <a:rPr lang="en-CA" dirty="0" smtClean="0"/>
+                        <a:t>5</a:t>
+                      </a:r>
+                      <a:endParaRPr lang="en-CA" dirty="0"/>
+                    </a:p>
+                  </a:txBody>
+                  <a:tcPr/>
+                </a:tc>
+                <a:tc>
+                  <a:txBody>
+                    <a:bodyPr/>
+                    <a:lstStyle/>
+                    <a:p>
+                      <a:pPr algn="ctr"/>
+                      <a:r>
+                        <a:rPr lang="en-CA" dirty="0" smtClean="0"/>
+                        <a:t>6</a:t>
+                      </a:r>
+                      <a:endParaRPr lang="en-CA" dirty="0"/>
+                    </a:p>
+                  </a:txBody>
+                  <a:tcPr/>
+                </a:tc>
+                <a:tc>
+                  <a:txBody>
+                    <a:bodyPr/>
+                    <a:lstStyle/>
+                    <a:p>
+                      <a:pPr algn="ctr"/>
+                      <a:r>
+                        <a:rPr lang="en-CA" dirty="0" smtClean="0"/>
+                        <a:t>7</a:t>
+                      </a:r>
+                      <a:endParaRPr lang="en-CA" dirty="0"/>
+                    </a:p>
+                  </a:txBody>
+                  <a:tcPr/>
+                </a:tc>
+                <a:tc>
+                  <a:txBody>
+                    <a:bodyPr/>
+                    <a:lstStyle/>
+                    <a:p>
+                      <a:pPr algn="ctr"/>
+                      <a:r>
+                        <a:rPr lang="en-CA" dirty="0" smtClean="0"/>
+                        <a:t>8</a:t>
+                      </a:r>
+                      <a:endParaRPr lang="en-CA" dirty="0"/>
+                    </a:p>
+                  </a:txBody>
+                  <a:tcPr/>
+                </a:tc>
+              </a:tr>
+              <a:tr h="444657">
+                <a:tc>
+                  <a:txBody>
+                    <a:bodyPr/>
+                    <a:lstStyle/>
+                    <a:p>
+                      <a:pPr algn="ctr"/>
+                      <a:r>
+                        <a:rPr lang="en-CA" dirty="0" smtClean="0"/>
+                        <a:t>1</a:t>
+                      </a:r>
+                      <a:endParaRPr lang="en-CA" dirty="0"/>
+                    </a:p>
+                  </a:txBody>
+                  <a:tcPr/>
+                </a:tc>
+                <a:tc>
+                  <a:txBody>
+                    <a:bodyPr/>
+                    <a:lstStyle/>
+                    <a:p>
+                      <a:pPr algn="ctr"/>
+                      <a:r>
+                        <a:rPr lang="en-CA" dirty="0" smtClean="0"/>
+                        <a:t>0</a:t>
+                      </a:r>
+                      <a:endParaRPr lang="en-CA" dirty="0"/>
+                    </a:p>
+                  </a:txBody>
+                  <a:tcPr/>
+                </a:tc>
+                <a:tc>
+                  <a:txBody>
+                    <a:bodyPr/>
+                    <a:lstStyle/>
+                    <a:p>
+                      <a:pPr algn="ctr"/>
+                      <a:r>
+                        <a:rPr lang="en-CA" dirty="0" smtClean="0"/>
+                        <a:t>1</a:t>
+                      </a:r>
+                      <a:endParaRPr lang="en-CA" dirty="0"/>
+                    </a:p>
+                  </a:txBody>
+                  <a:tcPr/>
+                </a:tc>
+                <a:tc>
+                  <a:txBody>
+                    <a:bodyPr/>
+                    <a:lstStyle/>
+                    <a:p>
+                      <a:pPr algn="ctr"/>
+                      <a:r>
+                        <a:rPr lang="en-CA" dirty="0" smtClean="0"/>
+                        <a:t>0</a:t>
+                      </a:r>
+                      <a:endParaRPr lang="en-CA" dirty="0"/>
+                    </a:p>
+                  </a:txBody>
+                  <a:tcPr/>
+                </a:tc>
+                <a:tc>
+                  <a:txBody>
+                    <a:bodyPr/>
+                    <a:lstStyle/>
+                    <a:p>
+                      <a:pPr algn="ctr"/>
+                      <a:r>
+                        <a:rPr lang="en-CA" dirty="0" smtClean="0"/>
+                        <a:t>1</a:t>
+                      </a:r>
+                      <a:endParaRPr lang="en-CA" dirty="0"/>
+                    </a:p>
+                  </a:txBody>
+                  <a:tcPr/>
+                </a:tc>
+                <a:tc>
+                  <a:txBody>
+                    <a:bodyPr/>
+                    <a:lstStyle/>
+                    <a:p>
+                      <a:pPr algn="ctr"/>
+                      <a:r>
+                        <a:rPr lang="en-CA" dirty="0" smtClean="0"/>
+                        <a:t>0</a:t>
+                      </a:r>
+                      <a:endParaRPr lang="en-CA" dirty="0"/>
+                    </a:p>
+                  </a:txBody>
+                  <a:tcPr/>
+                </a:tc>
+                <a:tc>
+                  <a:txBody>
+                    <a:bodyPr/>
+                    <a:lstStyle/>
+                    <a:p>
+                      <a:pPr algn="ctr"/>
+                      <a:r>
+                        <a:rPr lang="en-CA" dirty="0" smtClean="0"/>
+                        <a:t>1</a:t>
+                      </a:r>
+                      <a:endParaRPr lang="en-CA" dirty="0"/>
+                    </a:p>
+                  </a:txBody>
+                  <a:tcPr/>
+                </a:tc>
+                <a:tc>
+                  <a:txBody>
+                    <a:bodyPr/>
+                    <a:lstStyle/>
+                    <a:p>
+                      <a:pPr algn="ctr"/>
+                      <a:r>
+                        <a:rPr lang="en-CA" dirty="0" smtClean="0"/>
+                        <a:t>1</a:t>
+                      </a:r>
+                      <a:endParaRPr lang="en-CA" dirty="0"/>
+                    </a:p>
+                  </a:txBody>
+                  <a:tcPr/>
+                </a:tc>
+                <a:tc>
+                  <a:txBody>
+                    <a:bodyPr/>
+                    <a:lstStyle/>
+                    <a:p>
+                      <a:pPr algn="ctr"/>
+                      <a:r>
+                        <a:rPr lang="en-CA" dirty="0" smtClean="0"/>
+                        <a:t>0</a:t>
+                      </a:r>
+                      <a:endParaRPr lang="en-CA" dirty="0"/>
+                    </a:p>
+                  </a:txBody>
+                  <a:tcPr/>
+                </a:tc>
+              </a:tr>
+              <a:tr h="444657">
+                <a:tc>
+                  <a:txBody>
+                    <a:bodyPr/>
+                    <a:lstStyle/>
+                    <a:p>
+                      <a:pPr algn="ctr"/>
+                      <a:r>
+                        <a:rPr lang="en-CA" dirty="0" smtClean="0"/>
+                        <a:t>2</a:t>
+                      </a:r>
+                      <a:endParaRPr lang="en-CA" dirty="0"/>
+                    </a:p>
+                  </a:txBody>
+                  <a:tcPr/>
+                </a:tc>
+                <a:tc>
+                  <a:txBody>
+                    <a:bodyPr/>
+                    <a:lstStyle/>
+                    <a:p>
+                      <a:pPr algn="ctr"/>
+                      <a:r>
+                        <a:rPr lang="en-CA" dirty="0" smtClean="0"/>
+                        <a:t>1</a:t>
+                      </a:r>
+                      <a:endParaRPr lang="en-CA" dirty="0"/>
+                    </a:p>
+                  </a:txBody>
+                  <a:tcPr/>
+                </a:tc>
+                <a:tc>
+                  <a:txBody>
+                    <a:bodyPr/>
+                    <a:lstStyle/>
+                    <a:p>
+                      <a:pPr algn="ctr"/>
+                      <a:r>
+                        <a:rPr lang="en-CA" dirty="0" smtClean="0"/>
+                        <a:t>0</a:t>
+                      </a:r>
+                      <a:endParaRPr lang="en-CA" dirty="0"/>
+                    </a:p>
+                  </a:txBody>
+                  <a:tcPr/>
+                </a:tc>
+                <a:tc>
+                  <a:txBody>
+                    <a:bodyPr/>
+                    <a:lstStyle/>
+                    <a:p>
+                      <a:pPr algn="ctr"/>
+                      <a:r>
+                        <a:rPr lang="en-CA" dirty="0" smtClean="0"/>
+                        <a:t>1</a:t>
+                      </a:r>
+                      <a:endParaRPr lang="en-CA" dirty="0"/>
+                    </a:p>
+                  </a:txBody>
+                  <a:tcPr/>
+                </a:tc>
+                <a:tc>
+                  <a:txBody>
+                    <a:bodyPr/>
+                    <a:lstStyle/>
+                    <a:p>
+                      <a:pPr algn="ctr"/>
+                      <a:r>
+                        <a:rPr lang="en-CA" dirty="0" smtClean="0"/>
+                        <a:t>1</a:t>
+                      </a:r>
+                      <a:endParaRPr lang="en-CA" dirty="0"/>
+                    </a:p>
+                  </a:txBody>
+                  <a:tcPr/>
+                </a:tc>
+                <a:tc>
+                  <a:txBody>
+                    <a:bodyPr/>
+                    <a:lstStyle/>
+                    <a:p>
+                      <a:pPr algn="ctr"/>
+                      <a:r>
+                        <a:rPr lang="en-CA" dirty="0" smtClean="0"/>
+                        <a:t>0</a:t>
+                      </a:r>
+                      <a:endParaRPr lang="en-CA" dirty="0"/>
+                    </a:p>
+                  </a:txBody>
+                  <a:tcPr/>
+                </a:tc>
+                <a:tc>
+                  <a:txBody>
+                    <a:bodyPr/>
+                    <a:lstStyle/>
+                    <a:p>
+                      <a:pPr algn="ctr"/>
+                      <a:r>
+                        <a:rPr lang="en-CA" dirty="0" smtClean="0"/>
+                        <a:t>0</a:t>
+                      </a:r>
+                      <a:endParaRPr lang="en-CA" dirty="0"/>
+                    </a:p>
+                  </a:txBody>
+                  <a:tcPr/>
+                </a:tc>
+                <a:tc>
+                  <a:txBody>
+                    <a:bodyPr/>
+                    <a:lstStyle/>
+                    <a:p>
+                      <a:pPr algn="ctr"/>
+                      <a:r>
+                        <a:rPr lang="en-CA" dirty="0" smtClean="0"/>
+                        <a:t>0</a:t>
+                      </a:r>
+                      <a:endParaRPr lang="en-CA" dirty="0"/>
+                    </a:p>
+                  </a:txBody>
+                  <a:tcPr/>
+                </a:tc>
+                <a:tc>
+                  <a:txBody>
+                    <a:bodyPr/>
+                    <a:lstStyle/>
+                    <a:p>
+                      <a:pPr algn="ctr"/>
+                      <a:r>
+                        <a:rPr lang="en-CA" dirty="0" smtClean="0"/>
+                        <a:t>0</a:t>
+                      </a:r>
+                      <a:endParaRPr lang="en-CA" dirty="0"/>
+                    </a:p>
+                  </a:txBody>
+                  <a:tcPr/>
+                </a:tc>
+              </a:tr>
+              <a:tr h="444657">
+                <a:tc>
+                  <a:txBody>
+                    <a:bodyPr/>
+                    <a:lstStyle/>
+                    <a:p>
+                      <a:pPr algn="ctr"/>
+                      <a:r>
+                        <a:rPr lang="en-CA" dirty="0" smtClean="0"/>
+                        <a:t>3</a:t>
+                      </a:r>
+                      <a:endParaRPr lang="en-CA" dirty="0"/>
+                    </a:p>
+                  </a:txBody>
+                  <a:tcPr/>
+                </a:tc>
+                <a:tc>
+                  <a:txBody>
+                    <a:bodyPr/>
+                    <a:lstStyle/>
+                    <a:p>
+                      <a:pPr algn="ctr"/>
+                      <a:r>
+                        <a:rPr lang="en-CA" dirty="0" smtClean="0"/>
+                        <a:t>0</a:t>
+                      </a:r>
+                      <a:endParaRPr lang="en-CA" dirty="0"/>
+                    </a:p>
+                  </a:txBody>
+                  <a:tcPr/>
+                </a:tc>
+                <a:tc>
+                  <a:txBody>
+                    <a:bodyPr/>
+                    <a:lstStyle/>
+                    <a:p>
+                      <a:pPr algn="ctr"/>
+                      <a:r>
+                        <a:rPr lang="en-CA" dirty="0" smtClean="0"/>
+                        <a:t>1</a:t>
+                      </a:r>
+                      <a:endParaRPr lang="en-CA" dirty="0"/>
+                    </a:p>
+                  </a:txBody>
+                  <a:tcPr/>
+                </a:tc>
+                <a:tc>
+                  <a:txBody>
+                    <a:bodyPr/>
+                    <a:lstStyle/>
+                    <a:p>
+                      <a:pPr algn="ctr"/>
+                      <a:r>
+                        <a:rPr lang="en-CA" dirty="0" smtClean="0"/>
+                        <a:t>0</a:t>
+                      </a:r>
+                      <a:endParaRPr lang="en-CA" dirty="0"/>
+                    </a:p>
+                  </a:txBody>
+                  <a:tcPr/>
+                </a:tc>
+                <a:tc>
+                  <a:txBody>
+                    <a:bodyPr/>
+                    <a:lstStyle/>
+                    <a:p>
+                      <a:pPr algn="ctr"/>
+                      <a:r>
+                        <a:rPr lang="en-CA" dirty="0" smtClean="0"/>
+                        <a:t>0</a:t>
+                      </a:r>
+                      <a:endParaRPr lang="en-CA" dirty="0"/>
+                    </a:p>
+                  </a:txBody>
+                  <a:tcPr/>
+                </a:tc>
+                <a:tc>
+                  <a:txBody>
+                    <a:bodyPr/>
+                    <a:lstStyle/>
+                    <a:p>
+                      <a:pPr algn="ctr"/>
+                      <a:r>
+                        <a:rPr lang="en-CA" dirty="0" smtClean="0"/>
+                        <a:t>0</a:t>
+                      </a:r>
+                      <a:endParaRPr lang="en-CA" dirty="0"/>
+                    </a:p>
+                  </a:txBody>
+                  <a:tcPr/>
+                </a:tc>
+                <a:tc>
+                  <a:txBody>
+                    <a:bodyPr/>
+                    <a:lstStyle/>
+                    <a:p>
+                      <a:pPr algn="ctr"/>
+                      <a:r>
+                        <a:rPr lang="en-CA" dirty="0" smtClean="0"/>
+                        <a:t>1</a:t>
+                      </a:r>
+                      <a:endParaRPr lang="en-CA" dirty="0"/>
+                    </a:p>
+                  </a:txBody>
+                  <a:tcPr/>
+                </a:tc>
+                <a:tc>
+                  <a:txBody>
+                    <a:bodyPr/>
+                    <a:lstStyle/>
+                    <a:p>
+                      <a:pPr algn="ctr"/>
+                      <a:r>
+                        <a:rPr lang="en-CA" dirty="0" smtClean="0"/>
+                        <a:t>1</a:t>
+                      </a:r>
+                      <a:endParaRPr lang="en-CA" dirty="0"/>
+                    </a:p>
+                  </a:txBody>
+                  <a:tcPr/>
+                </a:tc>
+                <a:tc>
+                  <a:txBody>
+                    <a:bodyPr/>
+                    <a:lstStyle/>
+                    <a:p>
+                      <a:pPr algn="ctr"/>
+                      <a:r>
+                        <a:rPr lang="en-CA" dirty="0" smtClean="0"/>
+                        <a:t>0</a:t>
+                      </a:r>
+                      <a:endParaRPr lang="en-CA" dirty="0"/>
+                    </a:p>
+                  </a:txBody>
+                  <a:tcPr/>
+                </a:tc>
+              </a:tr>
+              <a:tr h="444657">
+                <a:tc>
+                  <a:txBody>
+                    <a:bodyPr/>
+                    <a:lstStyle/>
+                    <a:p>
+                      <a:pPr algn="ctr"/>
+                      <a:r>
+                        <a:rPr lang="en-CA" dirty="0" smtClean="0"/>
+                        <a:t>4</a:t>
+                      </a:r>
+                      <a:endParaRPr lang="en-CA" dirty="0"/>
+                    </a:p>
+                  </a:txBody>
+                  <a:tcPr/>
+                </a:tc>
+                <a:tc>
+                  <a:txBody>
+                    <a:bodyPr/>
+                    <a:lstStyle/>
+                    <a:p>
+                      <a:pPr algn="ctr"/>
+                      <a:r>
+                        <a:rPr lang="en-CA" dirty="0" smtClean="0"/>
+                        <a:t>1</a:t>
+                      </a:r>
+                      <a:endParaRPr lang="en-CA" dirty="0"/>
+                    </a:p>
+                  </a:txBody>
+                  <a:tcPr/>
+                </a:tc>
+                <a:tc>
+                  <a:txBody>
+                    <a:bodyPr/>
+                    <a:lstStyle/>
+                    <a:p>
+                      <a:pPr algn="ctr"/>
+                      <a:r>
+                        <a:rPr lang="en-CA" dirty="0" smtClean="0"/>
+                        <a:t>1</a:t>
+                      </a:r>
+                      <a:endParaRPr lang="en-CA" dirty="0"/>
+                    </a:p>
+                  </a:txBody>
+                  <a:tcPr/>
+                </a:tc>
+                <a:tc>
+                  <a:txBody>
+                    <a:bodyPr/>
+                    <a:lstStyle/>
+                    <a:p>
+                      <a:pPr algn="ctr"/>
+                      <a:r>
+                        <a:rPr lang="en-CA" dirty="0" smtClean="0"/>
+                        <a:t>0</a:t>
+                      </a:r>
+                      <a:endParaRPr lang="en-CA" dirty="0"/>
+                    </a:p>
+                  </a:txBody>
+                  <a:tcPr/>
+                </a:tc>
+                <a:tc>
+                  <a:txBody>
+                    <a:bodyPr/>
+                    <a:lstStyle/>
+                    <a:p>
+                      <a:pPr algn="ctr"/>
+                      <a:r>
+                        <a:rPr lang="en-CA" dirty="0" smtClean="0"/>
+                        <a:t>0</a:t>
+                      </a:r>
+                      <a:endParaRPr lang="en-CA" dirty="0"/>
+                    </a:p>
+                  </a:txBody>
+                  <a:tcPr/>
+                </a:tc>
+                <a:tc>
+                  <a:txBody>
+                    <a:bodyPr/>
+                    <a:lstStyle/>
+                    <a:p>
+                      <a:pPr algn="ctr"/>
+                      <a:r>
+                        <a:rPr lang="en-CA" dirty="0" smtClean="0"/>
+                        <a:t>1</a:t>
+                      </a:r>
+                      <a:endParaRPr lang="en-CA" dirty="0"/>
+                    </a:p>
+                  </a:txBody>
+                  <a:tcPr/>
+                </a:tc>
+                <a:tc>
+                  <a:txBody>
+                    <a:bodyPr/>
+                    <a:lstStyle/>
+                    <a:p>
+                      <a:pPr algn="ctr"/>
+                      <a:r>
+                        <a:rPr lang="en-CA" dirty="0" smtClean="0"/>
+                        <a:t>0</a:t>
+                      </a:r>
+                      <a:endParaRPr lang="en-CA" dirty="0"/>
+                    </a:p>
+                  </a:txBody>
+                  <a:tcPr/>
+                </a:tc>
+                <a:tc>
+                  <a:txBody>
+                    <a:bodyPr/>
+                    <a:lstStyle/>
+                    <a:p>
+                      <a:pPr algn="ctr"/>
+                      <a:r>
+                        <a:rPr lang="en-CA" dirty="0" smtClean="0"/>
+                        <a:t>0</a:t>
+                      </a:r>
+                      <a:endParaRPr lang="en-CA" dirty="0"/>
+                    </a:p>
+                  </a:txBody>
+                  <a:tcPr/>
+                </a:tc>
+                <a:tc>
+                  <a:txBody>
+                    <a:bodyPr/>
+                    <a:lstStyle/>
+                    <a:p>
+                      <a:pPr algn="ctr"/>
+                      <a:r>
+                        <a:rPr lang="en-CA" dirty="0" smtClean="0"/>
+                        <a:t>1</a:t>
+                      </a:r>
+                      <a:endParaRPr lang="en-CA" dirty="0"/>
+                    </a:p>
+                  </a:txBody>
+                  <a:tcPr/>
+                </a:tc>
+              </a:tr>
+              <a:tr h="444657">
+                <a:tc>
+                  <a:txBody>
+                    <a:bodyPr/>
+                    <a:lstStyle/>
+                    <a:p>
+                      <a:pPr algn="ctr"/>
+                      <a:r>
+                        <a:rPr lang="en-CA" dirty="0" smtClean="0"/>
+                        <a:t>5</a:t>
+                      </a:r>
+                      <a:endParaRPr lang="en-CA" dirty="0"/>
+                    </a:p>
+                  </a:txBody>
+                  <a:tcPr/>
+                </a:tc>
+                <a:tc>
+                  <a:txBody>
+                    <a:bodyPr/>
+                    <a:lstStyle/>
+                    <a:p>
+                      <a:pPr algn="ctr"/>
+                      <a:r>
+                        <a:rPr lang="en-CA" dirty="0" smtClean="0"/>
+                        <a:t>0</a:t>
+                      </a:r>
+                      <a:endParaRPr lang="en-CA" dirty="0"/>
+                    </a:p>
+                  </a:txBody>
+                  <a:tcPr/>
+                </a:tc>
+                <a:tc>
+                  <a:txBody>
+                    <a:bodyPr/>
+                    <a:lstStyle/>
+                    <a:p>
+                      <a:pPr algn="ctr"/>
+                      <a:r>
+                        <a:rPr lang="en-CA" dirty="0" smtClean="0"/>
+                        <a:t>0</a:t>
+                      </a:r>
+                      <a:endParaRPr lang="en-CA" dirty="0"/>
+                    </a:p>
+                  </a:txBody>
+                  <a:tcPr/>
+                </a:tc>
+                <a:tc>
+                  <a:txBody>
+                    <a:bodyPr/>
+                    <a:lstStyle/>
+                    <a:p>
+                      <a:pPr algn="ctr"/>
+                      <a:r>
+                        <a:rPr lang="en-CA" dirty="0" smtClean="0"/>
+                        <a:t>0</a:t>
+                      </a:r>
+                      <a:endParaRPr lang="en-CA" dirty="0"/>
+                    </a:p>
+                  </a:txBody>
+                  <a:tcPr/>
+                </a:tc>
+                <a:tc>
+                  <a:txBody>
+                    <a:bodyPr/>
+                    <a:lstStyle/>
+                    <a:p>
+                      <a:pPr algn="ctr"/>
+                      <a:r>
+                        <a:rPr lang="en-CA" dirty="0" smtClean="0"/>
+                        <a:t>1</a:t>
+                      </a:r>
+                      <a:endParaRPr lang="en-CA" dirty="0"/>
+                    </a:p>
+                  </a:txBody>
+                  <a:tcPr/>
+                </a:tc>
+                <a:tc>
+                  <a:txBody>
+                    <a:bodyPr/>
+                    <a:lstStyle/>
+                    <a:p>
+                      <a:pPr algn="ctr"/>
+                      <a:r>
+                        <a:rPr lang="en-CA" dirty="0" smtClean="0"/>
+                        <a:t>0</a:t>
+                      </a:r>
+                      <a:endParaRPr lang="en-CA" dirty="0"/>
+                    </a:p>
+                  </a:txBody>
+                  <a:tcPr/>
+                </a:tc>
+                <a:tc>
+                  <a:txBody>
+                    <a:bodyPr/>
+                    <a:lstStyle/>
+                    <a:p>
+                      <a:pPr algn="ctr"/>
+                      <a:r>
+                        <a:rPr lang="en-CA" dirty="0" smtClean="0"/>
+                        <a:t>1</a:t>
+                      </a:r>
+                      <a:endParaRPr lang="en-CA" dirty="0"/>
+                    </a:p>
+                  </a:txBody>
+                  <a:tcPr/>
+                </a:tc>
+                <a:tc>
+                  <a:txBody>
+                    <a:bodyPr/>
+                    <a:lstStyle/>
+                    <a:p>
+                      <a:pPr algn="ctr"/>
+                      <a:r>
+                        <a:rPr lang="en-CA" dirty="0" smtClean="0"/>
+                        <a:t>0</a:t>
+                      </a:r>
+                      <a:endParaRPr lang="en-CA" dirty="0"/>
+                    </a:p>
+                  </a:txBody>
+                  <a:tcPr/>
+                </a:tc>
+                <a:tc>
+                  <a:txBody>
+                    <a:bodyPr/>
+                    <a:lstStyle/>
+                    <a:p>
+                      <a:pPr algn="ctr"/>
+                      <a:r>
+                        <a:rPr lang="en-CA" dirty="0" smtClean="0"/>
+                        <a:t>1</a:t>
+                      </a:r>
+                      <a:endParaRPr lang="en-CA" dirty="0"/>
+                    </a:p>
+                  </a:txBody>
+                  <a:tcPr/>
+                </a:tc>
+              </a:tr>
+              <a:tr h="444657">
+                <a:tc>
+                  <a:txBody>
+                    <a:bodyPr/>
+                    <a:lstStyle/>
+                    <a:p>
+                      <a:pPr algn="ctr"/>
+                      <a:r>
+                        <a:rPr lang="en-CA" dirty="0" smtClean="0"/>
+                        <a:t>6</a:t>
+                      </a:r>
+                      <a:endParaRPr lang="en-CA" dirty="0"/>
+                    </a:p>
+                  </a:txBody>
+                  <a:tcPr/>
+                </a:tc>
+                <a:tc>
+                  <a:txBody>
+                    <a:bodyPr/>
+                    <a:lstStyle/>
+                    <a:p>
+                      <a:pPr algn="ctr"/>
+                      <a:r>
+                        <a:rPr lang="en-CA" dirty="0" smtClean="0"/>
+                        <a:t>1</a:t>
+                      </a:r>
+                      <a:endParaRPr lang="en-CA" dirty="0"/>
+                    </a:p>
+                  </a:txBody>
+                  <a:tcPr/>
+                </a:tc>
+                <a:tc>
+                  <a:txBody>
+                    <a:bodyPr/>
+                    <a:lstStyle/>
+                    <a:p>
+                      <a:pPr algn="ctr"/>
+                      <a:r>
+                        <a:rPr lang="en-CA" dirty="0" smtClean="0"/>
+                        <a:t>0</a:t>
+                      </a:r>
+                      <a:endParaRPr lang="en-CA" dirty="0"/>
+                    </a:p>
+                  </a:txBody>
+                  <a:tcPr/>
+                </a:tc>
+                <a:tc>
+                  <a:txBody>
+                    <a:bodyPr/>
+                    <a:lstStyle/>
+                    <a:p>
+                      <a:pPr algn="ctr"/>
+                      <a:r>
+                        <a:rPr lang="en-CA" dirty="0" smtClean="0"/>
+                        <a:t>1</a:t>
+                      </a:r>
+                      <a:endParaRPr lang="en-CA" dirty="0"/>
+                    </a:p>
+                  </a:txBody>
+                  <a:tcPr/>
+                </a:tc>
+                <a:tc>
+                  <a:txBody>
+                    <a:bodyPr/>
+                    <a:lstStyle/>
+                    <a:p>
+                      <a:pPr algn="ctr"/>
+                      <a:r>
+                        <a:rPr lang="en-CA" dirty="0" smtClean="0"/>
+                        <a:t>0</a:t>
+                      </a:r>
+                      <a:endParaRPr lang="en-CA" dirty="0"/>
+                    </a:p>
+                  </a:txBody>
+                  <a:tcPr/>
+                </a:tc>
+                <a:tc>
+                  <a:txBody>
+                    <a:bodyPr/>
+                    <a:lstStyle/>
+                    <a:p>
+                      <a:pPr algn="ctr"/>
+                      <a:r>
+                        <a:rPr lang="en-CA" dirty="0" smtClean="0"/>
+                        <a:t>1</a:t>
+                      </a:r>
+                      <a:endParaRPr lang="en-CA" dirty="0"/>
+                    </a:p>
+                  </a:txBody>
+                  <a:tcPr/>
+                </a:tc>
+                <a:tc>
+                  <a:txBody>
+                    <a:bodyPr/>
+                    <a:lstStyle/>
+                    <a:p>
+                      <a:pPr algn="ctr"/>
+                      <a:r>
+                        <a:rPr lang="en-CA" dirty="0" smtClean="0"/>
+                        <a:t>0</a:t>
+                      </a:r>
+                      <a:endParaRPr lang="en-CA" dirty="0"/>
+                    </a:p>
+                  </a:txBody>
+                  <a:tcPr/>
+                </a:tc>
+                <a:tc>
+                  <a:txBody>
+                    <a:bodyPr/>
+                    <a:lstStyle/>
+                    <a:p>
+                      <a:pPr algn="ctr"/>
+                      <a:r>
+                        <a:rPr lang="en-CA" dirty="0" smtClean="0"/>
+                        <a:t>1</a:t>
+                      </a:r>
+                      <a:endParaRPr lang="en-CA" dirty="0"/>
+                    </a:p>
+                  </a:txBody>
+                  <a:tcPr/>
+                </a:tc>
+                <a:tc>
+                  <a:txBody>
+                    <a:bodyPr/>
+                    <a:lstStyle/>
+                    <a:p>
+                      <a:pPr algn="ctr"/>
+                      <a:r>
+                        <a:rPr lang="en-CA" dirty="0" smtClean="0"/>
+                        <a:t>0</a:t>
+                      </a:r>
+                      <a:endParaRPr lang="en-CA" dirty="0"/>
+                    </a:p>
+                  </a:txBody>
+                  <a:tcPr/>
+                </a:tc>
+              </a:tr>
+              <a:tr h="444657">
+                <a:tc>
+                  <a:txBody>
+                    <a:bodyPr/>
+                    <a:lstStyle/>
+                    <a:p>
+                      <a:pPr algn="ctr"/>
+                      <a:r>
+                        <a:rPr lang="en-CA" dirty="0" smtClean="0"/>
+                        <a:t>7</a:t>
+                      </a:r>
+                      <a:endParaRPr lang="en-CA" dirty="0"/>
+                    </a:p>
+                  </a:txBody>
+                  <a:tcPr/>
+                </a:tc>
+                <a:tc>
+                  <a:txBody>
+                    <a:bodyPr/>
+                    <a:lstStyle/>
+                    <a:p>
+                      <a:pPr algn="ctr"/>
+                      <a:r>
+                        <a:rPr lang="en-CA" dirty="0" smtClean="0"/>
+                        <a:t>1</a:t>
+                      </a:r>
+                      <a:endParaRPr lang="en-CA" dirty="0"/>
+                    </a:p>
+                  </a:txBody>
+                  <a:tcPr/>
+                </a:tc>
+                <a:tc>
+                  <a:txBody>
+                    <a:bodyPr/>
+                    <a:lstStyle/>
+                    <a:p>
+                      <a:pPr algn="ctr"/>
+                      <a:r>
+                        <a:rPr lang="en-CA" dirty="0" smtClean="0"/>
+                        <a:t>0</a:t>
+                      </a:r>
+                      <a:endParaRPr lang="en-CA" dirty="0"/>
+                    </a:p>
+                  </a:txBody>
+                  <a:tcPr/>
+                </a:tc>
+                <a:tc>
+                  <a:txBody>
+                    <a:bodyPr/>
+                    <a:lstStyle/>
+                    <a:p>
+                      <a:pPr algn="ctr"/>
+                      <a:r>
+                        <a:rPr lang="en-CA" dirty="0" smtClean="0"/>
+                        <a:t>1</a:t>
+                      </a:r>
+                      <a:endParaRPr lang="en-CA" dirty="0"/>
+                    </a:p>
+                  </a:txBody>
+                  <a:tcPr/>
+                </a:tc>
+                <a:tc>
+                  <a:txBody>
+                    <a:bodyPr/>
+                    <a:lstStyle/>
+                    <a:p>
+                      <a:pPr algn="ctr"/>
+                      <a:r>
+                        <a:rPr lang="en-CA" dirty="0" smtClean="0"/>
+                        <a:t>0</a:t>
+                      </a:r>
+                      <a:endParaRPr lang="en-CA" dirty="0"/>
+                    </a:p>
+                  </a:txBody>
+                  <a:tcPr/>
+                </a:tc>
+                <a:tc>
+                  <a:txBody>
+                    <a:bodyPr/>
+                    <a:lstStyle/>
+                    <a:p>
+                      <a:pPr algn="ctr"/>
+                      <a:r>
+                        <a:rPr lang="en-CA" dirty="0" smtClean="0"/>
+                        <a:t>0</a:t>
+                      </a:r>
+                      <a:endParaRPr lang="en-CA" dirty="0"/>
+                    </a:p>
+                  </a:txBody>
+                  <a:tcPr/>
+                </a:tc>
+                <a:tc>
+                  <a:txBody>
+                    <a:bodyPr/>
+                    <a:lstStyle/>
+                    <a:p>
+                      <a:pPr algn="ctr"/>
+                      <a:r>
+                        <a:rPr lang="en-CA" dirty="0" smtClean="0"/>
+                        <a:t>1</a:t>
+                      </a:r>
+                      <a:endParaRPr lang="en-CA" dirty="0"/>
+                    </a:p>
+                  </a:txBody>
+                  <a:tcPr/>
+                </a:tc>
+                <a:tc>
+                  <a:txBody>
+                    <a:bodyPr/>
+                    <a:lstStyle/>
+                    <a:p>
+                      <a:pPr algn="ctr"/>
+                      <a:r>
+                        <a:rPr lang="en-CA" dirty="0" smtClean="0"/>
+                        <a:t>0</a:t>
+                      </a:r>
+                      <a:endParaRPr lang="en-CA" dirty="0"/>
+                    </a:p>
+                  </a:txBody>
+                  <a:tcPr/>
+                </a:tc>
+                <a:tc>
+                  <a:txBody>
+                    <a:bodyPr/>
+                    <a:lstStyle/>
+                    <a:p>
+                      <a:pPr algn="ctr"/>
+                      <a:r>
+                        <a:rPr lang="en-CA" dirty="0" smtClean="0"/>
+                        <a:t>0</a:t>
+                      </a:r>
+                      <a:endParaRPr lang="en-CA" dirty="0"/>
+                    </a:p>
+                  </a:txBody>
+                  <a:tcPr/>
+                </a:tc>
+              </a:tr>
+              <a:tr h="444657">
+                <a:tc>
+                  <a:txBody>
+                    <a:bodyPr/>
+                    <a:lstStyle/>
+                    <a:p>
+                      <a:pPr algn="ctr"/>
+                      <a:r>
+                        <a:rPr lang="en-CA" dirty="0" smtClean="0"/>
+                        <a:t>8</a:t>
+                      </a:r>
+                      <a:endParaRPr lang="en-CA" dirty="0"/>
+                    </a:p>
+                  </a:txBody>
+                  <a:tcPr/>
+                </a:tc>
+                <a:tc>
+                  <a:txBody>
+                    <a:bodyPr/>
+                    <a:lstStyle/>
+                    <a:p>
+                      <a:pPr algn="ctr"/>
+                      <a:r>
+                        <a:rPr lang="en-CA" dirty="0" smtClean="0"/>
+                        <a:t>0</a:t>
+                      </a:r>
+                      <a:endParaRPr lang="en-CA" dirty="0"/>
+                    </a:p>
+                  </a:txBody>
+                  <a:tcPr/>
+                </a:tc>
+                <a:tc>
+                  <a:txBody>
+                    <a:bodyPr/>
+                    <a:lstStyle/>
+                    <a:p>
+                      <a:pPr algn="ctr"/>
+                      <a:r>
+                        <a:rPr lang="en-CA" dirty="0" smtClean="0"/>
+                        <a:t>0</a:t>
+                      </a:r>
+                      <a:endParaRPr lang="en-CA" dirty="0"/>
+                    </a:p>
+                  </a:txBody>
+                  <a:tcPr/>
+                </a:tc>
+                <a:tc>
+                  <a:txBody>
+                    <a:bodyPr/>
+                    <a:lstStyle/>
+                    <a:p>
+                      <a:pPr algn="ctr"/>
+                      <a:r>
+                        <a:rPr lang="en-CA" dirty="0" smtClean="0"/>
+                        <a:t>0</a:t>
+                      </a:r>
+                      <a:endParaRPr lang="en-CA" dirty="0"/>
+                    </a:p>
+                  </a:txBody>
+                  <a:tcPr/>
+                </a:tc>
+                <a:tc>
+                  <a:txBody>
+                    <a:bodyPr/>
+                    <a:lstStyle/>
+                    <a:p>
+                      <a:pPr algn="ctr"/>
+                      <a:r>
+                        <a:rPr lang="en-CA" dirty="0" smtClean="0"/>
+                        <a:t>1</a:t>
+                      </a:r>
+                      <a:endParaRPr lang="en-CA" dirty="0"/>
+                    </a:p>
+                  </a:txBody>
+                  <a:tcPr/>
+                </a:tc>
+                <a:tc>
+                  <a:txBody>
+                    <a:bodyPr/>
+                    <a:lstStyle/>
+                    <a:p>
+                      <a:pPr algn="ctr"/>
+                      <a:r>
+                        <a:rPr lang="en-CA" dirty="0" smtClean="0"/>
+                        <a:t>1</a:t>
+                      </a:r>
+                      <a:endParaRPr lang="en-CA" dirty="0"/>
+                    </a:p>
+                  </a:txBody>
+                  <a:tcPr/>
+                </a:tc>
+                <a:tc>
+                  <a:txBody>
+                    <a:bodyPr/>
+                    <a:lstStyle/>
+                    <a:p>
+                      <a:pPr algn="ctr"/>
+                      <a:r>
+                        <a:rPr lang="en-CA" dirty="0" smtClean="0"/>
+                        <a:t>0</a:t>
+                      </a:r>
+                      <a:endParaRPr lang="en-CA" dirty="0"/>
+                    </a:p>
+                  </a:txBody>
+                  <a:tcPr/>
+                </a:tc>
+                <a:tc>
+                  <a:txBody>
+                    <a:bodyPr/>
+                    <a:lstStyle/>
+                    <a:p>
+                      <a:pPr algn="ctr"/>
+                      <a:r>
+                        <a:rPr lang="en-CA" dirty="0" smtClean="0"/>
+                        <a:t>0</a:t>
+                      </a:r>
+                      <a:endParaRPr lang="en-CA" dirty="0"/>
+                    </a:p>
+                  </a:txBody>
+                  <a:tcPr/>
+                </a:tc>
+                <a:tc>
+                  <a:txBody>
+                    <a:bodyPr/>
+                    <a:lstStyle/>
+                    <a:p>
+                      <a:pPr algn="ctr"/>
+                      <a:r>
+                        <a:rPr lang="en-CA" dirty="0" smtClean="0"/>
+                        <a:t>0</a:t>
+                      </a:r>
+                      <a:endParaRPr lang="en-CA" dirty="0"/>
+                    </a:p>
+                  </a:txBody>
+                  <a:tcPr/>
+                </a:tc>
+              </a:tr>
+            </a:tbl>
+          </a:graphicData>
+        </a:graphic>
+      </p:graphicFrame>
+      <p:sp>
+        <p:nvSpPr>
+          <p:cNvPr id="5" name="Right Triangle 4"/>
+          <p:cNvSpPr/>
+          <p:nvPr/>
+        </p:nvSpPr>
+        <p:spPr>
+          <a:xfrm rot="10800000">
+            <a:off x="5796136" y="1916832"/>
+            <a:ext cx="1296144" cy="1440160"/>
+          </a:xfrm>
+          <a:prstGeom prst="rtTriangle">
+            <a:avLst/>
+          </a:prstGeom>
+          <a:noFill/>
+          <a:ln w="22225" cmpd="sng">
+            <a:solidFill>
+              <a:srgbClr val="FF0000"/>
+            </a:solidFill>
+          </a:ln>
+        </p:spPr>
+        <p:style>
+          <a:lnRef idx="2">
+            <a:schemeClr val="accent1">
+              <a:shade val="50000"/>
+            </a:schemeClr>
+          </a:lnRef>
+          <a:fillRef idx="1">
+            <a:schemeClr val="accent1"/>
+          </a:fillRef>
+          <a:effectRef idx="0">
+            <a:schemeClr val="accent1"/>
+          </a:effectRef>
+          <a:fontRef idx="minor">
+            <a:schemeClr val="lt1"/>
+          </a:fontRef>
+        </p:style>
+        <p:txBody>
+          <a:bodyPr rtlCol="0" anchor="ctr"/>
+          <a:lstStyle/>
+          <a:p>
+            <a:pPr algn="ctr"/>
+            <a:endParaRPr lang="en-CA"/>
+          </a:p>
+        </p:txBody>
+      </p:sp>
+      <p:sp>
+        <p:nvSpPr>
+          <p:cNvPr id="6" name="Right Triangle 5"/>
+          <p:cNvSpPr/>
+          <p:nvPr/>
+        </p:nvSpPr>
+        <p:spPr>
+          <a:xfrm rot="10800000">
+            <a:off x="7380312" y="3717031"/>
+            <a:ext cx="1296144" cy="1440160"/>
+          </a:xfrm>
+          <a:prstGeom prst="rtTriangle">
+            <a:avLst/>
+          </a:prstGeom>
+          <a:noFill/>
+          <a:ln w="22225" cmpd="sng">
+            <a:solidFill>
+              <a:srgbClr val="FF0000"/>
+            </a:solidFill>
+          </a:ln>
+        </p:spPr>
+        <p:style>
+          <a:lnRef idx="2">
+            <a:schemeClr val="accent1">
+              <a:shade val="50000"/>
+            </a:schemeClr>
+          </a:lnRef>
+          <a:fillRef idx="1">
+            <a:schemeClr val="accent1"/>
+          </a:fillRef>
+          <a:effectRef idx="0">
+            <a:schemeClr val="accent1"/>
+          </a:effectRef>
+          <a:fontRef idx="minor">
+            <a:schemeClr val="lt1"/>
+          </a:fontRef>
+        </p:style>
+        <p:txBody>
+          <a:bodyPr rtlCol="0" anchor="ctr"/>
+          <a:lstStyle/>
+          <a:p>
+            <a:pPr algn="ctr"/>
+            <a:endParaRPr lang="en-CA"/>
+          </a:p>
+        </p:txBody>
+      </p:sp>
+      <p:sp>
+        <p:nvSpPr>
+          <p:cNvPr id="7" name="Rectangle 6"/>
+          <p:cNvSpPr/>
+          <p:nvPr/>
+        </p:nvSpPr>
+        <p:spPr>
+          <a:xfrm>
+            <a:off x="7164288" y="1916832"/>
+            <a:ext cx="1512168" cy="1728192"/>
+          </a:xfrm>
+          <a:prstGeom prst="rect">
+            <a:avLst/>
+          </a:prstGeom>
+          <a:noFill/>
+          <a:ln w="28575" cmpd="sng">
+            <a:solidFill>
+              <a:schemeClr val="accent1"/>
+            </a:solidFill>
+          </a:ln>
+        </p:spPr>
+        <p:style>
+          <a:lnRef idx="2">
+            <a:schemeClr val="accent1">
+              <a:shade val="50000"/>
+            </a:schemeClr>
+          </a:lnRef>
+          <a:fillRef idx="1">
+            <a:schemeClr val="accent1"/>
+          </a:fillRef>
+          <a:effectRef idx="0">
+            <a:schemeClr val="accent1"/>
+          </a:effectRef>
+          <a:fontRef idx="minor">
+            <a:schemeClr val="lt1"/>
+          </a:fontRef>
+        </p:style>
+        <p:txBody>
+          <a:bodyPr rtlCol="0" anchor="ctr"/>
+          <a:lstStyle/>
+          <a:p>
+            <a:pPr algn="ctr"/>
+            <a:endParaRPr lang="en-CA"/>
+          </a:p>
+        </p:txBody>
+      </p:sp>
+    </p:spTree>
+    <p:extLst>
+      <p:ext uri="{BB962C8B-B14F-4D97-AF65-F5344CB8AC3E}">
+        <p14:creationId xmlns:p14="http://schemas.microsoft.com/office/powerpoint/2010/main" val="882964946"/>
+      </p:ext>
+    </p:extLst>
+  </p:cSld>
+  <p:clrMapOvr>
+    <a:masterClrMapping/>
+  </p:clrMapOvr>
+  <p:timing>
+    <p:tnLst>
+      <p:par>
+        <p:cTn id="1" dur="indefinite" restart="never" nodeType="tmRoot"/>
+      </p:par>
+    </p:tnLst>
+  </p:timing>
+</p:sld>
+</file>
+
+<file path=ppt/slides/slide9.xml><?xml version="1.0" encoding="utf-8"?>
+<p:sld xmlns:a="http://schemas.openxmlformats.org/drawingml/2006/main" xmlns:r="http://schemas.openxmlformats.org/officeDocument/2006/relationships" xmlns:p="http://schemas.openxmlformats.org/presentationml/2006/main">
+  <p:cSld>
+    <p:spTree>
+      <p:nvGrpSpPr>
+        <p:cNvPr id="1" name=""/>
+        <p:cNvGrpSpPr/>
+        <p:nvPr/>
+      </p:nvGrpSpPr>
+      <p:grpSpPr>
+        <a:xfrm>
+          <a:off x="0" y="0"/>
+          <a:ext cx="0" cy="0"/>
+          <a:chOff x="0" y="0"/>
+          <a:chExt cx="0" cy="0"/>
+        </a:xfrm>
+      </p:grpSpPr>
+      <p:sp>
+        <p:nvSpPr>
+          <p:cNvPr id="2" name="Content Placeholder 1"/>
+          <p:cNvSpPr>
+            <a:spLocks noGrp="1"/>
+          </p:cNvSpPr>
+          <p:nvPr>
+            <p:ph idx="1"/>
+          </p:nvPr>
+        </p:nvSpPr>
+        <p:spPr/>
+        <p:txBody>
+          <a:bodyPr/>
+          <a:lstStyle/>
+          <a:p>
+            <a:r>
+              <a:rPr lang="en-CA" dirty="0" smtClean="0"/>
+              <a:t>Coded out regular Minimum Bit String method for finding isomorphism's</a:t>
+            </a:r>
+          </a:p>
+          <a:p>
+            <a:r>
+              <a:rPr lang="en-CA" dirty="0" smtClean="0"/>
+              <a:t>It worked, but O(n!)</a:t>
+            </a:r>
+          </a:p>
+          <a:p>
+            <a:r>
+              <a:rPr lang="en-CA" dirty="0" smtClean="0"/>
+              <a:t>Attempted a recursive solution</a:t>
+            </a:r>
+          </a:p>
+          <a:p>
+            <a:endParaRPr lang="en-CA" dirty="0"/>
+          </a:p>
+        </p:txBody>
+      </p:sp>
+      <p:sp>
+        <p:nvSpPr>
+          <p:cNvPr id="3" name="Title 2"/>
+          <p:cNvSpPr>
+            <a:spLocks noGrp="1"/>
+          </p:cNvSpPr>
+          <p:nvPr>
+            <p:ph type="title"/>
+          </p:nvPr>
+        </p:nvSpPr>
+        <p:spPr/>
+        <p:txBody>
+          <a:bodyPr/>
+          <a:lstStyle/>
+          <a:p>
+            <a:r>
+              <a:rPr lang="en-CA" dirty="0" smtClean="0"/>
+              <a:t>Results</a:t>
+            </a:r>
+            <a:endParaRPr lang="en-CA" dirty="0"/>
+          </a:p>
+        </p:txBody>
+      </p:sp>
+    </p:spTree>
+    <p:extLst>
+      <p:ext uri="{BB962C8B-B14F-4D97-AF65-F5344CB8AC3E}">
+        <p14:creationId xmlns:p14="http://schemas.microsoft.com/office/powerpoint/2010/main" val="76461823"/>
       </p:ext>
     </p:extLst>
   </p:cSld>
@@ -5682,4 +9093,289 @@
   <a:objectDefaults/>
   <a:extraClrSchemeLst/>
 </a:theme>
+</file>
+
+<file path=ppt/theme/theme2.xml><?xml version="1.0" encoding="utf-8"?>
+<a:theme xmlns:a="http://schemas.openxmlformats.org/drawingml/2006/main" name="Office Theme">
+  <a:themeElements>
+    <a:clrScheme name="Office">
+      <a:dk1>
+        <a:sysClr val="windowText" lastClr="000000"/>
+      </a:dk1>
+      <a:lt1>
+        <a:sysClr val="window" lastClr="FFFFFF"/>
+      </a:lt1>
+      <a:dk2>
+        <a:srgbClr val="1F497D"/>
+      </a:dk2>
+      <a:lt2>
+        <a:srgbClr val="EEECE1"/>
+      </a:lt2>
+      <a:accent1>
+        <a:srgbClr val="4F81BD"/>
+      </a:accent1>
+      <a:accent2>
+        <a:srgbClr val="C0504D"/>
+      </a:accent2>
+      <a:accent3>
+        <a:srgbClr val="9BBB59"/>
+      </a:accent3>
+      <a:accent4>
+        <a:srgbClr val="8064A2"/>
+      </a:accent4>
+      <a:accent5>
+        <a:srgbClr val="4BACC6"/>
+      </a:accent5>
+      <a:accent6>
+        <a:srgbClr val="F79646"/>
+      </a:accent6>
+      <a:hlink>
+        <a:srgbClr val="0000FF"/>
+      </a:hlink>
+      <a:folHlink>
+        <a:srgbClr val="800080"/>
+      </a:folHlink>
+    </a:clrScheme>
+    <a:fontScheme name="Office">
+      <a:majorFont>
+        <a:latin typeface="Calibri"/>
+        <a:ea typeface=""/>
+        <a:cs typeface=""/>
+        <a:font script="Jpan" typeface="ＭＳ Ｐゴシック"/>
+        <a:font script="Hang" typeface="맑은 고딕"/>
+        <a:font script="Hans" typeface="宋体"/>
+        <a:font script="Hant" typeface="新細明體"/>
+        <a:font script="Arab" typeface="Times New Roman"/>
+        <a:font script="Hebr" typeface="Times New Roman"/>
+        <a:font script="Thai" typeface="Angsana New"/>
+        <a:font script="Ethi" typeface="Nyala"/>
+        <a:font script="Beng" typeface="Vrinda"/>
+        <a:font script="Gujr" typeface="Shruti"/>
+        <a:font script="Khmr" typeface="MoolBoran"/>
+        <a:font script="Knda" typeface="Tunga"/>
+        <a:font script="Guru" typeface="Raavi"/>
+        <a:font script="Cans" typeface="Euphemia"/>
+        <a:font script="Cher" typeface="Plantagenet Cherokee"/>
+        <a:font script="Yiii" typeface="Microsoft Yi Baiti"/>
+        <a:font script="Tibt" typeface="Microsoft Himalaya"/>
+        <a:font script="Thaa" typeface="MV Boli"/>
+        <a:font script="Deva" typeface="Mangal"/>
+        <a:font script="Telu" typeface="Gautami"/>
+        <a:font script="Taml" typeface="Latha"/>
+        <a:font script="Syrc" typeface="Estrangelo Edessa"/>
+        <a:font script="Orya" typeface="Kalinga"/>
+        <a:font script="Mlym" typeface="Kartika"/>
+        <a:font script="Laoo" typeface="DokChampa"/>
+        <a:font script="Sinh" typeface="Iskoola Pota"/>
+        <a:font script="Mong" typeface="Mongolian Baiti"/>
+        <a:font script="Viet" typeface="Times New Roman"/>
+        <a:font script="Uigh" typeface="Microsoft Uighur"/>
+        <a:font script="Geor" typeface="Sylfaen"/>
+      </a:majorFont>
+      <a:minorFont>
+        <a:latin typeface="Calibri"/>
+        <a:ea typeface=""/>
+        <a:cs typeface=""/>
+        <a:font script="Jpan" typeface="ＭＳ Ｐゴシック"/>
+        <a:font script="Hang" typeface="맑은 고딕"/>
+        <a:font script="Hans" typeface="宋体"/>
+        <a:font script="Hant" typeface="新細明體"/>
+        <a:font script="Arab" typeface="Arial"/>
+        <a:font script="Hebr" typeface="Arial"/>
+        <a:font script="Thai" typeface="Cordia New"/>
+        <a:font script="Ethi" typeface="Nyala"/>
+        <a:font script="Beng" typeface="Vrinda"/>
+        <a:font script="Gujr" typeface="Shruti"/>
+        <a:font script="Khmr" typeface="DaunPenh"/>
+        <a:font script="Knda" typeface="Tunga"/>
+        <a:font script="Guru" typeface="Raavi"/>
+        <a:font script="Cans" typeface="Euphemia"/>
+        <a:font script="Cher" typeface="Plantagenet Cherokee"/>
+        <a:font script="Yiii" typeface="Microsoft Yi Baiti"/>
+        <a:font script="Tibt" typeface="Microsoft Himalaya"/>
+        <a:font script="Thaa" typeface="MV Boli"/>
+        <a:font script="Deva" typeface="Mangal"/>
+        <a:font script="Telu" typeface="Gautami"/>
+        <a:font script="Taml" typeface="Latha"/>
+        <a:font script="Syrc" typeface="Estrangelo Edessa"/>
+        <a:font script="Orya" typeface="Kalinga"/>
+        <a:font script="Mlym" typeface="Kartika"/>
+        <a:font script="Laoo" typeface="DokChampa"/>
+        <a:font script="Sinh" typeface="Iskoola Pota"/>
+        <a:font script="Mong" typeface="Mongolian Baiti"/>
+        <a:font script="Viet" typeface="Arial"/>
+        <a:font script="Uigh" typeface="Microsoft Uighur"/>
+        <a:font script="Geor" typeface="Sylfaen"/>
+      </a:minorFont>
+    </a:fontScheme>
+    <a:fmtScheme name="Office">
+      <a:fillStyleLst>
+        <a:solidFill>
+          <a:schemeClr val="phClr"/>
+        </a:solidFill>
+        <a:gradFill rotWithShape="1">
+          <a:gsLst>
+            <a:gs pos="0">
+              <a:schemeClr val="phClr">
+                <a:tint val="50000"/>
+                <a:satMod val="300000"/>
+              </a:schemeClr>
+            </a:gs>
+            <a:gs pos="35000">
+              <a:schemeClr val="phClr">
+                <a:tint val="37000"/>
+                <a:satMod val="300000"/>
+              </a:schemeClr>
+            </a:gs>
+            <a:gs pos="100000">
+              <a:schemeClr val="phClr">
+                <a:tint val="15000"/>
+                <a:satMod val="350000"/>
+              </a:schemeClr>
+            </a:gs>
+          </a:gsLst>
+          <a:lin ang="16200000" scaled="1"/>
+        </a:gradFill>
+        <a:gradFill rotWithShape="1">
+          <a:gsLst>
+            <a:gs pos="0">
+              <a:schemeClr val="phClr">
+                <a:shade val="51000"/>
+                <a:satMod val="130000"/>
+              </a:schemeClr>
+            </a:gs>
+            <a:gs pos="80000">
+              <a:schemeClr val="phClr">
+                <a:shade val="93000"/>
+                <a:satMod val="130000"/>
+              </a:schemeClr>
+            </a:gs>
+            <a:gs pos="100000">
+              <a:schemeClr val="phClr">
+                <a:shade val="94000"/>
+                <a:satMod val="135000"/>
+              </a:schemeClr>
+            </a:gs>
+          </a:gsLst>
+          <a:lin ang="16200000" scaled="0"/>
+        </a:gradFill>
+      </a:fillStyleLst>
+      <a:lnStyleLst>
+        <a:ln w="9525" cap="flat" cmpd="sng" algn="ctr">
+          <a:solidFill>
+            <a:schemeClr val="phClr">
+              <a:shade val="95000"/>
+              <a:satMod val="105000"/>
+            </a:schemeClr>
+          </a:solidFill>
+          <a:prstDash val="solid"/>
+        </a:ln>
+        <a:ln w="25400" cap="flat" cmpd="sng" algn="ctr">
+          <a:solidFill>
+            <a:schemeClr val="phClr"/>
+          </a:solidFill>
+          <a:prstDash val="solid"/>
+        </a:ln>
+        <a:ln w="38100" cap="flat" cmpd="sng" algn="ctr">
+          <a:solidFill>
+            <a:schemeClr val="phClr"/>
+          </a:solidFill>
+          <a:prstDash val="solid"/>
+        </a:ln>
+      </a:lnStyleLst>
+      <a:effectStyleLst>
+        <a:effectStyle>
+          <a:effectLst>
+            <a:outerShdw blurRad="40000" dist="20000" dir="5400000" rotWithShape="0">
+              <a:srgbClr val="000000">
+                <a:alpha val="38000"/>
+              </a:srgbClr>
+            </a:outerShdw>
+          </a:effectLst>
+        </a:effectStyle>
+        <a:effectStyle>
+          <a:effectLst>
+            <a:outerShdw blurRad="40000" dist="23000" dir="5400000" rotWithShape="0">
+              <a:srgbClr val="000000">
+                <a:alpha val="35000"/>
+              </a:srgbClr>
+            </a:outerShdw>
+          </a:effectLst>
+        </a:effectStyle>
+        <a:effectStyle>
+          <a:effectLst>
+            <a:outerShdw blurRad="40000" dist="23000" dir="5400000" rotWithShape="0">
+              <a:srgbClr val="000000">
+                <a:alpha val="35000"/>
+              </a:srgbClr>
+            </a:outerShdw>
+          </a:effectLst>
+          <a:scene3d>
+            <a:camera prst="orthographicFront">
+              <a:rot lat="0" lon="0" rev="0"/>
+            </a:camera>
+            <a:lightRig rig="threePt" dir="t">
+              <a:rot lat="0" lon="0" rev="1200000"/>
+            </a:lightRig>
+          </a:scene3d>
+          <a:sp3d>
+            <a:bevelT w="63500" h="25400"/>
+          </a:sp3d>
+        </a:effectStyle>
+      </a:effectStyleLst>
+      <a:bgFillStyleLst>
+        <a:solidFill>
+          <a:schemeClr val="phClr"/>
+        </a:solidFill>
+        <a:gradFill rotWithShape="1">
+          <a:gsLst>
+            <a:gs pos="0">
+              <a:schemeClr val="phClr">
+                <a:tint val="40000"/>
+                <a:satMod val="350000"/>
+              </a:schemeClr>
+            </a:gs>
+            <a:gs pos="40000">
+              <a:schemeClr val="phClr">
+                <a:tint val="45000"/>
+                <a:shade val="99000"/>
+                <a:satMod val="350000"/>
+              </a:schemeClr>
+            </a:gs>
+            <a:gs pos="100000">
+              <a:schemeClr val="phClr">
+                <a:shade val="20000"/>
+                <a:satMod val="255000"/>
+              </a:schemeClr>
+            </a:gs>
+          </a:gsLst>
+          <a:path path="circle">
+            <a:fillToRect l="50000" t="-80000" r="50000" b="180000"/>
+          </a:path>
+        </a:gradFill>
+        <a:gradFill rotWithShape="1">
+          <a:gsLst>
+            <a:gs pos="0">
+              <a:schemeClr val="phClr">
+                <a:tint val="80000"/>
+                <a:satMod val="300000"/>
+              </a:schemeClr>
+            </a:gs>
+            <a:gs pos="100000">
+              <a:schemeClr val="phClr">
+                <a:shade val="30000"/>
+                <a:satMod val="200000"/>
+              </a:schemeClr>
+            </a:gs>
+          </a:gsLst>
+          <a:path path="circle">
+            <a:fillToRect l="50000" t="50000" r="50000" b="50000"/>
+          </a:path>
+        </a:gradFill>
+      </a:bgFillStyleLst>
+    </a:fmtScheme>
+  </a:themeElements>
+  <a:objectDefaults/>
+  <a:extraClrSchemeLst/>
+</a:theme>
 </file>
--- a/Solving Graph Isomorphism with Minimum Bit Strings.pptx
+++ b/Solving Graph Isomorphism with Minimum Bit Strings.pptx
@@ -5,7 +5,7 @@
     <p:sldMasterId id="2147483936" r:id="rId1"/>
   </p:sldMasterIdLst>
   <p:notesMasterIdLst>
-    <p:notesMasterId r:id="rId13"/>
+    <p:notesMasterId r:id="rId14"/>
   </p:notesMasterIdLst>
   <p:sldIdLst>
     <p:sldId id="256" r:id="rId2"/>
@@ -18,7 +18,8 @@
     <p:sldId id="263" r:id="rId9"/>
     <p:sldId id="264" r:id="rId10"/>
     <p:sldId id="266" r:id="rId11"/>
-    <p:sldId id="265" r:id="rId12"/>
+    <p:sldId id="267" r:id="rId12"/>
+    <p:sldId id="265" r:id="rId13"/>
   </p:sldIdLst>
   <p:sldSz cx="9144000" cy="6858000" type="screen4x3"/>
   <p:notesSz cx="6858000" cy="9144000"/>
@@ -132,6 +133,7 @@
             <p14:sldId id="263"/>
             <p14:sldId id="264"/>
             <p14:sldId id="266"/>
+            <p14:sldId id="267"/>
             <p14:sldId id="265"/>
           </p14:sldIdLst>
         </p14:section>
@@ -223,7 +225,7 @@
           <a:p>
             <a:fld id="{C8E98AEB-9C04-4DA7-BDC8-870B7305CDC1}" type="datetimeFigureOut">
               <a:rPr lang="en-CA" smtClean="0"/>
-              <a:t>2015-04-06</a:t>
+              <a:t>2015-04-07</a:t>
             </a:fld>
             <a:endParaRPr lang="en-CA"/>
           </a:p>
@@ -564,8 +566,12 @@
               <a:t>File </a:t>
             </a:r>
             <a:r>
-              <a:rPr lang="en-CA" baseline="0" dirty="0" err="1" smtClean="0"/>
-              <a:t>comparision</a:t>
+              <a:rPr lang="en-CA" baseline="0" dirty="0" smtClean="0"/>
+              <a:t>comparison – Subgraph isomorphism to tell how similar 2 </a:t>
+            </a:r>
+            <a:r>
+              <a:rPr lang="en-CA" baseline="0" smtClean="0"/>
+              <a:t>files are</a:t>
             </a:r>
             <a:endParaRPr lang="en-CA" baseline="0" dirty="0" smtClean="0"/>
           </a:p>
@@ -575,8 +581,8 @@
               <a:t>Social Networks – identify suspicious </a:t>
             </a:r>
             <a:r>
-              <a:rPr lang="en-CA" baseline="0" dirty="0" err="1" smtClean="0"/>
-              <a:t>behvaiours</a:t>
+              <a:rPr lang="en-CA" baseline="0" dirty="0" smtClean="0"/>
+              <a:t>behaviours</a:t>
             </a:r>
             <a:endParaRPr lang="en-CA" baseline="0" dirty="0" smtClean="0"/>
           </a:p>
@@ -1338,7 +1344,7 @@
           <a:p>
             <a:fld id="{A90C0272-0957-494C-BE58-E12C6E3F109F}" type="datetimeFigureOut">
               <a:rPr lang="en-CA" smtClean="0"/>
-              <a:t>2015-04-06</a:t>
+              <a:t>2015-04-07</a:t>
             </a:fld>
             <a:endParaRPr lang="en-CA"/>
           </a:p>
@@ -1534,7 +1540,7 @@
           <a:p>
             <a:fld id="{A90C0272-0957-494C-BE58-E12C6E3F109F}" type="datetimeFigureOut">
               <a:rPr lang="en-CA" smtClean="0"/>
-              <a:t>2015-04-06</a:t>
+              <a:t>2015-04-07</a:t>
             </a:fld>
             <a:endParaRPr lang="en-CA"/>
           </a:p>
@@ -1719,7 +1725,7 @@
           <a:p>
             <a:fld id="{A90C0272-0957-494C-BE58-E12C6E3F109F}" type="datetimeFigureOut">
               <a:rPr lang="en-CA" smtClean="0"/>
-              <a:t>2015-04-06</a:t>
+              <a:t>2015-04-07</a:t>
             </a:fld>
             <a:endParaRPr lang="en-CA"/>
           </a:p>
@@ -1869,7 +1875,7 @@
           <a:p>
             <a:fld id="{A90C0272-0957-494C-BE58-E12C6E3F109F}" type="datetimeFigureOut">
               <a:rPr lang="en-CA" smtClean="0"/>
-              <a:t>2015-04-06</a:t>
+              <a:t>2015-04-07</a:t>
             </a:fld>
             <a:endParaRPr lang="en-CA"/>
           </a:p>
@@ -2131,7 +2137,7 @@
           <a:p>
             <a:fld id="{A90C0272-0957-494C-BE58-E12C6E3F109F}" type="datetimeFigureOut">
               <a:rPr lang="en-CA" smtClean="0"/>
-              <a:t>2015-04-06</a:t>
+              <a:t>2015-04-07</a:t>
             </a:fld>
             <a:endParaRPr lang="en-CA"/>
           </a:p>
@@ -2540,7 +2546,7 @@
           <a:p>
             <a:fld id="{A90C0272-0957-494C-BE58-E12C6E3F109F}" type="datetimeFigureOut">
               <a:rPr lang="en-CA" smtClean="0"/>
-              <a:t>2015-04-06</a:t>
+              <a:t>2015-04-07</a:t>
             </a:fld>
             <a:endParaRPr lang="en-CA"/>
           </a:p>
@@ -2986,7 +2992,7 @@
           <a:p>
             <a:fld id="{A90C0272-0957-494C-BE58-E12C6E3F109F}" type="datetimeFigureOut">
               <a:rPr lang="en-CA" smtClean="0"/>
-              <a:t>2015-04-06</a:t>
+              <a:t>2015-04-07</a:t>
             </a:fld>
             <a:endParaRPr lang="en-CA"/>
           </a:p>
@@ -3087,7 +3093,7 @@
           <a:p>
             <a:fld id="{A90C0272-0957-494C-BE58-E12C6E3F109F}" type="datetimeFigureOut">
               <a:rPr lang="en-CA" smtClean="0"/>
-              <a:t>2015-04-06</a:t>
+              <a:t>2015-04-07</a:t>
             </a:fld>
             <a:endParaRPr lang="en-CA"/>
           </a:p>
@@ -3208,7 +3214,7 @@
           <a:p>
             <a:fld id="{A90C0272-0957-494C-BE58-E12C6E3F109F}" type="datetimeFigureOut">
               <a:rPr lang="en-CA" smtClean="0"/>
-              <a:t>2015-04-06</a:t>
+              <a:t>2015-04-07</a:t>
             </a:fld>
             <a:endParaRPr lang="en-CA"/>
           </a:p>
@@ -3482,7 +3488,7 @@
           <a:p>
             <a:fld id="{A90C0272-0957-494C-BE58-E12C6E3F109F}" type="datetimeFigureOut">
               <a:rPr lang="en-CA" smtClean="0"/>
-              <a:t>2015-04-06</a:t>
+              <a:t>2015-04-07</a:t>
             </a:fld>
             <a:endParaRPr lang="en-CA"/>
           </a:p>
@@ -3687,7 +3693,7 @@
           <a:p>
             <a:fld id="{A90C0272-0957-494C-BE58-E12C6E3F109F}" type="datetimeFigureOut">
               <a:rPr lang="en-CA" smtClean="0"/>
-              <a:t>2015-04-06</a:t>
+              <a:t>2015-04-07</a:t>
             </a:fld>
             <a:endParaRPr lang="en-CA"/>
           </a:p>
@@ -4796,7 +4802,7 @@
           <a:p>
             <a:fld id="{A90C0272-0957-494C-BE58-E12C6E3F109F}" type="datetimeFigureOut">
               <a:rPr lang="en-CA" smtClean="0"/>
-              <a:t>2015-04-06</a:t>
+              <a:t>2015-04-07</a:t>
             </a:fld>
             <a:endParaRPr lang="en-CA"/>
           </a:p>
@@ -5317,12 +5323,49 @@
           <a:p>
             <a:r>
               <a:rPr lang="en-CA" dirty="0" smtClean="0"/>
-              <a:t>Worked/</a:t>
-            </a:r>
-            <a:r>
-              <a:rPr lang="en-CA" dirty="0" err="1" smtClean="0"/>
-              <a:t>didnt</a:t>
-            </a:r>
+              <a:t>Couldn’t get a recursive solution working</a:t>
+            </a:r>
+          </a:p>
+          <a:p>
+            <a:r>
+              <a:rPr lang="en-CA" dirty="0" smtClean="0"/>
+              <a:t>Idea to solve pieces first was creating problems – code needed major overhaul</a:t>
+            </a:r>
+          </a:p>
+          <a:p>
+            <a:r>
+              <a:rPr lang="en-CA" dirty="0" smtClean="0"/>
+              <a:t>Coding a solution may not have been optimal</a:t>
+            </a:r>
+          </a:p>
+          <a:p>
+            <a:r>
+              <a:rPr lang="en-CA" dirty="0" smtClean="0"/>
+              <a:t>Research shows that isomorphism can be the same as the Code Equivalence problem</a:t>
+            </a:r>
+          </a:p>
+          <a:p>
+            <a:pPr lvl="1"/>
+            <a:r>
+              <a:rPr lang="en-CA" dirty="0" smtClean="0"/>
+              <a:t>Same idea as bit strings</a:t>
+            </a:r>
+          </a:p>
+          <a:p>
+            <a:pPr lvl="1"/>
+            <a:r>
+              <a:rPr lang="en-CA" dirty="0" smtClean="0"/>
+              <a:t>Uses matrix multiplication</a:t>
+            </a:r>
+          </a:p>
+          <a:p>
+            <a:pPr lvl="1"/>
+            <a:r>
+              <a:rPr lang="en-CA" dirty="0" smtClean="0"/>
+              <a:t>New idea that could solve our problem</a:t>
+            </a:r>
+          </a:p>
+          <a:p>
             <a:endParaRPr lang="en-CA" dirty="0"/>
           </a:p>
         </p:txBody>
@@ -5389,6 +5432,116 @@
       </p:grpSpPr>
       <p:sp>
         <p:nvSpPr>
+          <p:cNvPr id="2" name="Content Placeholder 1"/>
+          <p:cNvSpPr>
+            <a:spLocks noGrp="1"/>
+          </p:cNvSpPr>
+          <p:nvPr>
+            <p:ph idx="1"/>
+          </p:nvPr>
+        </p:nvSpPr>
+        <p:spPr/>
+        <p:txBody>
+          <a:bodyPr/>
+          <a:lstStyle/>
+          <a:p>
+            <a:r>
+              <a:rPr lang="en-CA" dirty="0" smtClean="0"/>
+              <a:t>Delve deeper into Code Equivalence</a:t>
+            </a:r>
+          </a:p>
+          <a:p>
+            <a:pPr lvl="1"/>
+            <a:r>
+              <a:rPr lang="en-CA" dirty="0" smtClean="0"/>
+              <a:t>See how it generates its certificates in code</a:t>
+            </a:r>
+          </a:p>
+          <a:p>
+            <a:pPr lvl="1"/>
+            <a:r>
+              <a:rPr lang="en-CA" dirty="0" smtClean="0"/>
+              <a:t>Try to implement certificate calculating into whole adjacency matrix, not just upper half</a:t>
+            </a:r>
+          </a:p>
+          <a:p>
+            <a:r>
+              <a:rPr lang="en-CA" dirty="0" smtClean="0"/>
+              <a:t>Improve current solution</a:t>
+            </a:r>
+          </a:p>
+          <a:p>
+            <a:pPr lvl="1"/>
+            <a:r>
+              <a:rPr lang="en-CA" dirty="0" smtClean="0"/>
+              <a:t>Optimizations could lead to less code</a:t>
+            </a:r>
+          </a:p>
+          <a:p>
+            <a:pPr lvl="1"/>
+            <a:r>
+              <a:rPr lang="en-CA" dirty="0" smtClean="0"/>
+              <a:t>Could find a shortcut that helps us deal with coming out of recursion</a:t>
+            </a:r>
+            <a:endParaRPr lang="en-CA" dirty="0"/>
+          </a:p>
+        </p:txBody>
+      </p:sp>
+      <p:sp>
+        <p:nvSpPr>
+          <p:cNvPr id="3" name="Title 2"/>
+          <p:cNvSpPr>
+            <a:spLocks noGrp="1"/>
+          </p:cNvSpPr>
+          <p:nvPr>
+            <p:ph type="title"/>
+          </p:nvPr>
+        </p:nvSpPr>
+        <p:spPr/>
+        <p:txBody>
+          <a:bodyPr/>
+          <a:lstStyle/>
+          <a:p>
+            <a:r>
+              <a:rPr lang="en-CA" dirty="0" smtClean="0"/>
+              <a:t>Next Steps</a:t>
+            </a:r>
+            <a:endParaRPr lang="en-CA" dirty="0"/>
+          </a:p>
+        </p:txBody>
+      </p:sp>
+    </p:spTree>
+    <p:extLst>
+      <p:ext uri="{BB962C8B-B14F-4D97-AF65-F5344CB8AC3E}">
+        <p14:creationId xmlns:p14="http://schemas.microsoft.com/office/powerpoint/2010/main" val="629328469"/>
+      </p:ext>
+    </p:extLst>
+  </p:cSld>
+  <p:clrMapOvr>
+    <a:masterClrMapping/>
+  </p:clrMapOvr>
+</p:sld>
+</file>
+
+<file path=ppt/slides/slide12.xml><?xml version="1.0" encoding="utf-8"?>
+<p:sld xmlns:a="http://schemas.openxmlformats.org/drawingml/2006/main" xmlns:r="http://schemas.openxmlformats.org/officeDocument/2006/relationships" xmlns:p="http://schemas.openxmlformats.org/presentationml/2006/main">
+  <p:cSld>
+    <p:spTree>
+      <p:nvGrpSpPr>
+        <p:cNvPr id="1" name=""/>
+        <p:cNvGrpSpPr/>
+        <p:nvPr/>
+      </p:nvGrpSpPr>
+      <p:grpSpPr>
+        <a:xfrm>
+          <a:off x="0" y="0"/>
+          <a:ext cx="0" cy="0"/>
+          <a:chOff x="0" y="0"/>
+          <a:chExt cx="0" cy="0"/>
+        </a:xfrm>
+      </p:grpSpPr>
+      <p:sp>
+        <p:nvSpPr>
           <p:cNvPr id="3" name="Title 2"/>
           <p:cNvSpPr>
             <a:spLocks noGrp="1"/>
@@ -5500,6 +5653,13 @@
           <a:p>
             <a:r>
               <a:rPr lang="en-CA" dirty="0" smtClean="0"/>
+              <a:t>Next Steps</a:t>
+            </a:r>
+            <a:endParaRPr lang="en-CA" dirty="0" smtClean="0"/>
+          </a:p>
+          <a:p>
+            <a:r>
+              <a:rPr lang="en-CA" dirty="0" smtClean="0"/>
               <a:t>Questions</a:t>
             </a:r>
             <a:endParaRPr lang="en-CA" dirty="0"/>
@@ -5583,23 +5743,7 @@
           <a:p>
             <a:r>
               <a:rPr lang="en-CA" dirty="0" smtClean="0"/>
-              <a:t>Two graphs are isomorphic if we can find a permutation of the set of edges and vertices </a:t>
-            </a:r>
-            <a:r>
-              <a:rPr lang="en-CA" dirty="0" smtClean="0"/>
-              <a:t>of </a:t>
-            </a:r>
-            <a:r>
-              <a:rPr lang="en-CA" dirty="0" smtClean="0"/>
-              <a:t>one graph </a:t>
-            </a:r>
-            <a:r>
-              <a:rPr lang="en-CA" dirty="0" smtClean="0"/>
-              <a:t>and map them to </a:t>
-            </a:r>
-            <a:r>
-              <a:rPr lang="en-CA" dirty="0" smtClean="0"/>
-              <a:t>the edges and vertices of the second graph</a:t>
+              <a:t>Two graphs are isomorphic if we can find a permutation of the set of edges and vertices of one graph and map them to the edges and vertices of the second graph</a:t>
             </a:r>
           </a:p>
           <a:p>
@@ -5626,11 +5770,7 @@
             <a:pPr lvl="1"/>
             <a:r>
               <a:rPr lang="en-CA" dirty="0" smtClean="0"/>
-              <a:t>V</a:t>
-            </a:r>
-            <a:r>
-              <a:rPr lang="en-CA" dirty="0" smtClean="0"/>
-              <a:t>ertex degrees</a:t>
+              <a:t>Vertex degrees</a:t>
             </a:r>
           </a:p>
           <a:p>
@@ -5641,11 +5781,7 @@
             </a:r>
             <a:r>
               <a:rPr lang="en-CA" dirty="0" smtClean="0"/>
-              <a:t>raph </a:t>
-            </a:r>
-            <a:r>
-              <a:rPr lang="en-CA" dirty="0" smtClean="0"/>
-              <a:t>structure</a:t>
+              <a:t>raph structure</a:t>
             </a:r>
           </a:p>
         </p:txBody>
@@ -6142,8 +6278,20 @@
           <a:p>
             <a:r>
               <a:rPr lang="en-CA" dirty="0" smtClean="0"/>
-              <a:t>File Comparison</a:t>
-            </a:r>
+              <a:t>File </a:t>
+            </a:r>
+            <a:r>
+              <a:rPr lang="en-CA" dirty="0" smtClean="0"/>
+              <a:t>Comparison</a:t>
+            </a:r>
+          </a:p>
+          <a:p>
+            <a:pPr lvl="1"/>
+            <a:r>
+              <a:rPr lang="en-CA" dirty="0" smtClean="0"/>
+              <a:t>File similarity</a:t>
+            </a:r>
+            <a:endParaRPr lang="en-CA" dirty="0" smtClean="0"/>
           </a:p>
           <a:p>
             <a:r>
@@ -6157,7 +6305,6 @@
               <a:rPr lang="en-CA" dirty="0" smtClean="0"/>
               <a:t>Suspicious behavior</a:t>
             </a:r>
-            <a:endParaRPr lang="en-CA" dirty="0" smtClean="0"/>
           </a:p>
           <a:p>
             <a:r>
@@ -6169,11 +6316,7 @@
             <a:pPr lvl="1"/>
             <a:r>
               <a:rPr lang="en-CA" dirty="0" smtClean="0"/>
-              <a:t>Lookin</a:t>
-            </a:r>
-            <a:r>
-              <a:rPr lang="en-CA" dirty="0" smtClean="0"/>
-              <a:t>g for desired geographic locations</a:t>
+              <a:t>Looking for desired geographic locations</a:t>
             </a:r>
             <a:endParaRPr lang="en-CA" dirty="0"/>
           </a:p>
@@ -8757,8 +8900,15 @@
           <a:p>
             <a:r>
               <a:rPr lang="en-CA" dirty="0" smtClean="0"/>
-              <a:t>Attempted a recursive solution</a:t>
-            </a:r>
+              <a:t>Weren’t aiming for efficiency, although with some work improvements could be made</a:t>
+            </a:r>
+          </a:p>
+          <a:p>
+            <a:r>
+              <a:rPr lang="en-CA" dirty="0" smtClean="0"/>
+              <a:t>10 vertex graph can take 20 seconds to process</a:t>
+            </a:r>
+            <a:endParaRPr lang="en-CA" dirty="0" smtClean="0"/>
           </a:p>
           <a:p>
             <a:endParaRPr lang="en-CA" dirty="0"/>

--- a/Solving Graph Isomorphism with Minimum Bit Strings.pptx
+++ b/Solving Graph Isomorphism with Minimum Bit Strings.pptx
@@ -225,7 +225,7 @@
           <a:p>
             <a:fld id="{C8E98AEB-9C04-4DA7-BDC8-870B7305CDC1}" type="datetimeFigureOut">
               <a:rPr lang="en-CA" smtClean="0"/>
-              <a:t>2015-04-07</a:t>
+              <a:t>2015-04-08</a:t>
             </a:fld>
             <a:endParaRPr lang="en-CA"/>
           </a:p>
@@ -563,11 +563,7 @@
           <a:p>
             <a:r>
               <a:rPr lang="en-CA" baseline="0" dirty="0" smtClean="0"/>
-              <a:t>File </a:t>
-            </a:r>
-            <a:r>
-              <a:rPr lang="en-CA" baseline="0" dirty="0" smtClean="0"/>
-              <a:t>comparison – Subgraph isomorphism to tell how similar 2 </a:t>
+              <a:t>File comparison – Subgraph isomorphism to tell how similar 2 </a:t>
             </a:r>
             <a:r>
               <a:rPr lang="en-CA" baseline="0" smtClean="0"/>
@@ -578,13 +574,8 @@
           <a:p>
             <a:r>
               <a:rPr lang="en-CA" baseline="0" dirty="0" smtClean="0"/>
-              <a:t>Social Networks – identify suspicious </a:t>
-            </a:r>
-            <a:r>
-              <a:rPr lang="en-CA" baseline="0" dirty="0" smtClean="0"/>
-              <a:t>behaviours</a:t>
-            </a:r>
-            <a:endParaRPr lang="en-CA" baseline="0" dirty="0" smtClean="0"/>
+              <a:t>Social Networks – identify suspicious behaviours</a:t>
+            </a:r>
           </a:p>
           <a:p>
             <a:r>
@@ -1344,7 +1335,7 @@
           <a:p>
             <a:fld id="{A90C0272-0957-494C-BE58-E12C6E3F109F}" type="datetimeFigureOut">
               <a:rPr lang="en-CA" smtClean="0"/>
-              <a:t>2015-04-07</a:t>
+              <a:t>2015-04-08</a:t>
             </a:fld>
             <a:endParaRPr lang="en-CA"/>
           </a:p>
@@ -1540,7 +1531,7 @@
           <a:p>
             <a:fld id="{A90C0272-0957-494C-BE58-E12C6E3F109F}" type="datetimeFigureOut">
               <a:rPr lang="en-CA" smtClean="0"/>
-              <a:t>2015-04-07</a:t>
+              <a:t>2015-04-08</a:t>
             </a:fld>
             <a:endParaRPr lang="en-CA"/>
           </a:p>
@@ -1725,7 +1716,7 @@
           <a:p>
             <a:fld id="{A90C0272-0957-494C-BE58-E12C6E3F109F}" type="datetimeFigureOut">
               <a:rPr lang="en-CA" smtClean="0"/>
-              <a:t>2015-04-07</a:t>
+              <a:t>2015-04-08</a:t>
             </a:fld>
             <a:endParaRPr lang="en-CA"/>
           </a:p>
@@ -1875,7 +1866,7 @@
           <a:p>
             <a:fld id="{A90C0272-0957-494C-BE58-E12C6E3F109F}" type="datetimeFigureOut">
               <a:rPr lang="en-CA" smtClean="0"/>
-              <a:t>2015-04-07</a:t>
+              <a:t>2015-04-08</a:t>
             </a:fld>
             <a:endParaRPr lang="en-CA"/>
           </a:p>
@@ -2137,7 +2128,7 @@
           <a:p>
             <a:fld id="{A90C0272-0957-494C-BE58-E12C6E3F109F}" type="datetimeFigureOut">
               <a:rPr lang="en-CA" smtClean="0"/>
-              <a:t>2015-04-07</a:t>
+              <a:t>2015-04-08</a:t>
             </a:fld>
             <a:endParaRPr lang="en-CA"/>
           </a:p>
@@ -2546,7 +2537,7 @@
           <a:p>
             <a:fld id="{A90C0272-0957-494C-BE58-E12C6E3F109F}" type="datetimeFigureOut">
               <a:rPr lang="en-CA" smtClean="0"/>
-              <a:t>2015-04-07</a:t>
+              <a:t>2015-04-08</a:t>
             </a:fld>
             <a:endParaRPr lang="en-CA"/>
           </a:p>
@@ -2992,7 +2983,7 @@
           <a:p>
             <a:fld id="{A90C0272-0957-494C-BE58-E12C6E3F109F}" type="datetimeFigureOut">
               <a:rPr lang="en-CA" smtClean="0"/>
-              <a:t>2015-04-07</a:t>
+              <a:t>2015-04-08</a:t>
             </a:fld>
             <a:endParaRPr lang="en-CA"/>
           </a:p>
@@ -3093,7 +3084,7 @@
           <a:p>
             <a:fld id="{A90C0272-0957-494C-BE58-E12C6E3F109F}" type="datetimeFigureOut">
               <a:rPr lang="en-CA" smtClean="0"/>
-              <a:t>2015-04-07</a:t>
+              <a:t>2015-04-08</a:t>
             </a:fld>
             <a:endParaRPr lang="en-CA"/>
           </a:p>
@@ -3214,7 +3205,7 @@
           <a:p>
             <a:fld id="{A90C0272-0957-494C-BE58-E12C6E3F109F}" type="datetimeFigureOut">
               <a:rPr lang="en-CA" smtClean="0"/>
-              <a:t>2015-04-07</a:t>
+              <a:t>2015-04-08</a:t>
             </a:fld>
             <a:endParaRPr lang="en-CA"/>
           </a:p>
@@ -3488,7 +3479,7 @@
           <a:p>
             <a:fld id="{A90C0272-0957-494C-BE58-E12C6E3F109F}" type="datetimeFigureOut">
               <a:rPr lang="en-CA" smtClean="0"/>
-              <a:t>2015-04-07</a:t>
+              <a:t>2015-04-08</a:t>
             </a:fld>
             <a:endParaRPr lang="en-CA"/>
           </a:p>
@@ -3693,7 +3684,7 @@
           <a:p>
             <a:fld id="{A90C0272-0957-494C-BE58-E12C6E3F109F}" type="datetimeFigureOut">
               <a:rPr lang="en-CA" smtClean="0"/>
-              <a:t>2015-04-07</a:t>
+              <a:t>2015-04-08</a:t>
             </a:fld>
             <a:endParaRPr lang="en-CA"/>
           </a:p>
@@ -4802,7 +4793,7 @@
           <a:p>
             <a:fld id="{A90C0272-0957-494C-BE58-E12C6E3F109F}" type="datetimeFigureOut">
               <a:rPr lang="en-CA" smtClean="0"/>
-              <a:t>2015-04-07</a:t>
+              <a:t>2015-04-08</a:t>
             </a:fld>
             <a:endParaRPr lang="en-CA"/>
           </a:p>
@@ -5655,7 +5646,6 @@
               <a:rPr lang="en-CA" dirty="0" smtClean="0"/>
               <a:t>Next Steps</a:t>
             </a:r>
-            <a:endParaRPr lang="en-CA" dirty="0" smtClean="0"/>
           </a:p>
           <a:p>
             <a:r>
@@ -5763,8 +5753,17 @@
             <a:pPr lvl="1"/>
             <a:r>
               <a:rPr lang="en-CA" dirty="0" smtClean="0"/>
-              <a:t>Number of Edges</a:t>
-            </a:r>
+              <a:t>Number </a:t>
+            </a:r>
+            <a:r>
+              <a:rPr lang="en-CA" smtClean="0"/>
+              <a:t>of </a:t>
+            </a:r>
+            <a:r>
+              <a:rPr lang="en-CA" smtClean="0"/>
+              <a:t>edges</a:t>
+            </a:r>
+            <a:endParaRPr lang="en-CA" dirty="0" smtClean="0"/>
           </a:p>
           <a:p>
             <a:pPr lvl="1"/>
@@ -6278,11 +6277,7 @@
           <a:p>
             <a:r>
               <a:rPr lang="en-CA" dirty="0" smtClean="0"/>
-              <a:t>File </a:t>
-            </a:r>
-            <a:r>
-              <a:rPr lang="en-CA" dirty="0" smtClean="0"/>
-              <a:t>Comparison</a:t>
+              <a:t>File Comparison</a:t>
             </a:r>
           </a:p>
           <a:p>
@@ -6291,7 +6286,6 @@
               <a:rPr lang="en-CA" dirty="0" smtClean="0"/>
               <a:t>File similarity</a:t>
             </a:r>
-            <a:endParaRPr lang="en-CA" dirty="0" smtClean="0"/>
           </a:p>
           <a:p>
             <a:r>
@@ -8908,7 +8902,6 @@
               <a:rPr lang="en-CA" dirty="0" smtClean="0"/>
               <a:t>10 vertex graph can take 20 seconds to process</a:t>
             </a:r>
-            <a:endParaRPr lang="en-CA" dirty="0" smtClean="0"/>
           </a:p>
           <a:p>
             <a:endParaRPr lang="en-CA" dirty="0"/>

--- a/Solving Graph Isomorphism with Minimum Bit Strings.pptx
+++ b/Solving Graph Isomorphism with Minimum Bit Strings.pptx
@@ -225,7 +225,7 @@
           <a:p>
             <a:fld id="{C8E98AEB-9C04-4DA7-BDC8-870B7305CDC1}" type="datetimeFigureOut">
               <a:rPr lang="en-CA" smtClean="0"/>
-              <a:t>2015-04-08</a:t>
+              <a:t>2015-04-13</a:t>
             </a:fld>
             <a:endParaRPr lang="en-CA"/>
           </a:p>
@@ -1335,7 +1335,7 @@
           <a:p>
             <a:fld id="{A90C0272-0957-494C-BE58-E12C6E3F109F}" type="datetimeFigureOut">
               <a:rPr lang="en-CA" smtClean="0"/>
-              <a:t>2015-04-08</a:t>
+              <a:t>2015-04-13</a:t>
             </a:fld>
             <a:endParaRPr lang="en-CA"/>
           </a:p>
@@ -1531,7 +1531,7 @@
           <a:p>
             <a:fld id="{A90C0272-0957-494C-BE58-E12C6E3F109F}" type="datetimeFigureOut">
               <a:rPr lang="en-CA" smtClean="0"/>
-              <a:t>2015-04-08</a:t>
+              <a:t>2015-04-13</a:t>
             </a:fld>
             <a:endParaRPr lang="en-CA"/>
           </a:p>
@@ -1716,7 +1716,7 @@
           <a:p>
             <a:fld id="{A90C0272-0957-494C-BE58-E12C6E3F109F}" type="datetimeFigureOut">
               <a:rPr lang="en-CA" smtClean="0"/>
-              <a:t>2015-04-08</a:t>
+              <a:t>2015-04-13</a:t>
             </a:fld>
             <a:endParaRPr lang="en-CA"/>
           </a:p>
@@ -1866,7 +1866,7 @@
           <a:p>
             <a:fld id="{A90C0272-0957-494C-BE58-E12C6E3F109F}" type="datetimeFigureOut">
               <a:rPr lang="en-CA" smtClean="0"/>
-              <a:t>2015-04-08</a:t>
+              <a:t>2015-04-13</a:t>
             </a:fld>
             <a:endParaRPr lang="en-CA"/>
           </a:p>
@@ -2128,7 +2128,7 @@
           <a:p>
             <a:fld id="{A90C0272-0957-494C-BE58-E12C6E3F109F}" type="datetimeFigureOut">
               <a:rPr lang="en-CA" smtClean="0"/>
-              <a:t>2015-04-08</a:t>
+              <a:t>2015-04-13</a:t>
             </a:fld>
             <a:endParaRPr lang="en-CA"/>
           </a:p>
@@ -2537,7 +2537,7 @@
           <a:p>
             <a:fld id="{A90C0272-0957-494C-BE58-E12C6E3F109F}" type="datetimeFigureOut">
               <a:rPr lang="en-CA" smtClean="0"/>
-              <a:t>2015-04-08</a:t>
+              <a:t>2015-04-13</a:t>
             </a:fld>
             <a:endParaRPr lang="en-CA"/>
           </a:p>
@@ -2983,7 +2983,7 @@
           <a:p>
             <a:fld id="{A90C0272-0957-494C-BE58-E12C6E3F109F}" type="datetimeFigureOut">
               <a:rPr lang="en-CA" smtClean="0"/>
-              <a:t>2015-04-08</a:t>
+              <a:t>2015-04-13</a:t>
             </a:fld>
             <a:endParaRPr lang="en-CA"/>
           </a:p>
@@ -3084,7 +3084,7 @@
           <a:p>
             <a:fld id="{A90C0272-0957-494C-BE58-E12C6E3F109F}" type="datetimeFigureOut">
               <a:rPr lang="en-CA" smtClean="0"/>
-              <a:t>2015-04-08</a:t>
+              <a:t>2015-04-13</a:t>
             </a:fld>
             <a:endParaRPr lang="en-CA"/>
           </a:p>
@@ -3205,7 +3205,7 @@
           <a:p>
             <a:fld id="{A90C0272-0957-494C-BE58-E12C6E3F109F}" type="datetimeFigureOut">
               <a:rPr lang="en-CA" smtClean="0"/>
-              <a:t>2015-04-08</a:t>
+              <a:t>2015-04-13</a:t>
             </a:fld>
             <a:endParaRPr lang="en-CA"/>
           </a:p>
@@ -3479,7 +3479,7 @@
           <a:p>
             <a:fld id="{A90C0272-0957-494C-BE58-E12C6E3F109F}" type="datetimeFigureOut">
               <a:rPr lang="en-CA" smtClean="0"/>
-              <a:t>2015-04-08</a:t>
+              <a:t>2015-04-13</a:t>
             </a:fld>
             <a:endParaRPr lang="en-CA"/>
           </a:p>
@@ -3684,7 +3684,7 @@
           <a:p>
             <a:fld id="{A90C0272-0957-494C-BE58-E12C6E3F109F}" type="datetimeFigureOut">
               <a:rPr lang="en-CA" smtClean="0"/>
-              <a:t>2015-04-08</a:t>
+              <a:t>2015-04-13</a:t>
             </a:fld>
             <a:endParaRPr lang="en-CA"/>
           </a:p>
@@ -4793,7 +4793,7 @@
           <a:p>
             <a:fld id="{A90C0272-0957-494C-BE58-E12C6E3F109F}" type="datetimeFigureOut">
               <a:rPr lang="en-CA" smtClean="0"/>
-              <a:t>2015-04-08</a:t>
+              <a:t>2015-04-13</a:t>
             </a:fld>
             <a:endParaRPr lang="en-CA"/>
           </a:p>
@@ -5511,6 +5511,13 @@
   <p:clrMapOvr>
     <a:masterClrMapping/>
   </p:clrMapOvr>
+  <p:timing>
+    <p:tnLst>
+      <p:par>
+        <p:cTn id="1" dur="indefinite" restart="never" nodeType="tmRoot"/>
+      </p:par>
+    </p:tnLst>
+  </p:timing>
 </p:sld>
 </file>
 
@@ -5757,11 +5764,7 @@
             </a:r>
             <a:r>
               <a:rPr lang="en-CA" smtClean="0"/>
-              <a:t>of </a:t>
-            </a:r>
-            <a:r>
-              <a:rPr lang="en-CA" smtClean="0"/>
-              <a:t>edges</a:t>
+              <a:t>of edges</a:t>
             </a:r>
             <a:endParaRPr lang="en-CA" dirty="0" smtClean="0"/>
           </a:p>
@@ -7422,1412 +7425,1427 @@
           </a:p>
         </p:txBody>
       </p:sp>
-      <p:graphicFrame>
-        <p:nvGraphicFramePr>
-          <p:cNvPr id="4" name="Content Placeholder 13"/>
-          <p:cNvGraphicFramePr>
-            <a:graphicFrameLocks/>
-          </p:cNvGraphicFramePr>
-          <p:nvPr>
-            <p:extLst>
-              <p:ext uri="{D42A27DB-BD31-4B8C-83A1-F6EECF244321}">
-                <p14:modId xmlns:p14="http://schemas.microsoft.com/office/powerpoint/2010/main" val="4269323614"/>
-              </p:ext>
-            </p:extLst>
-          </p:nvPr>
-        </p:nvGraphicFramePr>
-        <p:xfrm>
-          <a:off x="5148064" y="1492695"/>
-          <a:ext cx="3538287" cy="4001913"/>
-        </p:xfrm>
-        <a:graphic>
-          <a:graphicData uri="http://schemas.openxmlformats.org/drawingml/2006/table">
-            <a:tbl>
-              <a:tblPr firstRow="1" bandRow="1">
-                <a:tableStyleId>{5940675A-B579-460E-94D1-54222C63F5DA}</a:tableStyleId>
-              </a:tblPr>
-              <a:tblGrid>
-                <a:gridCol w="393143"/>
-                <a:gridCol w="393143"/>
-                <a:gridCol w="393143"/>
-                <a:gridCol w="393143"/>
-                <a:gridCol w="393143"/>
-                <a:gridCol w="393143"/>
-                <a:gridCol w="393143"/>
-                <a:gridCol w="393143"/>
-                <a:gridCol w="393143"/>
-              </a:tblGrid>
-              <a:tr h="444657">
-                <a:tc>
-                  <a:txBody>
-                    <a:bodyPr/>
-                    <a:lstStyle/>
-                    <a:p>
-                      <a:pPr algn="ctr"/>
-                      <a:endParaRPr lang="en-CA" dirty="0"/>
-                    </a:p>
-                  </a:txBody>
-                  <a:tcPr/>
-                </a:tc>
-                <a:tc>
-                  <a:txBody>
-                    <a:bodyPr/>
-                    <a:lstStyle/>
-                    <a:p>
-                      <a:pPr algn="ctr"/>
-                      <a:r>
-                        <a:rPr lang="en-CA" dirty="0" smtClean="0"/>
-                        <a:t>1</a:t>
-                      </a:r>
-                      <a:endParaRPr lang="en-CA" dirty="0"/>
-                    </a:p>
-                  </a:txBody>
-                  <a:tcPr/>
-                </a:tc>
-                <a:tc>
-                  <a:txBody>
-                    <a:bodyPr/>
-                    <a:lstStyle/>
-                    <a:p>
-                      <a:pPr algn="ctr"/>
-                      <a:r>
-                        <a:rPr lang="en-CA" dirty="0" smtClean="0"/>
-                        <a:t>2</a:t>
-                      </a:r>
-                      <a:endParaRPr lang="en-CA" dirty="0"/>
-                    </a:p>
-                  </a:txBody>
-                  <a:tcPr/>
-                </a:tc>
-                <a:tc>
-                  <a:txBody>
-                    <a:bodyPr/>
-                    <a:lstStyle/>
-                    <a:p>
-                      <a:pPr algn="ctr"/>
-                      <a:r>
-                        <a:rPr lang="en-CA" dirty="0" smtClean="0"/>
-                        <a:t>3</a:t>
-                      </a:r>
-                      <a:endParaRPr lang="en-CA" dirty="0"/>
-                    </a:p>
-                  </a:txBody>
-                  <a:tcPr/>
-                </a:tc>
-                <a:tc>
-                  <a:txBody>
-                    <a:bodyPr/>
-                    <a:lstStyle/>
-                    <a:p>
-                      <a:pPr algn="ctr"/>
-                      <a:r>
-                        <a:rPr lang="en-CA" dirty="0" smtClean="0"/>
-                        <a:t>4</a:t>
-                      </a:r>
-                      <a:endParaRPr lang="en-CA" dirty="0"/>
-                    </a:p>
-                  </a:txBody>
-                  <a:tcPr/>
-                </a:tc>
-                <a:tc>
-                  <a:txBody>
-                    <a:bodyPr/>
-                    <a:lstStyle/>
-                    <a:p>
-                      <a:pPr algn="ctr"/>
-                      <a:r>
-                        <a:rPr lang="en-CA" dirty="0" smtClean="0"/>
-                        <a:t>5</a:t>
-                      </a:r>
-                      <a:endParaRPr lang="en-CA" dirty="0"/>
-                    </a:p>
-                  </a:txBody>
-                  <a:tcPr/>
-                </a:tc>
-                <a:tc>
-                  <a:txBody>
-                    <a:bodyPr/>
-                    <a:lstStyle/>
-                    <a:p>
-                      <a:pPr algn="ctr"/>
-                      <a:r>
-                        <a:rPr lang="en-CA" dirty="0" smtClean="0"/>
-                        <a:t>6</a:t>
-                      </a:r>
-                      <a:endParaRPr lang="en-CA" dirty="0"/>
-                    </a:p>
-                  </a:txBody>
-                  <a:tcPr/>
-                </a:tc>
-                <a:tc>
-                  <a:txBody>
-                    <a:bodyPr/>
-                    <a:lstStyle/>
-                    <a:p>
-                      <a:pPr algn="ctr"/>
-                      <a:r>
-                        <a:rPr lang="en-CA" dirty="0" smtClean="0"/>
-                        <a:t>7</a:t>
-                      </a:r>
-                      <a:endParaRPr lang="en-CA" dirty="0"/>
-                    </a:p>
-                  </a:txBody>
-                  <a:tcPr/>
-                </a:tc>
-                <a:tc>
-                  <a:txBody>
-                    <a:bodyPr/>
-                    <a:lstStyle/>
-                    <a:p>
-                      <a:pPr algn="ctr"/>
-                      <a:r>
-                        <a:rPr lang="en-CA" dirty="0" smtClean="0"/>
-                        <a:t>8</a:t>
-                      </a:r>
-                      <a:endParaRPr lang="en-CA" dirty="0"/>
-                    </a:p>
-                  </a:txBody>
-                  <a:tcPr/>
-                </a:tc>
-              </a:tr>
-              <a:tr h="444657">
-                <a:tc>
-                  <a:txBody>
-                    <a:bodyPr/>
-                    <a:lstStyle/>
-                    <a:p>
-                      <a:pPr algn="ctr"/>
-                      <a:r>
-                        <a:rPr lang="en-CA" dirty="0" smtClean="0"/>
-                        <a:t>1</a:t>
-                      </a:r>
-                      <a:endParaRPr lang="en-CA" dirty="0"/>
-                    </a:p>
-                  </a:txBody>
-                  <a:tcPr/>
-                </a:tc>
-                <a:tc>
-                  <a:txBody>
-                    <a:bodyPr/>
-                    <a:lstStyle/>
-                    <a:p>
-                      <a:pPr algn="ctr"/>
-                      <a:r>
-                        <a:rPr lang="en-CA" dirty="0" smtClean="0"/>
-                        <a:t>0</a:t>
-                      </a:r>
-                      <a:endParaRPr lang="en-CA" dirty="0"/>
-                    </a:p>
-                  </a:txBody>
-                  <a:tcPr/>
-                </a:tc>
-                <a:tc>
-                  <a:txBody>
-                    <a:bodyPr/>
-                    <a:lstStyle/>
-                    <a:p>
-                      <a:pPr algn="ctr"/>
-                      <a:r>
-                        <a:rPr lang="en-CA" dirty="0" smtClean="0"/>
-                        <a:t>1</a:t>
-                      </a:r>
-                      <a:endParaRPr lang="en-CA" dirty="0"/>
-                    </a:p>
-                  </a:txBody>
-                  <a:tcPr/>
-                </a:tc>
-                <a:tc>
-                  <a:txBody>
-                    <a:bodyPr/>
-                    <a:lstStyle/>
-                    <a:p>
-                      <a:pPr algn="ctr"/>
-                      <a:r>
-                        <a:rPr lang="en-CA" dirty="0" smtClean="0"/>
-                        <a:t>0</a:t>
-                      </a:r>
-                      <a:endParaRPr lang="en-CA" dirty="0"/>
-                    </a:p>
-                  </a:txBody>
-                  <a:tcPr/>
-                </a:tc>
-                <a:tc>
-                  <a:txBody>
-                    <a:bodyPr/>
-                    <a:lstStyle/>
-                    <a:p>
-                      <a:pPr algn="ctr"/>
-                      <a:r>
-                        <a:rPr lang="en-CA" dirty="0" smtClean="0"/>
-                        <a:t>1</a:t>
-                      </a:r>
-                      <a:endParaRPr lang="en-CA" dirty="0"/>
-                    </a:p>
-                  </a:txBody>
-                  <a:tcPr/>
-                </a:tc>
-                <a:tc>
-                  <a:txBody>
-                    <a:bodyPr/>
-                    <a:lstStyle/>
-                    <a:p>
-                      <a:pPr algn="ctr"/>
-                      <a:r>
-                        <a:rPr lang="en-CA" dirty="0" smtClean="0"/>
-                        <a:t>0</a:t>
-                      </a:r>
-                      <a:endParaRPr lang="en-CA" dirty="0"/>
-                    </a:p>
-                  </a:txBody>
-                  <a:tcPr/>
-                </a:tc>
-                <a:tc>
-                  <a:txBody>
-                    <a:bodyPr/>
-                    <a:lstStyle/>
-                    <a:p>
-                      <a:pPr algn="ctr"/>
-                      <a:r>
-                        <a:rPr lang="en-CA" dirty="0" smtClean="0"/>
-                        <a:t>1</a:t>
-                      </a:r>
-                      <a:endParaRPr lang="en-CA" dirty="0"/>
-                    </a:p>
-                  </a:txBody>
-                  <a:tcPr/>
-                </a:tc>
-                <a:tc>
-                  <a:txBody>
-                    <a:bodyPr/>
-                    <a:lstStyle/>
-                    <a:p>
-                      <a:pPr algn="ctr"/>
-                      <a:r>
-                        <a:rPr lang="en-CA" dirty="0" smtClean="0"/>
-                        <a:t>1</a:t>
-                      </a:r>
-                      <a:endParaRPr lang="en-CA" dirty="0"/>
-                    </a:p>
-                  </a:txBody>
-                  <a:tcPr/>
-                </a:tc>
-                <a:tc>
-                  <a:txBody>
-                    <a:bodyPr/>
-                    <a:lstStyle/>
-                    <a:p>
-                      <a:pPr algn="ctr"/>
-                      <a:r>
-                        <a:rPr lang="en-CA" dirty="0" smtClean="0"/>
-                        <a:t>0</a:t>
-                      </a:r>
-                      <a:endParaRPr lang="en-CA" dirty="0"/>
-                    </a:p>
-                  </a:txBody>
-                  <a:tcPr/>
-                </a:tc>
-              </a:tr>
-              <a:tr h="444657">
-                <a:tc>
-                  <a:txBody>
-                    <a:bodyPr/>
-                    <a:lstStyle/>
-                    <a:p>
-                      <a:pPr algn="ctr"/>
-                      <a:r>
-                        <a:rPr lang="en-CA" dirty="0" smtClean="0"/>
-                        <a:t>2</a:t>
-                      </a:r>
-                      <a:endParaRPr lang="en-CA" dirty="0"/>
-                    </a:p>
-                  </a:txBody>
-                  <a:tcPr/>
-                </a:tc>
-                <a:tc>
-                  <a:txBody>
-                    <a:bodyPr/>
-                    <a:lstStyle/>
-                    <a:p>
-                      <a:pPr algn="ctr"/>
-                      <a:r>
-                        <a:rPr lang="en-CA" dirty="0" smtClean="0"/>
-                        <a:t>1</a:t>
-                      </a:r>
-                      <a:endParaRPr lang="en-CA" dirty="0"/>
-                    </a:p>
-                  </a:txBody>
-                  <a:tcPr/>
-                </a:tc>
-                <a:tc>
-                  <a:txBody>
-                    <a:bodyPr/>
-                    <a:lstStyle/>
-                    <a:p>
-                      <a:pPr algn="ctr"/>
-                      <a:r>
-                        <a:rPr lang="en-CA" dirty="0" smtClean="0"/>
-                        <a:t>0</a:t>
-                      </a:r>
-                      <a:endParaRPr lang="en-CA" dirty="0"/>
-                    </a:p>
-                  </a:txBody>
-                  <a:tcPr/>
-                </a:tc>
-                <a:tc>
-                  <a:txBody>
-                    <a:bodyPr/>
-                    <a:lstStyle/>
-                    <a:p>
-                      <a:pPr algn="ctr"/>
-                      <a:r>
-                        <a:rPr lang="en-CA" dirty="0" smtClean="0"/>
-                        <a:t>1</a:t>
-                      </a:r>
-                      <a:endParaRPr lang="en-CA" dirty="0"/>
-                    </a:p>
-                  </a:txBody>
-                  <a:tcPr/>
-                </a:tc>
-                <a:tc>
-                  <a:txBody>
-                    <a:bodyPr/>
-                    <a:lstStyle/>
-                    <a:p>
-                      <a:pPr algn="ctr"/>
-                      <a:r>
-                        <a:rPr lang="en-CA" dirty="0" smtClean="0"/>
-                        <a:t>1</a:t>
-                      </a:r>
-                      <a:endParaRPr lang="en-CA" dirty="0"/>
-                    </a:p>
-                  </a:txBody>
-                  <a:tcPr/>
-                </a:tc>
-                <a:tc>
-                  <a:txBody>
-                    <a:bodyPr/>
-                    <a:lstStyle/>
-                    <a:p>
-                      <a:pPr algn="ctr"/>
-                      <a:r>
-                        <a:rPr lang="en-CA" dirty="0" smtClean="0"/>
-                        <a:t>0</a:t>
-                      </a:r>
-                      <a:endParaRPr lang="en-CA" dirty="0"/>
-                    </a:p>
-                  </a:txBody>
-                  <a:tcPr/>
-                </a:tc>
-                <a:tc>
-                  <a:txBody>
-                    <a:bodyPr/>
-                    <a:lstStyle/>
-                    <a:p>
-                      <a:pPr algn="ctr"/>
-                      <a:r>
-                        <a:rPr lang="en-CA" dirty="0" smtClean="0"/>
-                        <a:t>0</a:t>
-                      </a:r>
-                      <a:endParaRPr lang="en-CA" dirty="0"/>
-                    </a:p>
-                  </a:txBody>
-                  <a:tcPr/>
-                </a:tc>
-                <a:tc>
-                  <a:txBody>
-                    <a:bodyPr/>
-                    <a:lstStyle/>
-                    <a:p>
-                      <a:pPr algn="ctr"/>
-                      <a:r>
-                        <a:rPr lang="en-CA" dirty="0" smtClean="0"/>
-                        <a:t>0</a:t>
-                      </a:r>
-                      <a:endParaRPr lang="en-CA" dirty="0"/>
-                    </a:p>
-                  </a:txBody>
-                  <a:tcPr/>
-                </a:tc>
-                <a:tc>
-                  <a:txBody>
-                    <a:bodyPr/>
-                    <a:lstStyle/>
-                    <a:p>
-                      <a:pPr algn="ctr"/>
-                      <a:r>
-                        <a:rPr lang="en-CA" dirty="0" smtClean="0"/>
-                        <a:t>0</a:t>
-                      </a:r>
-                      <a:endParaRPr lang="en-CA" dirty="0"/>
-                    </a:p>
-                  </a:txBody>
-                  <a:tcPr/>
-                </a:tc>
-              </a:tr>
-              <a:tr h="444657">
-                <a:tc>
-                  <a:txBody>
-                    <a:bodyPr/>
-                    <a:lstStyle/>
-                    <a:p>
-                      <a:pPr algn="ctr"/>
-                      <a:r>
-                        <a:rPr lang="en-CA" dirty="0" smtClean="0"/>
-                        <a:t>3</a:t>
-                      </a:r>
-                      <a:endParaRPr lang="en-CA" dirty="0"/>
-                    </a:p>
-                  </a:txBody>
-                  <a:tcPr/>
-                </a:tc>
-                <a:tc>
-                  <a:txBody>
-                    <a:bodyPr/>
-                    <a:lstStyle/>
-                    <a:p>
-                      <a:pPr algn="ctr"/>
-                      <a:r>
-                        <a:rPr lang="en-CA" dirty="0" smtClean="0"/>
-                        <a:t>0</a:t>
-                      </a:r>
-                      <a:endParaRPr lang="en-CA" dirty="0"/>
-                    </a:p>
-                  </a:txBody>
-                  <a:tcPr/>
-                </a:tc>
-                <a:tc>
-                  <a:txBody>
-                    <a:bodyPr/>
-                    <a:lstStyle/>
-                    <a:p>
-                      <a:pPr algn="ctr"/>
-                      <a:r>
-                        <a:rPr lang="en-CA" dirty="0" smtClean="0"/>
-                        <a:t>1</a:t>
-                      </a:r>
-                      <a:endParaRPr lang="en-CA" dirty="0"/>
-                    </a:p>
-                  </a:txBody>
-                  <a:tcPr/>
-                </a:tc>
-                <a:tc>
-                  <a:txBody>
-                    <a:bodyPr/>
-                    <a:lstStyle/>
-                    <a:p>
-                      <a:pPr algn="ctr"/>
-                      <a:r>
-                        <a:rPr lang="en-CA" dirty="0" smtClean="0"/>
-                        <a:t>0</a:t>
-                      </a:r>
-                      <a:endParaRPr lang="en-CA" dirty="0"/>
-                    </a:p>
-                  </a:txBody>
-                  <a:tcPr/>
-                </a:tc>
-                <a:tc>
-                  <a:txBody>
-                    <a:bodyPr/>
-                    <a:lstStyle/>
-                    <a:p>
-                      <a:pPr algn="ctr"/>
-                      <a:r>
-                        <a:rPr lang="en-CA" dirty="0" smtClean="0"/>
-                        <a:t>0</a:t>
-                      </a:r>
-                      <a:endParaRPr lang="en-CA" dirty="0"/>
-                    </a:p>
-                  </a:txBody>
-                  <a:tcPr/>
-                </a:tc>
-                <a:tc>
-                  <a:txBody>
-                    <a:bodyPr/>
-                    <a:lstStyle/>
-                    <a:p>
-                      <a:pPr algn="ctr"/>
-                      <a:r>
-                        <a:rPr lang="en-CA" dirty="0" smtClean="0"/>
-                        <a:t>0</a:t>
-                      </a:r>
-                      <a:endParaRPr lang="en-CA" dirty="0"/>
-                    </a:p>
-                  </a:txBody>
-                  <a:tcPr/>
-                </a:tc>
-                <a:tc>
-                  <a:txBody>
-                    <a:bodyPr/>
-                    <a:lstStyle/>
-                    <a:p>
-                      <a:pPr algn="ctr"/>
-                      <a:r>
-                        <a:rPr lang="en-CA" dirty="0" smtClean="0"/>
-                        <a:t>1</a:t>
-                      </a:r>
-                      <a:endParaRPr lang="en-CA" dirty="0"/>
-                    </a:p>
-                  </a:txBody>
-                  <a:tcPr/>
-                </a:tc>
-                <a:tc>
-                  <a:txBody>
-                    <a:bodyPr/>
-                    <a:lstStyle/>
-                    <a:p>
-                      <a:pPr algn="ctr"/>
-                      <a:r>
-                        <a:rPr lang="en-CA" dirty="0" smtClean="0"/>
-                        <a:t>1</a:t>
-                      </a:r>
-                      <a:endParaRPr lang="en-CA" dirty="0"/>
-                    </a:p>
-                  </a:txBody>
-                  <a:tcPr/>
-                </a:tc>
-                <a:tc>
-                  <a:txBody>
-                    <a:bodyPr/>
-                    <a:lstStyle/>
-                    <a:p>
-                      <a:pPr algn="ctr"/>
-                      <a:r>
-                        <a:rPr lang="en-CA" dirty="0" smtClean="0"/>
-                        <a:t>0</a:t>
-                      </a:r>
-                      <a:endParaRPr lang="en-CA" dirty="0"/>
-                    </a:p>
-                  </a:txBody>
-                  <a:tcPr/>
-                </a:tc>
-              </a:tr>
-              <a:tr h="444657">
-                <a:tc>
-                  <a:txBody>
-                    <a:bodyPr/>
-                    <a:lstStyle/>
-                    <a:p>
-                      <a:pPr algn="ctr"/>
-                      <a:r>
-                        <a:rPr lang="en-CA" dirty="0" smtClean="0"/>
-                        <a:t>4</a:t>
-                      </a:r>
-                      <a:endParaRPr lang="en-CA" dirty="0"/>
-                    </a:p>
-                  </a:txBody>
-                  <a:tcPr/>
-                </a:tc>
-                <a:tc>
-                  <a:txBody>
-                    <a:bodyPr/>
-                    <a:lstStyle/>
-                    <a:p>
-                      <a:pPr algn="ctr"/>
-                      <a:r>
-                        <a:rPr lang="en-CA" dirty="0" smtClean="0"/>
-                        <a:t>1</a:t>
-                      </a:r>
-                      <a:endParaRPr lang="en-CA" dirty="0"/>
-                    </a:p>
-                  </a:txBody>
-                  <a:tcPr/>
-                </a:tc>
-                <a:tc>
-                  <a:txBody>
-                    <a:bodyPr/>
-                    <a:lstStyle/>
-                    <a:p>
-                      <a:pPr algn="ctr"/>
-                      <a:r>
-                        <a:rPr lang="en-CA" dirty="0" smtClean="0"/>
-                        <a:t>1</a:t>
-                      </a:r>
-                      <a:endParaRPr lang="en-CA" dirty="0"/>
-                    </a:p>
-                  </a:txBody>
-                  <a:tcPr/>
-                </a:tc>
-                <a:tc>
-                  <a:txBody>
-                    <a:bodyPr/>
-                    <a:lstStyle/>
-                    <a:p>
-                      <a:pPr algn="ctr"/>
-                      <a:r>
-                        <a:rPr lang="en-CA" dirty="0" smtClean="0"/>
-                        <a:t>0</a:t>
-                      </a:r>
-                      <a:endParaRPr lang="en-CA" dirty="0"/>
-                    </a:p>
-                  </a:txBody>
-                  <a:tcPr/>
-                </a:tc>
-                <a:tc>
-                  <a:txBody>
-                    <a:bodyPr/>
-                    <a:lstStyle/>
-                    <a:p>
-                      <a:pPr algn="ctr"/>
-                      <a:r>
-                        <a:rPr lang="en-CA" dirty="0" smtClean="0"/>
-                        <a:t>0</a:t>
-                      </a:r>
-                      <a:endParaRPr lang="en-CA" dirty="0"/>
-                    </a:p>
-                  </a:txBody>
-                  <a:tcPr/>
-                </a:tc>
-                <a:tc>
-                  <a:txBody>
-                    <a:bodyPr/>
-                    <a:lstStyle/>
-                    <a:p>
-                      <a:pPr algn="ctr"/>
-                      <a:r>
-                        <a:rPr lang="en-CA" dirty="0" smtClean="0"/>
-                        <a:t>1</a:t>
-                      </a:r>
-                      <a:endParaRPr lang="en-CA" dirty="0"/>
-                    </a:p>
-                  </a:txBody>
-                  <a:tcPr/>
-                </a:tc>
-                <a:tc>
-                  <a:txBody>
-                    <a:bodyPr/>
-                    <a:lstStyle/>
-                    <a:p>
-                      <a:pPr algn="ctr"/>
-                      <a:r>
-                        <a:rPr lang="en-CA" dirty="0" smtClean="0"/>
-                        <a:t>0</a:t>
-                      </a:r>
-                      <a:endParaRPr lang="en-CA" dirty="0"/>
-                    </a:p>
-                  </a:txBody>
-                  <a:tcPr/>
-                </a:tc>
-                <a:tc>
-                  <a:txBody>
-                    <a:bodyPr/>
-                    <a:lstStyle/>
-                    <a:p>
-                      <a:pPr algn="ctr"/>
-                      <a:r>
-                        <a:rPr lang="en-CA" dirty="0" smtClean="0"/>
-                        <a:t>0</a:t>
-                      </a:r>
-                      <a:endParaRPr lang="en-CA" dirty="0"/>
-                    </a:p>
-                  </a:txBody>
-                  <a:tcPr/>
-                </a:tc>
-                <a:tc>
-                  <a:txBody>
-                    <a:bodyPr/>
-                    <a:lstStyle/>
-                    <a:p>
-                      <a:pPr algn="ctr"/>
-                      <a:r>
-                        <a:rPr lang="en-CA" dirty="0" smtClean="0"/>
-                        <a:t>1</a:t>
-                      </a:r>
-                      <a:endParaRPr lang="en-CA" dirty="0"/>
-                    </a:p>
-                  </a:txBody>
-                  <a:tcPr/>
-                </a:tc>
-              </a:tr>
-              <a:tr h="444657">
-                <a:tc>
-                  <a:txBody>
-                    <a:bodyPr/>
-                    <a:lstStyle/>
-                    <a:p>
-                      <a:pPr algn="ctr"/>
-                      <a:r>
-                        <a:rPr lang="en-CA" dirty="0" smtClean="0"/>
-                        <a:t>5</a:t>
-                      </a:r>
-                      <a:endParaRPr lang="en-CA" dirty="0"/>
-                    </a:p>
-                  </a:txBody>
-                  <a:tcPr/>
-                </a:tc>
-                <a:tc>
-                  <a:txBody>
-                    <a:bodyPr/>
-                    <a:lstStyle/>
-                    <a:p>
-                      <a:pPr algn="ctr"/>
-                      <a:r>
-                        <a:rPr lang="en-CA" dirty="0" smtClean="0"/>
-                        <a:t>0</a:t>
-                      </a:r>
-                      <a:endParaRPr lang="en-CA" dirty="0"/>
-                    </a:p>
-                  </a:txBody>
-                  <a:tcPr/>
-                </a:tc>
-                <a:tc>
-                  <a:txBody>
-                    <a:bodyPr/>
-                    <a:lstStyle/>
-                    <a:p>
-                      <a:pPr algn="ctr"/>
-                      <a:r>
-                        <a:rPr lang="en-CA" dirty="0" smtClean="0"/>
-                        <a:t>0</a:t>
-                      </a:r>
-                      <a:endParaRPr lang="en-CA" dirty="0"/>
-                    </a:p>
-                  </a:txBody>
-                  <a:tcPr/>
-                </a:tc>
-                <a:tc>
-                  <a:txBody>
-                    <a:bodyPr/>
-                    <a:lstStyle/>
-                    <a:p>
-                      <a:pPr algn="ctr"/>
-                      <a:r>
-                        <a:rPr lang="en-CA" dirty="0" smtClean="0"/>
-                        <a:t>0</a:t>
-                      </a:r>
-                      <a:endParaRPr lang="en-CA" dirty="0"/>
-                    </a:p>
-                  </a:txBody>
-                  <a:tcPr/>
-                </a:tc>
-                <a:tc>
-                  <a:txBody>
-                    <a:bodyPr/>
-                    <a:lstStyle/>
-                    <a:p>
-                      <a:pPr algn="ctr"/>
-                      <a:r>
-                        <a:rPr lang="en-CA" dirty="0" smtClean="0"/>
-                        <a:t>1</a:t>
-                      </a:r>
-                      <a:endParaRPr lang="en-CA" dirty="0"/>
-                    </a:p>
-                  </a:txBody>
-                  <a:tcPr/>
-                </a:tc>
-                <a:tc>
-                  <a:txBody>
-                    <a:bodyPr/>
-                    <a:lstStyle/>
-                    <a:p>
-                      <a:pPr algn="ctr"/>
-                      <a:r>
-                        <a:rPr lang="en-CA" dirty="0" smtClean="0"/>
-                        <a:t>0</a:t>
-                      </a:r>
-                      <a:endParaRPr lang="en-CA" dirty="0"/>
-                    </a:p>
-                  </a:txBody>
-                  <a:tcPr/>
-                </a:tc>
-                <a:tc>
-                  <a:txBody>
-                    <a:bodyPr/>
-                    <a:lstStyle/>
-                    <a:p>
-                      <a:pPr algn="ctr"/>
-                      <a:r>
-                        <a:rPr lang="en-CA" dirty="0" smtClean="0"/>
-                        <a:t>1</a:t>
-                      </a:r>
-                      <a:endParaRPr lang="en-CA" dirty="0"/>
-                    </a:p>
-                  </a:txBody>
-                  <a:tcPr/>
-                </a:tc>
-                <a:tc>
-                  <a:txBody>
-                    <a:bodyPr/>
-                    <a:lstStyle/>
-                    <a:p>
-                      <a:pPr algn="ctr"/>
-                      <a:r>
-                        <a:rPr lang="en-CA" dirty="0" smtClean="0"/>
-                        <a:t>0</a:t>
-                      </a:r>
-                      <a:endParaRPr lang="en-CA" dirty="0"/>
-                    </a:p>
-                  </a:txBody>
-                  <a:tcPr/>
-                </a:tc>
-                <a:tc>
-                  <a:txBody>
-                    <a:bodyPr/>
-                    <a:lstStyle/>
-                    <a:p>
-                      <a:pPr algn="ctr"/>
-                      <a:r>
-                        <a:rPr lang="en-CA" dirty="0" smtClean="0"/>
-                        <a:t>1</a:t>
-                      </a:r>
-                      <a:endParaRPr lang="en-CA" dirty="0"/>
-                    </a:p>
-                  </a:txBody>
-                  <a:tcPr/>
-                </a:tc>
-              </a:tr>
-              <a:tr h="444657">
-                <a:tc>
-                  <a:txBody>
-                    <a:bodyPr/>
-                    <a:lstStyle/>
-                    <a:p>
-                      <a:pPr algn="ctr"/>
-                      <a:r>
-                        <a:rPr lang="en-CA" dirty="0" smtClean="0"/>
-                        <a:t>6</a:t>
-                      </a:r>
-                      <a:endParaRPr lang="en-CA" dirty="0"/>
-                    </a:p>
-                  </a:txBody>
-                  <a:tcPr/>
-                </a:tc>
-                <a:tc>
-                  <a:txBody>
-                    <a:bodyPr/>
-                    <a:lstStyle/>
-                    <a:p>
-                      <a:pPr algn="ctr"/>
-                      <a:r>
-                        <a:rPr lang="en-CA" dirty="0" smtClean="0"/>
-                        <a:t>1</a:t>
-                      </a:r>
-                      <a:endParaRPr lang="en-CA" dirty="0"/>
-                    </a:p>
-                  </a:txBody>
-                  <a:tcPr/>
-                </a:tc>
-                <a:tc>
-                  <a:txBody>
-                    <a:bodyPr/>
-                    <a:lstStyle/>
-                    <a:p>
-                      <a:pPr algn="ctr"/>
-                      <a:r>
-                        <a:rPr lang="en-CA" dirty="0" smtClean="0"/>
-                        <a:t>0</a:t>
-                      </a:r>
-                      <a:endParaRPr lang="en-CA" dirty="0"/>
-                    </a:p>
-                  </a:txBody>
-                  <a:tcPr/>
-                </a:tc>
-                <a:tc>
-                  <a:txBody>
-                    <a:bodyPr/>
-                    <a:lstStyle/>
-                    <a:p>
-                      <a:pPr algn="ctr"/>
-                      <a:r>
-                        <a:rPr lang="en-CA" dirty="0" smtClean="0"/>
-                        <a:t>1</a:t>
-                      </a:r>
-                      <a:endParaRPr lang="en-CA" dirty="0"/>
-                    </a:p>
-                  </a:txBody>
-                  <a:tcPr/>
-                </a:tc>
-                <a:tc>
-                  <a:txBody>
-                    <a:bodyPr/>
-                    <a:lstStyle/>
-                    <a:p>
-                      <a:pPr algn="ctr"/>
-                      <a:r>
-                        <a:rPr lang="en-CA" dirty="0" smtClean="0"/>
-                        <a:t>0</a:t>
-                      </a:r>
-                      <a:endParaRPr lang="en-CA" dirty="0"/>
-                    </a:p>
-                  </a:txBody>
-                  <a:tcPr/>
-                </a:tc>
-                <a:tc>
-                  <a:txBody>
-                    <a:bodyPr/>
-                    <a:lstStyle/>
-                    <a:p>
-                      <a:pPr algn="ctr"/>
-                      <a:r>
-                        <a:rPr lang="en-CA" dirty="0" smtClean="0"/>
-                        <a:t>1</a:t>
-                      </a:r>
-                      <a:endParaRPr lang="en-CA" dirty="0"/>
-                    </a:p>
-                  </a:txBody>
-                  <a:tcPr/>
-                </a:tc>
-                <a:tc>
-                  <a:txBody>
-                    <a:bodyPr/>
-                    <a:lstStyle/>
-                    <a:p>
-                      <a:pPr algn="ctr"/>
-                      <a:r>
-                        <a:rPr lang="en-CA" dirty="0" smtClean="0"/>
-                        <a:t>0</a:t>
-                      </a:r>
-                      <a:endParaRPr lang="en-CA" dirty="0"/>
-                    </a:p>
-                  </a:txBody>
-                  <a:tcPr/>
-                </a:tc>
-                <a:tc>
-                  <a:txBody>
-                    <a:bodyPr/>
-                    <a:lstStyle/>
-                    <a:p>
-                      <a:pPr algn="ctr"/>
-                      <a:r>
-                        <a:rPr lang="en-CA" dirty="0" smtClean="0"/>
-                        <a:t>1</a:t>
-                      </a:r>
-                      <a:endParaRPr lang="en-CA" dirty="0"/>
-                    </a:p>
-                  </a:txBody>
-                  <a:tcPr/>
-                </a:tc>
-                <a:tc>
-                  <a:txBody>
-                    <a:bodyPr/>
-                    <a:lstStyle/>
-                    <a:p>
-                      <a:pPr algn="ctr"/>
-                      <a:r>
-                        <a:rPr lang="en-CA" dirty="0" smtClean="0"/>
-                        <a:t>0</a:t>
-                      </a:r>
-                      <a:endParaRPr lang="en-CA" dirty="0"/>
-                    </a:p>
-                  </a:txBody>
-                  <a:tcPr/>
-                </a:tc>
-              </a:tr>
-              <a:tr h="444657">
-                <a:tc>
-                  <a:txBody>
-                    <a:bodyPr/>
-                    <a:lstStyle/>
-                    <a:p>
-                      <a:pPr algn="ctr"/>
-                      <a:r>
-                        <a:rPr lang="en-CA" dirty="0" smtClean="0"/>
-                        <a:t>7</a:t>
-                      </a:r>
-                      <a:endParaRPr lang="en-CA" dirty="0"/>
-                    </a:p>
-                  </a:txBody>
-                  <a:tcPr/>
-                </a:tc>
-                <a:tc>
-                  <a:txBody>
-                    <a:bodyPr/>
-                    <a:lstStyle/>
-                    <a:p>
-                      <a:pPr algn="ctr"/>
-                      <a:r>
-                        <a:rPr lang="en-CA" dirty="0" smtClean="0"/>
-                        <a:t>1</a:t>
-                      </a:r>
-                      <a:endParaRPr lang="en-CA" dirty="0"/>
-                    </a:p>
-                  </a:txBody>
-                  <a:tcPr/>
-                </a:tc>
-                <a:tc>
-                  <a:txBody>
-                    <a:bodyPr/>
-                    <a:lstStyle/>
-                    <a:p>
-                      <a:pPr algn="ctr"/>
-                      <a:r>
-                        <a:rPr lang="en-CA" dirty="0" smtClean="0"/>
-                        <a:t>0</a:t>
-                      </a:r>
-                      <a:endParaRPr lang="en-CA" dirty="0"/>
-                    </a:p>
-                  </a:txBody>
-                  <a:tcPr/>
-                </a:tc>
-                <a:tc>
-                  <a:txBody>
-                    <a:bodyPr/>
-                    <a:lstStyle/>
-                    <a:p>
-                      <a:pPr algn="ctr"/>
-                      <a:r>
-                        <a:rPr lang="en-CA" dirty="0" smtClean="0"/>
-                        <a:t>1</a:t>
-                      </a:r>
-                      <a:endParaRPr lang="en-CA" dirty="0"/>
-                    </a:p>
-                  </a:txBody>
-                  <a:tcPr/>
-                </a:tc>
-                <a:tc>
-                  <a:txBody>
-                    <a:bodyPr/>
-                    <a:lstStyle/>
-                    <a:p>
-                      <a:pPr algn="ctr"/>
-                      <a:r>
-                        <a:rPr lang="en-CA" dirty="0" smtClean="0"/>
-                        <a:t>0</a:t>
-                      </a:r>
-                      <a:endParaRPr lang="en-CA" dirty="0"/>
-                    </a:p>
-                  </a:txBody>
-                  <a:tcPr/>
-                </a:tc>
-                <a:tc>
-                  <a:txBody>
-                    <a:bodyPr/>
-                    <a:lstStyle/>
-                    <a:p>
-                      <a:pPr algn="ctr"/>
-                      <a:r>
-                        <a:rPr lang="en-CA" dirty="0" smtClean="0"/>
-                        <a:t>0</a:t>
-                      </a:r>
-                      <a:endParaRPr lang="en-CA" dirty="0"/>
-                    </a:p>
-                  </a:txBody>
-                  <a:tcPr/>
-                </a:tc>
-                <a:tc>
-                  <a:txBody>
-                    <a:bodyPr/>
-                    <a:lstStyle/>
-                    <a:p>
-                      <a:pPr algn="ctr"/>
-                      <a:r>
-                        <a:rPr lang="en-CA" dirty="0" smtClean="0"/>
-                        <a:t>1</a:t>
-                      </a:r>
-                      <a:endParaRPr lang="en-CA" dirty="0"/>
-                    </a:p>
-                  </a:txBody>
-                  <a:tcPr/>
-                </a:tc>
-                <a:tc>
-                  <a:txBody>
-                    <a:bodyPr/>
-                    <a:lstStyle/>
-                    <a:p>
-                      <a:pPr algn="ctr"/>
-                      <a:r>
-                        <a:rPr lang="en-CA" dirty="0" smtClean="0"/>
-                        <a:t>0</a:t>
-                      </a:r>
-                      <a:endParaRPr lang="en-CA" dirty="0"/>
-                    </a:p>
-                  </a:txBody>
-                  <a:tcPr/>
-                </a:tc>
-                <a:tc>
-                  <a:txBody>
-                    <a:bodyPr/>
-                    <a:lstStyle/>
-                    <a:p>
-                      <a:pPr algn="ctr"/>
-                      <a:r>
-                        <a:rPr lang="en-CA" dirty="0" smtClean="0"/>
-                        <a:t>0</a:t>
-                      </a:r>
-                      <a:endParaRPr lang="en-CA" dirty="0"/>
-                    </a:p>
-                  </a:txBody>
-                  <a:tcPr/>
-                </a:tc>
-              </a:tr>
-              <a:tr h="444657">
-                <a:tc>
-                  <a:txBody>
-                    <a:bodyPr/>
-                    <a:lstStyle/>
-                    <a:p>
-                      <a:pPr algn="ctr"/>
-                      <a:r>
-                        <a:rPr lang="en-CA" dirty="0" smtClean="0"/>
-                        <a:t>8</a:t>
-                      </a:r>
-                      <a:endParaRPr lang="en-CA" dirty="0"/>
-                    </a:p>
-                  </a:txBody>
-                  <a:tcPr/>
-                </a:tc>
-                <a:tc>
-                  <a:txBody>
-                    <a:bodyPr/>
-                    <a:lstStyle/>
-                    <a:p>
-                      <a:pPr algn="ctr"/>
-                      <a:r>
-                        <a:rPr lang="en-CA" dirty="0" smtClean="0"/>
-                        <a:t>0</a:t>
-                      </a:r>
-                      <a:endParaRPr lang="en-CA" dirty="0"/>
-                    </a:p>
-                  </a:txBody>
-                  <a:tcPr/>
-                </a:tc>
-                <a:tc>
-                  <a:txBody>
-                    <a:bodyPr/>
-                    <a:lstStyle/>
-                    <a:p>
-                      <a:pPr algn="ctr"/>
-                      <a:r>
-                        <a:rPr lang="en-CA" dirty="0" smtClean="0"/>
-                        <a:t>0</a:t>
-                      </a:r>
-                      <a:endParaRPr lang="en-CA" dirty="0"/>
-                    </a:p>
-                  </a:txBody>
-                  <a:tcPr/>
-                </a:tc>
-                <a:tc>
-                  <a:txBody>
-                    <a:bodyPr/>
-                    <a:lstStyle/>
-                    <a:p>
-                      <a:pPr algn="ctr"/>
-                      <a:r>
-                        <a:rPr lang="en-CA" dirty="0" smtClean="0"/>
-                        <a:t>0</a:t>
-                      </a:r>
-                      <a:endParaRPr lang="en-CA" dirty="0"/>
-                    </a:p>
-                  </a:txBody>
-                  <a:tcPr/>
-                </a:tc>
-                <a:tc>
-                  <a:txBody>
-                    <a:bodyPr/>
-                    <a:lstStyle/>
-                    <a:p>
-                      <a:pPr algn="ctr"/>
-                      <a:r>
-                        <a:rPr lang="en-CA" dirty="0" smtClean="0"/>
-                        <a:t>1</a:t>
-                      </a:r>
-                      <a:endParaRPr lang="en-CA" dirty="0"/>
-                    </a:p>
-                  </a:txBody>
-                  <a:tcPr/>
-                </a:tc>
-                <a:tc>
-                  <a:txBody>
-                    <a:bodyPr/>
-                    <a:lstStyle/>
-                    <a:p>
-                      <a:pPr algn="ctr"/>
-                      <a:r>
-                        <a:rPr lang="en-CA" dirty="0" smtClean="0"/>
-                        <a:t>1</a:t>
-                      </a:r>
-                      <a:endParaRPr lang="en-CA" dirty="0"/>
-                    </a:p>
-                  </a:txBody>
-                  <a:tcPr/>
-                </a:tc>
-                <a:tc>
-                  <a:txBody>
-                    <a:bodyPr/>
-                    <a:lstStyle/>
-                    <a:p>
-                      <a:pPr algn="ctr"/>
-                      <a:r>
-                        <a:rPr lang="en-CA" dirty="0" smtClean="0"/>
-                        <a:t>0</a:t>
-                      </a:r>
-                      <a:endParaRPr lang="en-CA" dirty="0"/>
-                    </a:p>
-                  </a:txBody>
-                  <a:tcPr/>
-                </a:tc>
-                <a:tc>
-                  <a:txBody>
-                    <a:bodyPr/>
-                    <a:lstStyle/>
-                    <a:p>
-                      <a:pPr algn="ctr"/>
-                      <a:r>
-                        <a:rPr lang="en-CA" dirty="0" smtClean="0"/>
-                        <a:t>0</a:t>
-                      </a:r>
-                      <a:endParaRPr lang="en-CA" dirty="0"/>
-                    </a:p>
-                  </a:txBody>
-                  <a:tcPr/>
-                </a:tc>
-                <a:tc>
-                  <a:txBody>
-                    <a:bodyPr/>
-                    <a:lstStyle/>
-                    <a:p>
-                      <a:pPr algn="ctr"/>
-                      <a:r>
-                        <a:rPr lang="en-CA" dirty="0" smtClean="0"/>
-                        <a:t>0</a:t>
-                      </a:r>
-                      <a:endParaRPr lang="en-CA" dirty="0"/>
-                    </a:p>
-                  </a:txBody>
-                  <a:tcPr/>
-                </a:tc>
-              </a:tr>
-            </a:tbl>
-          </a:graphicData>
-        </a:graphic>
-      </p:graphicFrame>
-      <p:sp>
-        <p:nvSpPr>
-          <p:cNvPr id="5" name="Right Triangle 4"/>
-          <p:cNvSpPr/>
+      <p:grpSp>
+        <p:nvGrpSpPr>
+          <p:cNvPr id="8" name="Group 7"/>
+          <p:cNvGrpSpPr/>
           <p:nvPr/>
-        </p:nvSpPr>
-        <p:spPr>
-          <a:xfrm rot="10800000">
-            <a:off x="5796136" y="1916832"/>
-            <a:ext cx="1296144" cy="1440160"/>
+        </p:nvGrpSpPr>
+        <p:grpSpPr>
+          <a:xfrm>
+            <a:off x="5148064" y="1492695"/>
+            <a:ext cx="3538287" cy="4001913"/>
+            <a:chOff x="5148064" y="1492695"/>
+            <a:chExt cx="3538287" cy="4001913"/>
           </a:xfrm>
-          <a:prstGeom prst="rtTriangle">
-            <a:avLst/>
-          </a:prstGeom>
-          <a:noFill/>
-          <a:ln w="22225" cmpd="sng">
-            <a:solidFill>
-              <a:srgbClr val="FF0000"/>
-            </a:solidFill>
-          </a:ln>
-        </p:spPr>
-        <p:style>
-          <a:lnRef idx="2">
-            <a:schemeClr val="accent1">
-              <a:shade val="50000"/>
-            </a:schemeClr>
-          </a:lnRef>
-          <a:fillRef idx="1">
-            <a:schemeClr val="accent1"/>
-          </a:fillRef>
-          <a:effectRef idx="0">
-            <a:schemeClr val="accent1"/>
-          </a:effectRef>
-          <a:fontRef idx="minor">
-            <a:schemeClr val="lt1"/>
-          </a:fontRef>
-        </p:style>
-        <p:txBody>
-          <a:bodyPr rtlCol="0" anchor="ctr"/>
-          <a:lstStyle/>
-          <a:p>
-            <a:pPr algn="ctr"/>
-            <a:endParaRPr lang="en-CA"/>
-          </a:p>
-        </p:txBody>
-      </p:sp>
-      <p:sp>
-        <p:nvSpPr>
-          <p:cNvPr id="6" name="Right Triangle 5"/>
-          <p:cNvSpPr/>
-          <p:nvPr/>
-        </p:nvSpPr>
-        <p:spPr>
-          <a:xfrm rot="10800000">
-            <a:off x="7380312" y="3717031"/>
-            <a:ext cx="1296144" cy="1440160"/>
-          </a:xfrm>
-          <a:prstGeom prst="rtTriangle">
-            <a:avLst/>
-          </a:prstGeom>
-          <a:noFill/>
-          <a:ln w="22225" cmpd="sng">
-            <a:solidFill>
-              <a:srgbClr val="FF0000"/>
-            </a:solidFill>
-          </a:ln>
-        </p:spPr>
-        <p:style>
-          <a:lnRef idx="2">
-            <a:schemeClr val="accent1">
-              <a:shade val="50000"/>
-            </a:schemeClr>
-          </a:lnRef>
-          <a:fillRef idx="1">
-            <a:schemeClr val="accent1"/>
-          </a:fillRef>
-          <a:effectRef idx="0">
-            <a:schemeClr val="accent1"/>
-          </a:effectRef>
-          <a:fontRef idx="minor">
-            <a:schemeClr val="lt1"/>
-          </a:fontRef>
-        </p:style>
-        <p:txBody>
-          <a:bodyPr rtlCol="0" anchor="ctr"/>
-          <a:lstStyle/>
-          <a:p>
-            <a:pPr algn="ctr"/>
-            <a:endParaRPr lang="en-CA"/>
-          </a:p>
-        </p:txBody>
-      </p:sp>
-      <p:sp>
-        <p:nvSpPr>
-          <p:cNvPr id="7" name="Rectangle 6"/>
-          <p:cNvSpPr/>
-          <p:nvPr/>
-        </p:nvSpPr>
-        <p:spPr>
-          <a:xfrm>
-            <a:off x="7164288" y="1916832"/>
-            <a:ext cx="1512168" cy="1728192"/>
-          </a:xfrm>
-          <a:prstGeom prst="rect">
-            <a:avLst/>
-          </a:prstGeom>
-          <a:noFill/>
-          <a:ln w="28575" cmpd="sng">
-            <a:solidFill>
+        </p:grpSpPr>
+        <p:graphicFrame>
+          <p:nvGraphicFramePr>
+            <p:cNvPr id="4" name="Content Placeholder 13"/>
+            <p:cNvGraphicFramePr>
+              <a:graphicFrameLocks/>
+            </p:cNvGraphicFramePr>
+            <p:nvPr>
+              <p:extLst>
+                <p:ext uri="{D42A27DB-BD31-4B8C-83A1-F6EECF244321}">
+                  <p14:modId xmlns:p14="http://schemas.microsoft.com/office/powerpoint/2010/main" val="3544556464"/>
+                </p:ext>
+              </p:extLst>
+            </p:nvPr>
+          </p:nvGraphicFramePr>
+          <p:xfrm>
+            <a:off x="5148064" y="1492695"/>
+            <a:ext cx="3538287" cy="4001913"/>
+          </p:xfrm>
+          <a:graphic>
+            <a:graphicData uri="http://schemas.openxmlformats.org/drawingml/2006/table">
+              <a:tbl>
+                <a:tblPr firstRow="1" bandRow="1">
+                  <a:tableStyleId>{5940675A-B579-460E-94D1-54222C63F5DA}</a:tableStyleId>
+                </a:tblPr>
+                <a:tblGrid>
+                  <a:gridCol w="393143"/>
+                  <a:gridCol w="393143"/>
+                  <a:gridCol w="393143"/>
+                  <a:gridCol w="393143"/>
+                  <a:gridCol w="393143"/>
+                  <a:gridCol w="393143"/>
+                  <a:gridCol w="393143"/>
+                  <a:gridCol w="393143"/>
+                  <a:gridCol w="393143"/>
+                </a:tblGrid>
+                <a:tr h="444657">
+                  <a:tc>
+                    <a:txBody>
+                      <a:bodyPr/>
+                      <a:lstStyle/>
+                      <a:p>
+                        <a:pPr algn="ctr"/>
+                        <a:endParaRPr lang="en-CA" dirty="0"/>
+                      </a:p>
+                    </a:txBody>
+                    <a:tcPr/>
+                  </a:tc>
+                  <a:tc>
+                    <a:txBody>
+                      <a:bodyPr/>
+                      <a:lstStyle/>
+                      <a:p>
+                        <a:pPr algn="ctr"/>
+                        <a:r>
+                          <a:rPr lang="en-CA" dirty="0" smtClean="0"/>
+                          <a:t>1</a:t>
+                        </a:r>
+                        <a:endParaRPr lang="en-CA" dirty="0"/>
+                      </a:p>
+                    </a:txBody>
+                    <a:tcPr/>
+                  </a:tc>
+                  <a:tc>
+                    <a:txBody>
+                      <a:bodyPr/>
+                      <a:lstStyle/>
+                      <a:p>
+                        <a:pPr algn="ctr"/>
+                        <a:r>
+                          <a:rPr lang="en-CA" dirty="0" smtClean="0"/>
+                          <a:t>2</a:t>
+                        </a:r>
+                        <a:endParaRPr lang="en-CA" dirty="0"/>
+                      </a:p>
+                    </a:txBody>
+                    <a:tcPr/>
+                  </a:tc>
+                  <a:tc>
+                    <a:txBody>
+                      <a:bodyPr/>
+                      <a:lstStyle/>
+                      <a:p>
+                        <a:pPr algn="ctr"/>
+                        <a:r>
+                          <a:rPr lang="en-CA" dirty="0" smtClean="0"/>
+                          <a:t>3</a:t>
+                        </a:r>
+                        <a:endParaRPr lang="en-CA" dirty="0"/>
+                      </a:p>
+                    </a:txBody>
+                    <a:tcPr/>
+                  </a:tc>
+                  <a:tc>
+                    <a:txBody>
+                      <a:bodyPr/>
+                      <a:lstStyle/>
+                      <a:p>
+                        <a:pPr algn="ctr"/>
+                        <a:r>
+                          <a:rPr lang="en-CA" dirty="0" smtClean="0"/>
+                          <a:t>4</a:t>
+                        </a:r>
+                        <a:endParaRPr lang="en-CA" dirty="0"/>
+                      </a:p>
+                    </a:txBody>
+                    <a:tcPr/>
+                  </a:tc>
+                  <a:tc>
+                    <a:txBody>
+                      <a:bodyPr/>
+                      <a:lstStyle/>
+                      <a:p>
+                        <a:pPr algn="ctr"/>
+                        <a:r>
+                          <a:rPr lang="en-CA" dirty="0" smtClean="0"/>
+                          <a:t>5</a:t>
+                        </a:r>
+                        <a:endParaRPr lang="en-CA" dirty="0"/>
+                      </a:p>
+                    </a:txBody>
+                    <a:tcPr/>
+                  </a:tc>
+                  <a:tc>
+                    <a:txBody>
+                      <a:bodyPr/>
+                      <a:lstStyle/>
+                      <a:p>
+                        <a:pPr algn="ctr"/>
+                        <a:r>
+                          <a:rPr lang="en-CA" dirty="0" smtClean="0"/>
+                          <a:t>6</a:t>
+                        </a:r>
+                        <a:endParaRPr lang="en-CA" dirty="0"/>
+                      </a:p>
+                    </a:txBody>
+                    <a:tcPr/>
+                  </a:tc>
+                  <a:tc>
+                    <a:txBody>
+                      <a:bodyPr/>
+                      <a:lstStyle/>
+                      <a:p>
+                        <a:pPr algn="ctr"/>
+                        <a:r>
+                          <a:rPr lang="en-CA" dirty="0" smtClean="0"/>
+                          <a:t>7</a:t>
+                        </a:r>
+                        <a:endParaRPr lang="en-CA" dirty="0"/>
+                      </a:p>
+                    </a:txBody>
+                    <a:tcPr/>
+                  </a:tc>
+                  <a:tc>
+                    <a:txBody>
+                      <a:bodyPr/>
+                      <a:lstStyle/>
+                      <a:p>
+                        <a:pPr algn="ctr"/>
+                        <a:r>
+                          <a:rPr lang="en-CA" dirty="0" smtClean="0"/>
+                          <a:t>8</a:t>
+                        </a:r>
+                        <a:endParaRPr lang="en-CA" dirty="0"/>
+                      </a:p>
+                    </a:txBody>
+                    <a:tcPr/>
+                  </a:tc>
+                </a:tr>
+                <a:tr h="444657">
+                  <a:tc>
+                    <a:txBody>
+                      <a:bodyPr/>
+                      <a:lstStyle/>
+                      <a:p>
+                        <a:pPr algn="ctr"/>
+                        <a:r>
+                          <a:rPr lang="en-CA" dirty="0" smtClean="0"/>
+                          <a:t>1</a:t>
+                        </a:r>
+                        <a:endParaRPr lang="en-CA" dirty="0"/>
+                      </a:p>
+                    </a:txBody>
+                    <a:tcPr/>
+                  </a:tc>
+                  <a:tc>
+                    <a:txBody>
+                      <a:bodyPr/>
+                      <a:lstStyle/>
+                      <a:p>
+                        <a:pPr algn="ctr"/>
+                        <a:r>
+                          <a:rPr lang="en-CA" dirty="0" smtClean="0"/>
+                          <a:t>0</a:t>
+                        </a:r>
+                        <a:endParaRPr lang="en-CA" dirty="0"/>
+                      </a:p>
+                    </a:txBody>
+                    <a:tcPr/>
+                  </a:tc>
+                  <a:tc>
+                    <a:txBody>
+                      <a:bodyPr/>
+                      <a:lstStyle/>
+                      <a:p>
+                        <a:pPr algn="ctr"/>
+                        <a:r>
+                          <a:rPr lang="en-CA" dirty="0" smtClean="0"/>
+                          <a:t>1</a:t>
+                        </a:r>
+                        <a:endParaRPr lang="en-CA" dirty="0"/>
+                      </a:p>
+                    </a:txBody>
+                    <a:tcPr/>
+                  </a:tc>
+                  <a:tc>
+                    <a:txBody>
+                      <a:bodyPr/>
+                      <a:lstStyle/>
+                      <a:p>
+                        <a:pPr algn="ctr"/>
+                        <a:r>
+                          <a:rPr lang="en-CA" dirty="0" smtClean="0"/>
+                          <a:t>0</a:t>
+                        </a:r>
+                        <a:endParaRPr lang="en-CA" dirty="0"/>
+                      </a:p>
+                    </a:txBody>
+                    <a:tcPr/>
+                  </a:tc>
+                  <a:tc>
+                    <a:txBody>
+                      <a:bodyPr/>
+                      <a:lstStyle/>
+                      <a:p>
+                        <a:pPr algn="ctr"/>
+                        <a:r>
+                          <a:rPr lang="en-CA" dirty="0" smtClean="0"/>
+                          <a:t>1</a:t>
+                        </a:r>
+                        <a:endParaRPr lang="en-CA" dirty="0"/>
+                      </a:p>
+                    </a:txBody>
+                    <a:tcPr/>
+                  </a:tc>
+                  <a:tc>
+                    <a:txBody>
+                      <a:bodyPr/>
+                      <a:lstStyle/>
+                      <a:p>
+                        <a:pPr algn="ctr"/>
+                        <a:r>
+                          <a:rPr lang="en-CA" dirty="0" smtClean="0"/>
+                          <a:t>0</a:t>
+                        </a:r>
+                        <a:endParaRPr lang="en-CA" dirty="0"/>
+                      </a:p>
+                    </a:txBody>
+                    <a:tcPr/>
+                  </a:tc>
+                  <a:tc>
+                    <a:txBody>
+                      <a:bodyPr/>
+                      <a:lstStyle/>
+                      <a:p>
+                        <a:pPr algn="ctr"/>
+                        <a:r>
+                          <a:rPr lang="en-CA" dirty="0" smtClean="0"/>
+                          <a:t>1</a:t>
+                        </a:r>
+                        <a:endParaRPr lang="en-CA" dirty="0"/>
+                      </a:p>
+                    </a:txBody>
+                    <a:tcPr/>
+                  </a:tc>
+                  <a:tc>
+                    <a:txBody>
+                      <a:bodyPr/>
+                      <a:lstStyle/>
+                      <a:p>
+                        <a:pPr algn="ctr"/>
+                        <a:r>
+                          <a:rPr lang="en-CA" dirty="0" smtClean="0"/>
+                          <a:t>1</a:t>
+                        </a:r>
+                        <a:endParaRPr lang="en-CA" dirty="0"/>
+                      </a:p>
+                    </a:txBody>
+                    <a:tcPr/>
+                  </a:tc>
+                  <a:tc>
+                    <a:txBody>
+                      <a:bodyPr/>
+                      <a:lstStyle/>
+                      <a:p>
+                        <a:pPr algn="ctr"/>
+                        <a:r>
+                          <a:rPr lang="en-CA" dirty="0" smtClean="0"/>
+                          <a:t>0</a:t>
+                        </a:r>
+                        <a:endParaRPr lang="en-CA" dirty="0"/>
+                      </a:p>
+                    </a:txBody>
+                    <a:tcPr/>
+                  </a:tc>
+                </a:tr>
+                <a:tr h="444657">
+                  <a:tc>
+                    <a:txBody>
+                      <a:bodyPr/>
+                      <a:lstStyle/>
+                      <a:p>
+                        <a:pPr algn="ctr"/>
+                        <a:r>
+                          <a:rPr lang="en-CA" dirty="0" smtClean="0"/>
+                          <a:t>2</a:t>
+                        </a:r>
+                        <a:endParaRPr lang="en-CA" dirty="0"/>
+                      </a:p>
+                    </a:txBody>
+                    <a:tcPr/>
+                  </a:tc>
+                  <a:tc>
+                    <a:txBody>
+                      <a:bodyPr/>
+                      <a:lstStyle/>
+                      <a:p>
+                        <a:pPr algn="ctr"/>
+                        <a:r>
+                          <a:rPr lang="en-CA" dirty="0" smtClean="0"/>
+                          <a:t>1</a:t>
+                        </a:r>
+                        <a:endParaRPr lang="en-CA" dirty="0"/>
+                      </a:p>
+                    </a:txBody>
+                    <a:tcPr/>
+                  </a:tc>
+                  <a:tc>
+                    <a:txBody>
+                      <a:bodyPr/>
+                      <a:lstStyle/>
+                      <a:p>
+                        <a:pPr algn="ctr"/>
+                        <a:r>
+                          <a:rPr lang="en-CA" dirty="0" smtClean="0"/>
+                          <a:t>0</a:t>
+                        </a:r>
+                        <a:endParaRPr lang="en-CA" dirty="0"/>
+                      </a:p>
+                    </a:txBody>
+                    <a:tcPr/>
+                  </a:tc>
+                  <a:tc>
+                    <a:txBody>
+                      <a:bodyPr/>
+                      <a:lstStyle/>
+                      <a:p>
+                        <a:pPr algn="ctr"/>
+                        <a:r>
+                          <a:rPr lang="en-CA" dirty="0" smtClean="0"/>
+                          <a:t>1</a:t>
+                        </a:r>
+                        <a:endParaRPr lang="en-CA" dirty="0"/>
+                      </a:p>
+                    </a:txBody>
+                    <a:tcPr/>
+                  </a:tc>
+                  <a:tc>
+                    <a:txBody>
+                      <a:bodyPr/>
+                      <a:lstStyle/>
+                      <a:p>
+                        <a:pPr algn="ctr"/>
+                        <a:r>
+                          <a:rPr lang="en-CA" dirty="0" smtClean="0"/>
+                          <a:t>1</a:t>
+                        </a:r>
+                        <a:endParaRPr lang="en-CA" dirty="0"/>
+                      </a:p>
+                    </a:txBody>
+                    <a:tcPr/>
+                  </a:tc>
+                  <a:tc>
+                    <a:txBody>
+                      <a:bodyPr/>
+                      <a:lstStyle/>
+                      <a:p>
+                        <a:pPr algn="ctr"/>
+                        <a:r>
+                          <a:rPr lang="en-CA" dirty="0" smtClean="0"/>
+                          <a:t>0</a:t>
+                        </a:r>
+                        <a:endParaRPr lang="en-CA" dirty="0"/>
+                      </a:p>
+                    </a:txBody>
+                    <a:tcPr/>
+                  </a:tc>
+                  <a:tc>
+                    <a:txBody>
+                      <a:bodyPr/>
+                      <a:lstStyle/>
+                      <a:p>
+                        <a:pPr algn="ctr"/>
+                        <a:r>
+                          <a:rPr lang="en-CA" dirty="0" smtClean="0"/>
+                          <a:t>0</a:t>
+                        </a:r>
+                        <a:endParaRPr lang="en-CA" dirty="0"/>
+                      </a:p>
+                    </a:txBody>
+                    <a:tcPr/>
+                  </a:tc>
+                  <a:tc>
+                    <a:txBody>
+                      <a:bodyPr/>
+                      <a:lstStyle/>
+                      <a:p>
+                        <a:pPr algn="ctr"/>
+                        <a:r>
+                          <a:rPr lang="en-CA" dirty="0" smtClean="0"/>
+                          <a:t>0</a:t>
+                        </a:r>
+                        <a:endParaRPr lang="en-CA" dirty="0"/>
+                      </a:p>
+                    </a:txBody>
+                    <a:tcPr/>
+                  </a:tc>
+                  <a:tc>
+                    <a:txBody>
+                      <a:bodyPr/>
+                      <a:lstStyle/>
+                      <a:p>
+                        <a:pPr algn="ctr"/>
+                        <a:r>
+                          <a:rPr lang="en-CA" dirty="0" smtClean="0"/>
+                          <a:t>0</a:t>
+                        </a:r>
+                        <a:endParaRPr lang="en-CA" dirty="0"/>
+                      </a:p>
+                    </a:txBody>
+                    <a:tcPr/>
+                  </a:tc>
+                </a:tr>
+                <a:tr h="444657">
+                  <a:tc>
+                    <a:txBody>
+                      <a:bodyPr/>
+                      <a:lstStyle/>
+                      <a:p>
+                        <a:pPr algn="ctr"/>
+                        <a:r>
+                          <a:rPr lang="en-CA" dirty="0" smtClean="0"/>
+                          <a:t>3</a:t>
+                        </a:r>
+                        <a:endParaRPr lang="en-CA" dirty="0"/>
+                      </a:p>
+                    </a:txBody>
+                    <a:tcPr/>
+                  </a:tc>
+                  <a:tc>
+                    <a:txBody>
+                      <a:bodyPr/>
+                      <a:lstStyle/>
+                      <a:p>
+                        <a:pPr algn="ctr"/>
+                        <a:r>
+                          <a:rPr lang="en-CA" dirty="0" smtClean="0"/>
+                          <a:t>0</a:t>
+                        </a:r>
+                        <a:endParaRPr lang="en-CA" dirty="0"/>
+                      </a:p>
+                    </a:txBody>
+                    <a:tcPr/>
+                  </a:tc>
+                  <a:tc>
+                    <a:txBody>
+                      <a:bodyPr/>
+                      <a:lstStyle/>
+                      <a:p>
+                        <a:pPr algn="ctr"/>
+                        <a:r>
+                          <a:rPr lang="en-CA" dirty="0" smtClean="0"/>
+                          <a:t>1</a:t>
+                        </a:r>
+                        <a:endParaRPr lang="en-CA" dirty="0"/>
+                      </a:p>
+                    </a:txBody>
+                    <a:tcPr/>
+                  </a:tc>
+                  <a:tc>
+                    <a:txBody>
+                      <a:bodyPr/>
+                      <a:lstStyle/>
+                      <a:p>
+                        <a:pPr algn="ctr"/>
+                        <a:r>
+                          <a:rPr lang="en-CA" dirty="0" smtClean="0"/>
+                          <a:t>0</a:t>
+                        </a:r>
+                        <a:endParaRPr lang="en-CA" dirty="0"/>
+                      </a:p>
+                    </a:txBody>
+                    <a:tcPr/>
+                  </a:tc>
+                  <a:tc>
+                    <a:txBody>
+                      <a:bodyPr/>
+                      <a:lstStyle/>
+                      <a:p>
+                        <a:pPr algn="ctr"/>
+                        <a:r>
+                          <a:rPr lang="en-CA" dirty="0" smtClean="0"/>
+                          <a:t>0</a:t>
+                        </a:r>
+                        <a:endParaRPr lang="en-CA" dirty="0"/>
+                      </a:p>
+                    </a:txBody>
+                    <a:tcPr/>
+                  </a:tc>
+                  <a:tc>
+                    <a:txBody>
+                      <a:bodyPr/>
+                      <a:lstStyle/>
+                      <a:p>
+                        <a:pPr algn="ctr"/>
+                        <a:r>
+                          <a:rPr lang="en-CA" dirty="0" smtClean="0"/>
+                          <a:t>0</a:t>
+                        </a:r>
+                        <a:endParaRPr lang="en-CA" dirty="0"/>
+                      </a:p>
+                    </a:txBody>
+                    <a:tcPr/>
+                  </a:tc>
+                  <a:tc>
+                    <a:txBody>
+                      <a:bodyPr/>
+                      <a:lstStyle/>
+                      <a:p>
+                        <a:pPr algn="ctr"/>
+                        <a:r>
+                          <a:rPr lang="en-CA" dirty="0" smtClean="0"/>
+                          <a:t>1</a:t>
+                        </a:r>
+                        <a:endParaRPr lang="en-CA" dirty="0"/>
+                      </a:p>
+                    </a:txBody>
+                    <a:tcPr/>
+                  </a:tc>
+                  <a:tc>
+                    <a:txBody>
+                      <a:bodyPr/>
+                      <a:lstStyle/>
+                      <a:p>
+                        <a:pPr algn="ctr"/>
+                        <a:r>
+                          <a:rPr lang="en-CA" dirty="0" smtClean="0"/>
+                          <a:t>1</a:t>
+                        </a:r>
+                        <a:endParaRPr lang="en-CA" dirty="0"/>
+                      </a:p>
+                    </a:txBody>
+                    <a:tcPr/>
+                  </a:tc>
+                  <a:tc>
+                    <a:txBody>
+                      <a:bodyPr/>
+                      <a:lstStyle/>
+                      <a:p>
+                        <a:pPr algn="ctr"/>
+                        <a:r>
+                          <a:rPr lang="en-CA" dirty="0" smtClean="0"/>
+                          <a:t>0</a:t>
+                        </a:r>
+                        <a:endParaRPr lang="en-CA" dirty="0"/>
+                      </a:p>
+                    </a:txBody>
+                    <a:tcPr/>
+                  </a:tc>
+                </a:tr>
+                <a:tr h="444657">
+                  <a:tc>
+                    <a:txBody>
+                      <a:bodyPr/>
+                      <a:lstStyle/>
+                      <a:p>
+                        <a:pPr algn="ctr"/>
+                        <a:r>
+                          <a:rPr lang="en-CA" dirty="0" smtClean="0"/>
+                          <a:t>4</a:t>
+                        </a:r>
+                        <a:endParaRPr lang="en-CA" dirty="0"/>
+                      </a:p>
+                    </a:txBody>
+                    <a:tcPr/>
+                  </a:tc>
+                  <a:tc>
+                    <a:txBody>
+                      <a:bodyPr/>
+                      <a:lstStyle/>
+                      <a:p>
+                        <a:pPr algn="ctr"/>
+                        <a:r>
+                          <a:rPr lang="en-CA" dirty="0" smtClean="0"/>
+                          <a:t>1</a:t>
+                        </a:r>
+                        <a:endParaRPr lang="en-CA" dirty="0"/>
+                      </a:p>
+                    </a:txBody>
+                    <a:tcPr/>
+                  </a:tc>
+                  <a:tc>
+                    <a:txBody>
+                      <a:bodyPr/>
+                      <a:lstStyle/>
+                      <a:p>
+                        <a:pPr algn="ctr"/>
+                        <a:r>
+                          <a:rPr lang="en-CA" dirty="0" smtClean="0"/>
+                          <a:t>1</a:t>
+                        </a:r>
+                        <a:endParaRPr lang="en-CA" dirty="0"/>
+                      </a:p>
+                    </a:txBody>
+                    <a:tcPr/>
+                  </a:tc>
+                  <a:tc>
+                    <a:txBody>
+                      <a:bodyPr/>
+                      <a:lstStyle/>
+                      <a:p>
+                        <a:pPr algn="ctr"/>
+                        <a:r>
+                          <a:rPr lang="en-CA" dirty="0" smtClean="0"/>
+                          <a:t>0</a:t>
+                        </a:r>
+                        <a:endParaRPr lang="en-CA" dirty="0"/>
+                      </a:p>
+                    </a:txBody>
+                    <a:tcPr/>
+                  </a:tc>
+                  <a:tc>
+                    <a:txBody>
+                      <a:bodyPr/>
+                      <a:lstStyle/>
+                      <a:p>
+                        <a:pPr algn="ctr"/>
+                        <a:r>
+                          <a:rPr lang="en-CA" dirty="0" smtClean="0"/>
+                          <a:t>0</a:t>
+                        </a:r>
+                        <a:endParaRPr lang="en-CA" dirty="0"/>
+                      </a:p>
+                    </a:txBody>
+                    <a:tcPr/>
+                  </a:tc>
+                  <a:tc>
+                    <a:txBody>
+                      <a:bodyPr/>
+                      <a:lstStyle/>
+                      <a:p>
+                        <a:pPr algn="ctr"/>
+                        <a:r>
+                          <a:rPr lang="en-CA" dirty="0" smtClean="0"/>
+                          <a:t>1</a:t>
+                        </a:r>
+                        <a:endParaRPr lang="en-CA" dirty="0"/>
+                      </a:p>
+                    </a:txBody>
+                    <a:tcPr/>
+                  </a:tc>
+                  <a:tc>
+                    <a:txBody>
+                      <a:bodyPr/>
+                      <a:lstStyle/>
+                      <a:p>
+                        <a:pPr algn="ctr"/>
+                        <a:r>
+                          <a:rPr lang="en-CA" dirty="0" smtClean="0"/>
+                          <a:t>0</a:t>
+                        </a:r>
+                        <a:endParaRPr lang="en-CA" dirty="0"/>
+                      </a:p>
+                    </a:txBody>
+                    <a:tcPr/>
+                  </a:tc>
+                  <a:tc>
+                    <a:txBody>
+                      <a:bodyPr/>
+                      <a:lstStyle/>
+                      <a:p>
+                        <a:pPr algn="ctr"/>
+                        <a:r>
+                          <a:rPr lang="en-CA" dirty="0" smtClean="0"/>
+                          <a:t>0</a:t>
+                        </a:r>
+                        <a:endParaRPr lang="en-CA" dirty="0"/>
+                      </a:p>
+                    </a:txBody>
+                    <a:tcPr/>
+                  </a:tc>
+                  <a:tc>
+                    <a:txBody>
+                      <a:bodyPr/>
+                      <a:lstStyle/>
+                      <a:p>
+                        <a:pPr algn="ctr"/>
+                        <a:r>
+                          <a:rPr lang="en-CA" dirty="0" smtClean="0"/>
+                          <a:t>1</a:t>
+                        </a:r>
+                        <a:endParaRPr lang="en-CA" dirty="0"/>
+                      </a:p>
+                    </a:txBody>
+                    <a:tcPr/>
+                  </a:tc>
+                </a:tr>
+                <a:tr h="444657">
+                  <a:tc>
+                    <a:txBody>
+                      <a:bodyPr/>
+                      <a:lstStyle/>
+                      <a:p>
+                        <a:pPr algn="ctr"/>
+                        <a:r>
+                          <a:rPr lang="en-CA" dirty="0" smtClean="0"/>
+                          <a:t>5</a:t>
+                        </a:r>
+                        <a:endParaRPr lang="en-CA" dirty="0"/>
+                      </a:p>
+                    </a:txBody>
+                    <a:tcPr/>
+                  </a:tc>
+                  <a:tc>
+                    <a:txBody>
+                      <a:bodyPr/>
+                      <a:lstStyle/>
+                      <a:p>
+                        <a:pPr algn="ctr"/>
+                        <a:r>
+                          <a:rPr lang="en-CA" dirty="0" smtClean="0"/>
+                          <a:t>0</a:t>
+                        </a:r>
+                        <a:endParaRPr lang="en-CA" dirty="0"/>
+                      </a:p>
+                    </a:txBody>
+                    <a:tcPr/>
+                  </a:tc>
+                  <a:tc>
+                    <a:txBody>
+                      <a:bodyPr/>
+                      <a:lstStyle/>
+                      <a:p>
+                        <a:pPr algn="ctr"/>
+                        <a:r>
+                          <a:rPr lang="en-CA" dirty="0" smtClean="0"/>
+                          <a:t>0</a:t>
+                        </a:r>
+                        <a:endParaRPr lang="en-CA" dirty="0"/>
+                      </a:p>
+                    </a:txBody>
+                    <a:tcPr/>
+                  </a:tc>
+                  <a:tc>
+                    <a:txBody>
+                      <a:bodyPr/>
+                      <a:lstStyle/>
+                      <a:p>
+                        <a:pPr algn="ctr"/>
+                        <a:r>
+                          <a:rPr lang="en-CA" dirty="0" smtClean="0"/>
+                          <a:t>0</a:t>
+                        </a:r>
+                        <a:endParaRPr lang="en-CA" dirty="0"/>
+                      </a:p>
+                    </a:txBody>
+                    <a:tcPr/>
+                  </a:tc>
+                  <a:tc>
+                    <a:txBody>
+                      <a:bodyPr/>
+                      <a:lstStyle/>
+                      <a:p>
+                        <a:pPr algn="ctr"/>
+                        <a:r>
+                          <a:rPr lang="en-CA" dirty="0" smtClean="0"/>
+                          <a:t>1</a:t>
+                        </a:r>
+                        <a:endParaRPr lang="en-CA" dirty="0"/>
+                      </a:p>
+                    </a:txBody>
+                    <a:tcPr/>
+                  </a:tc>
+                  <a:tc>
+                    <a:txBody>
+                      <a:bodyPr/>
+                      <a:lstStyle/>
+                      <a:p>
+                        <a:pPr algn="ctr"/>
+                        <a:r>
+                          <a:rPr lang="en-CA" dirty="0" smtClean="0"/>
+                          <a:t>0</a:t>
+                        </a:r>
+                        <a:endParaRPr lang="en-CA" dirty="0"/>
+                      </a:p>
+                    </a:txBody>
+                    <a:tcPr/>
+                  </a:tc>
+                  <a:tc>
+                    <a:txBody>
+                      <a:bodyPr/>
+                      <a:lstStyle/>
+                      <a:p>
+                        <a:pPr algn="ctr"/>
+                        <a:r>
+                          <a:rPr lang="en-CA" dirty="0" smtClean="0"/>
+                          <a:t>1</a:t>
+                        </a:r>
+                        <a:endParaRPr lang="en-CA" dirty="0"/>
+                      </a:p>
+                    </a:txBody>
+                    <a:tcPr/>
+                  </a:tc>
+                  <a:tc>
+                    <a:txBody>
+                      <a:bodyPr/>
+                      <a:lstStyle/>
+                      <a:p>
+                        <a:pPr algn="ctr"/>
+                        <a:r>
+                          <a:rPr lang="en-CA" dirty="0" smtClean="0"/>
+                          <a:t>0</a:t>
+                        </a:r>
+                        <a:endParaRPr lang="en-CA" dirty="0"/>
+                      </a:p>
+                    </a:txBody>
+                    <a:tcPr/>
+                  </a:tc>
+                  <a:tc>
+                    <a:txBody>
+                      <a:bodyPr/>
+                      <a:lstStyle/>
+                      <a:p>
+                        <a:pPr algn="ctr"/>
+                        <a:r>
+                          <a:rPr lang="en-CA" dirty="0" smtClean="0"/>
+                          <a:t>1</a:t>
+                        </a:r>
+                        <a:endParaRPr lang="en-CA" dirty="0"/>
+                      </a:p>
+                    </a:txBody>
+                    <a:tcPr/>
+                  </a:tc>
+                </a:tr>
+                <a:tr h="444657">
+                  <a:tc>
+                    <a:txBody>
+                      <a:bodyPr/>
+                      <a:lstStyle/>
+                      <a:p>
+                        <a:pPr algn="ctr"/>
+                        <a:r>
+                          <a:rPr lang="en-CA" dirty="0" smtClean="0"/>
+                          <a:t>6</a:t>
+                        </a:r>
+                        <a:endParaRPr lang="en-CA" dirty="0"/>
+                      </a:p>
+                    </a:txBody>
+                    <a:tcPr/>
+                  </a:tc>
+                  <a:tc>
+                    <a:txBody>
+                      <a:bodyPr/>
+                      <a:lstStyle/>
+                      <a:p>
+                        <a:pPr algn="ctr"/>
+                        <a:r>
+                          <a:rPr lang="en-CA" dirty="0" smtClean="0"/>
+                          <a:t>1</a:t>
+                        </a:r>
+                        <a:endParaRPr lang="en-CA" dirty="0"/>
+                      </a:p>
+                    </a:txBody>
+                    <a:tcPr/>
+                  </a:tc>
+                  <a:tc>
+                    <a:txBody>
+                      <a:bodyPr/>
+                      <a:lstStyle/>
+                      <a:p>
+                        <a:pPr algn="ctr"/>
+                        <a:r>
+                          <a:rPr lang="en-CA" dirty="0" smtClean="0"/>
+                          <a:t>0</a:t>
+                        </a:r>
+                        <a:endParaRPr lang="en-CA" dirty="0"/>
+                      </a:p>
+                    </a:txBody>
+                    <a:tcPr/>
+                  </a:tc>
+                  <a:tc>
+                    <a:txBody>
+                      <a:bodyPr/>
+                      <a:lstStyle/>
+                      <a:p>
+                        <a:pPr algn="ctr"/>
+                        <a:r>
+                          <a:rPr lang="en-CA" dirty="0" smtClean="0"/>
+                          <a:t>1</a:t>
+                        </a:r>
+                        <a:endParaRPr lang="en-CA" dirty="0"/>
+                      </a:p>
+                    </a:txBody>
+                    <a:tcPr/>
+                  </a:tc>
+                  <a:tc>
+                    <a:txBody>
+                      <a:bodyPr/>
+                      <a:lstStyle/>
+                      <a:p>
+                        <a:pPr algn="ctr"/>
+                        <a:r>
+                          <a:rPr lang="en-CA" dirty="0" smtClean="0"/>
+                          <a:t>0</a:t>
+                        </a:r>
+                        <a:endParaRPr lang="en-CA" dirty="0"/>
+                      </a:p>
+                    </a:txBody>
+                    <a:tcPr/>
+                  </a:tc>
+                  <a:tc>
+                    <a:txBody>
+                      <a:bodyPr/>
+                      <a:lstStyle/>
+                      <a:p>
+                        <a:pPr algn="ctr"/>
+                        <a:r>
+                          <a:rPr lang="en-CA" dirty="0" smtClean="0"/>
+                          <a:t>1</a:t>
+                        </a:r>
+                        <a:endParaRPr lang="en-CA" dirty="0"/>
+                      </a:p>
+                    </a:txBody>
+                    <a:tcPr/>
+                  </a:tc>
+                  <a:tc>
+                    <a:txBody>
+                      <a:bodyPr/>
+                      <a:lstStyle/>
+                      <a:p>
+                        <a:pPr algn="ctr"/>
+                        <a:r>
+                          <a:rPr lang="en-CA" dirty="0" smtClean="0"/>
+                          <a:t>0</a:t>
+                        </a:r>
+                        <a:endParaRPr lang="en-CA" dirty="0"/>
+                      </a:p>
+                    </a:txBody>
+                    <a:tcPr/>
+                  </a:tc>
+                  <a:tc>
+                    <a:txBody>
+                      <a:bodyPr/>
+                      <a:lstStyle/>
+                      <a:p>
+                        <a:pPr algn="ctr"/>
+                        <a:r>
+                          <a:rPr lang="en-CA" dirty="0" smtClean="0"/>
+                          <a:t>1</a:t>
+                        </a:r>
+                        <a:endParaRPr lang="en-CA" dirty="0"/>
+                      </a:p>
+                    </a:txBody>
+                    <a:tcPr/>
+                  </a:tc>
+                  <a:tc>
+                    <a:txBody>
+                      <a:bodyPr/>
+                      <a:lstStyle/>
+                      <a:p>
+                        <a:pPr algn="ctr"/>
+                        <a:r>
+                          <a:rPr lang="en-CA" dirty="0" smtClean="0"/>
+                          <a:t>0</a:t>
+                        </a:r>
+                        <a:endParaRPr lang="en-CA" dirty="0"/>
+                      </a:p>
+                    </a:txBody>
+                    <a:tcPr/>
+                  </a:tc>
+                </a:tr>
+                <a:tr h="444657">
+                  <a:tc>
+                    <a:txBody>
+                      <a:bodyPr/>
+                      <a:lstStyle/>
+                      <a:p>
+                        <a:pPr algn="ctr"/>
+                        <a:r>
+                          <a:rPr lang="en-CA" dirty="0" smtClean="0"/>
+                          <a:t>7</a:t>
+                        </a:r>
+                        <a:endParaRPr lang="en-CA" dirty="0"/>
+                      </a:p>
+                    </a:txBody>
+                    <a:tcPr/>
+                  </a:tc>
+                  <a:tc>
+                    <a:txBody>
+                      <a:bodyPr/>
+                      <a:lstStyle/>
+                      <a:p>
+                        <a:pPr algn="ctr"/>
+                        <a:r>
+                          <a:rPr lang="en-CA" dirty="0" smtClean="0"/>
+                          <a:t>1</a:t>
+                        </a:r>
+                        <a:endParaRPr lang="en-CA" dirty="0"/>
+                      </a:p>
+                    </a:txBody>
+                    <a:tcPr/>
+                  </a:tc>
+                  <a:tc>
+                    <a:txBody>
+                      <a:bodyPr/>
+                      <a:lstStyle/>
+                      <a:p>
+                        <a:pPr algn="ctr"/>
+                        <a:r>
+                          <a:rPr lang="en-CA" dirty="0" smtClean="0"/>
+                          <a:t>0</a:t>
+                        </a:r>
+                        <a:endParaRPr lang="en-CA" dirty="0"/>
+                      </a:p>
+                    </a:txBody>
+                    <a:tcPr/>
+                  </a:tc>
+                  <a:tc>
+                    <a:txBody>
+                      <a:bodyPr/>
+                      <a:lstStyle/>
+                      <a:p>
+                        <a:pPr algn="ctr"/>
+                        <a:r>
+                          <a:rPr lang="en-CA" dirty="0" smtClean="0"/>
+                          <a:t>1</a:t>
+                        </a:r>
+                        <a:endParaRPr lang="en-CA" dirty="0"/>
+                      </a:p>
+                    </a:txBody>
+                    <a:tcPr/>
+                  </a:tc>
+                  <a:tc>
+                    <a:txBody>
+                      <a:bodyPr/>
+                      <a:lstStyle/>
+                      <a:p>
+                        <a:pPr algn="ctr"/>
+                        <a:r>
+                          <a:rPr lang="en-CA" dirty="0" smtClean="0"/>
+                          <a:t>0</a:t>
+                        </a:r>
+                        <a:endParaRPr lang="en-CA" dirty="0"/>
+                      </a:p>
+                    </a:txBody>
+                    <a:tcPr/>
+                  </a:tc>
+                  <a:tc>
+                    <a:txBody>
+                      <a:bodyPr/>
+                      <a:lstStyle/>
+                      <a:p>
+                        <a:pPr algn="ctr"/>
+                        <a:r>
+                          <a:rPr lang="en-CA" dirty="0" smtClean="0"/>
+                          <a:t>0</a:t>
+                        </a:r>
+                        <a:endParaRPr lang="en-CA" dirty="0"/>
+                      </a:p>
+                    </a:txBody>
+                    <a:tcPr/>
+                  </a:tc>
+                  <a:tc>
+                    <a:txBody>
+                      <a:bodyPr/>
+                      <a:lstStyle/>
+                      <a:p>
+                        <a:pPr algn="ctr"/>
+                        <a:r>
+                          <a:rPr lang="en-CA" dirty="0" smtClean="0"/>
+                          <a:t>1</a:t>
+                        </a:r>
+                        <a:endParaRPr lang="en-CA" dirty="0"/>
+                      </a:p>
+                    </a:txBody>
+                    <a:tcPr/>
+                  </a:tc>
+                  <a:tc>
+                    <a:txBody>
+                      <a:bodyPr/>
+                      <a:lstStyle/>
+                      <a:p>
+                        <a:pPr algn="ctr"/>
+                        <a:r>
+                          <a:rPr lang="en-CA" dirty="0" smtClean="0"/>
+                          <a:t>0</a:t>
+                        </a:r>
+                        <a:endParaRPr lang="en-CA" dirty="0"/>
+                      </a:p>
+                    </a:txBody>
+                    <a:tcPr/>
+                  </a:tc>
+                  <a:tc>
+                    <a:txBody>
+                      <a:bodyPr/>
+                      <a:lstStyle/>
+                      <a:p>
+                        <a:pPr algn="ctr"/>
+                        <a:r>
+                          <a:rPr lang="en-CA" dirty="0" smtClean="0"/>
+                          <a:t>0</a:t>
+                        </a:r>
+                        <a:endParaRPr lang="en-CA" dirty="0"/>
+                      </a:p>
+                    </a:txBody>
+                    <a:tcPr/>
+                  </a:tc>
+                </a:tr>
+                <a:tr h="444657">
+                  <a:tc>
+                    <a:txBody>
+                      <a:bodyPr/>
+                      <a:lstStyle/>
+                      <a:p>
+                        <a:pPr algn="ctr"/>
+                        <a:r>
+                          <a:rPr lang="en-CA" dirty="0" smtClean="0"/>
+                          <a:t>8</a:t>
+                        </a:r>
+                        <a:endParaRPr lang="en-CA" dirty="0"/>
+                      </a:p>
+                    </a:txBody>
+                    <a:tcPr/>
+                  </a:tc>
+                  <a:tc>
+                    <a:txBody>
+                      <a:bodyPr/>
+                      <a:lstStyle/>
+                      <a:p>
+                        <a:pPr algn="ctr"/>
+                        <a:r>
+                          <a:rPr lang="en-CA" dirty="0" smtClean="0"/>
+                          <a:t>0</a:t>
+                        </a:r>
+                        <a:endParaRPr lang="en-CA" dirty="0"/>
+                      </a:p>
+                    </a:txBody>
+                    <a:tcPr/>
+                  </a:tc>
+                  <a:tc>
+                    <a:txBody>
+                      <a:bodyPr/>
+                      <a:lstStyle/>
+                      <a:p>
+                        <a:pPr algn="ctr"/>
+                        <a:r>
+                          <a:rPr lang="en-CA" dirty="0" smtClean="0"/>
+                          <a:t>0</a:t>
+                        </a:r>
+                        <a:endParaRPr lang="en-CA" dirty="0"/>
+                      </a:p>
+                    </a:txBody>
+                    <a:tcPr/>
+                  </a:tc>
+                  <a:tc>
+                    <a:txBody>
+                      <a:bodyPr/>
+                      <a:lstStyle/>
+                      <a:p>
+                        <a:pPr algn="ctr"/>
+                        <a:r>
+                          <a:rPr lang="en-CA" dirty="0" smtClean="0"/>
+                          <a:t>0</a:t>
+                        </a:r>
+                        <a:endParaRPr lang="en-CA" dirty="0"/>
+                      </a:p>
+                    </a:txBody>
+                    <a:tcPr/>
+                  </a:tc>
+                  <a:tc>
+                    <a:txBody>
+                      <a:bodyPr/>
+                      <a:lstStyle/>
+                      <a:p>
+                        <a:pPr algn="ctr"/>
+                        <a:r>
+                          <a:rPr lang="en-CA" dirty="0" smtClean="0"/>
+                          <a:t>1</a:t>
+                        </a:r>
+                        <a:endParaRPr lang="en-CA" dirty="0"/>
+                      </a:p>
+                    </a:txBody>
+                    <a:tcPr/>
+                  </a:tc>
+                  <a:tc>
+                    <a:txBody>
+                      <a:bodyPr/>
+                      <a:lstStyle/>
+                      <a:p>
+                        <a:pPr algn="ctr"/>
+                        <a:r>
+                          <a:rPr lang="en-CA" dirty="0" smtClean="0"/>
+                          <a:t>1</a:t>
+                        </a:r>
+                        <a:endParaRPr lang="en-CA" dirty="0"/>
+                      </a:p>
+                    </a:txBody>
+                    <a:tcPr/>
+                  </a:tc>
+                  <a:tc>
+                    <a:txBody>
+                      <a:bodyPr/>
+                      <a:lstStyle/>
+                      <a:p>
+                        <a:pPr algn="ctr"/>
+                        <a:r>
+                          <a:rPr lang="en-CA" dirty="0" smtClean="0"/>
+                          <a:t>0</a:t>
+                        </a:r>
+                        <a:endParaRPr lang="en-CA" dirty="0"/>
+                      </a:p>
+                    </a:txBody>
+                    <a:tcPr/>
+                  </a:tc>
+                  <a:tc>
+                    <a:txBody>
+                      <a:bodyPr/>
+                      <a:lstStyle/>
+                      <a:p>
+                        <a:pPr algn="ctr"/>
+                        <a:r>
+                          <a:rPr lang="en-CA" dirty="0" smtClean="0"/>
+                          <a:t>0</a:t>
+                        </a:r>
+                        <a:endParaRPr lang="en-CA" dirty="0"/>
+                      </a:p>
+                    </a:txBody>
+                    <a:tcPr/>
+                  </a:tc>
+                  <a:tc>
+                    <a:txBody>
+                      <a:bodyPr/>
+                      <a:lstStyle/>
+                      <a:p>
+                        <a:pPr algn="ctr"/>
+                        <a:r>
+                          <a:rPr lang="en-CA" dirty="0" smtClean="0"/>
+                          <a:t>0</a:t>
+                        </a:r>
+                        <a:endParaRPr lang="en-CA" dirty="0"/>
+                      </a:p>
+                    </a:txBody>
+                    <a:tcPr/>
+                  </a:tc>
+                </a:tr>
+              </a:tbl>
+            </a:graphicData>
+          </a:graphic>
+        </p:graphicFrame>
+        <p:sp>
+          <p:nvSpPr>
+            <p:cNvPr id="5" name="Right Triangle 4"/>
+            <p:cNvSpPr/>
+            <p:nvPr/>
+          </p:nvSpPr>
+          <p:spPr>
+            <a:xfrm rot="10800000">
+              <a:off x="5796136" y="1916832"/>
+              <a:ext cx="1296144" cy="1440160"/>
+            </a:xfrm>
+            <a:prstGeom prst="rtTriangle">
+              <a:avLst/>
+            </a:prstGeom>
+            <a:noFill/>
+            <a:ln w="22225" cmpd="sng">
+              <a:solidFill>
+                <a:srgbClr val="FF0000"/>
+              </a:solidFill>
+            </a:ln>
+          </p:spPr>
+          <p:style>
+            <a:lnRef idx="2">
+              <a:schemeClr val="accent1">
+                <a:shade val="50000"/>
+              </a:schemeClr>
+            </a:lnRef>
+            <a:fillRef idx="1">
               <a:schemeClr val="accent1"/>
-            </a:solidFill>
-          </a:ln>
-        </p:spPr>
-        <p:style>
-          <a:lnRef idx="2">
-            <a:schemeClr val="accent1">
-              <a:shade val="50000"/>
-            </a:schemeClr>
-          </a:lnRef>
-          <a:fillRef idx="1">
-            <a:schemeClr val="accent1"/>
-          </a:fillRef>
-          <a:effectRef idx="0">
-            <a:schemeClr val="accent1"/>
-          </a:effectRef>
-          <a:fontRef idx="minor">
-            <a:schemeClr val="lt1"/>
-          </a:fontRef>
-        </p:style>
-        <p:txBody>
-          <a:bodyPr rtlCol="0" anchor="ctr"/>
-          <a:lstStyle/>
-          <a:p>
-            <a:pPr algn="ctr"/>
-            <a:endParaRPr lang="en-CA"/>
-          </a:p>
-        </p:txBody>
-      </p:sp>
+            </a:fillRef>
+            <a:effectRef idx="0">
+              <a:schemeClr val="accent1"/>
+            </a:effectRef>
+            <a:fontRef idx="minor">
+              <a:schemeClr val="lt1"/>
+            </a:fontRef>
+          </p:style>
+          <p:txBody>
+            <a:bodyPr rtlCol="0" anchor="ctr"/>
+            <a:lstStyle/>
+            <a:p>
+              <a:pPr algn="ctr"/>
+              <a:endParaRPr lang="en-CA"/>
+            </a:p>
+          </p:txBody>
+        </p:sp>
+        <p:sp>
+          <p:nvSpPr>
+            <p:cNvPr id="6" name="Right Triangle 5"/>
+            <p:cNvSpPr/>
+            <p:nvPr/>
+          </p:nvSpPr>
+          <p:spPr>
+            <a:xfrm rot="10800000">
+              <a:off x="7380312" y="3717031"/>
+              <a:ext cx="1296144" cy="1440160"/>
+            </a:xfrm>
+            <a:prstGeom prst="rtTriangle">
+              <a:avLst/>
+            </a:prstGeom>
+            <a:noFill/>
+            <a:ln w="22225" cmpd="sng">
+              <a:solidFill>
+                <a:srgbClr val="FF0000"/>
+              </a:solidFill>
+            </a:ln>
+          </p:spPr>
+          <p:style>
+            <a:lnRef idx="2">
+              <a:schemeClr val="accent1">
+                <a:shade val="50000"/>
+              </a:schemeClr>
+            </a:lnRef>
+            <a:fillRef idx="1">
+              <a:schemeClr val="accent1"/>
+            </a:fillRef>
+            <a:effectRef idx="0">
+              <a:schemeClr val="accent1"/>
+            </a:effectRef>
+            <a:fontRef idx="minor">
+              <a:schemeClr val="lt1"/>
+            </a:fontRef>
+          </p:style>
+          <p:txBody>
+            <a:bodyPr rtlCol="0" anchor="ctr"/>
+            <a:lstStyle/>
+            <a:p>
+              <a:pPr algn="ctr"/>
+              <a:endParaRPr lang="en-CA"/>
+            </a:p>
+          </p:txBody>
+        </p:sp>
+        <p:sp>
+          <p:nvSpPr>
+            <p:cNvPr id="7" name="Rectangle 6"/>
+            <p:cNvSpPr/>
+            <p:nvPr/>
+          </p:nvSpPr>
+          <p:spPr>
+            <a:xfrm>
+              <a:off x="7164288" y="1916832"/>
+              <a:ext cx="1512168" cy="1728192"/>
+            </a:xfrm>
+            <a:prstGeom prst="rect">
+              <a:avLst/>
+            </a:prstGeom>
+            <a:noFill/>
+            <a:ln w="28575" cmpd="sng">
+              <a:solidFill>
+                <a:schemeClr val="accent1"/>
+              </a:solidFill>
+            </a:ln>
+          </p:spPr>
+          <p:style>
+            <a:lnRef idx="2">
+              <a:schemeClr val="accent1">
+                <a:shade val="50000"/>
+              </a:schemeClr>
+            </a:lnRef>
+            <a:fillRef idx="1">
+              <a:schemeClr val="accent1"/>
+            </a:fillRef>
+            <a:effectRef idx="0">
+              <a:schemeClr val="accent1"/>
+            </a:effectRef>
+            <a:fontRef idx="minor">
+              <a:schemeClr val="lt1"/>
+            </a:fontRef>
+          </p:style>
+          <p:txBody>
+            <a:bodyPr rtlCol="0" anchor="ctr"/>
+            <a:lstStyle/>
+            <a:p>
+              <a:pPr algn="ctr"/>
+              <a:endParaRPr lang="en-CA"/>
+            </a:p>
+          </p:txBody>
+        </p:sp>
+      </p:grpSp>
     </p:spTree>
     <p:extLst>
       <p:ext uri="{BB962C8B-B14F-4D97-AF65-F5344CB8AC3E}">
